--- a/2025 Présentation Atelier simulation.pptx
+++ b/2025 Présentation Atelier simulation.pptx
@@ -188,7 +188,7 @@
       <p15:sldGuideLst xmlns:p15="http://schemas.microsoft.com/office/powerpoint/2012/main"/>
     </p:ext>
     <p:ext uri="GoogleSlidesCustomDataVersion2">
-      <go:slidesCustomData xmlns="" xmlns:mc="http://schemas.openxmlformats.org/markup-compatibility/2006" xmlns:mv="urn:schemas-microsoft-com:mac:vml" xmlns:c="http://schemas.openxmlformats.org/drawingml/2006/chart" xmlns:dgm="http://schemas.openxmlformats.org/drawingml/2006/diagram" xmlns:o="urn:schemas-microsoft-com:office:office" xmlns:v="urn:schemas-microsoft-com:vml" xmlns:pvml="urn:schemas-microsoft-com:office:powerpoint" xmlns:com="http://schemas.openxmlformats.org/drawingml/2006/compatibility" xmlns:p14="http://schemas.microsoft.com/office/powerpoint/2010/main" xmlns:p15="http://schemas.microsoft.com/office/powerpoint/2012/main" xmlns:ahyp="http://schemas.microsoft.com/office/drawing/2018/hyperlinkcolor" xmlns:go="http://customooxmlschemas.google.com/" r:id="rId112" roundtripDataSignature="AMtx7mg8oW9L1FNHNhUIDcMb2/qIjO1x+g=="/>
+      <go:slidesCustomData xmlns:go="http://customooxmlschemas.google.com/" xmlns:ahyp="http://schemas.microsoft.com/office/drawing/2018/hyperlinkcolor" xmlns:p15="http://schemas.microsoft.com/office/powerpoint/2012/main" xmlns:p14="http://schemas.microsoft.com/office/powerpoint/2010/main" xmlns:com="http://schemas.openxmlformats.org/drawingml/2006/compatibility" xmlns:pvml="urn:schemas-microsoft-com:office:powerpoint" xmlns:v="urn:schemas-microsoft-com:vml" xmlns:o="urn:schemas-microsoft-com:office:office" xmlns:dgm="http://schemas.openxmlformats.org/drawingml/2006/diagram" xmlns:c="http://schemas.openxmlformats.org/drawingml/2006/chart" xmlns:mv="urn:schemas-microsoft-com:mac:vml" xmlns:mc="http://schemas.openxmlformats.org/markup-compatibility/2006" xmlns="" r:id="rId112" roundtripDataSignature="AMtx7mg8oW9L1FNHNhUIDcMb2/qIjO1x+g=="/>
     </p:ext>
   </p:extLst>
 </p:presentation>
@@ -199,7 +199,7 @@
   <pc:docChgLst>
     <pc:chgData name="Marc-André Ménard" userId="817d93e3-0101-4cff-a017-7d19de51de8f" providerId="ADAL" clId="{2B1C4FA4-21F0-46EF-914B-7093A1E193E4}"/>
     <pc:docChg chg="undo redo custSel addSld delSld modSld">
-      <pc:chgData name="Marc-André Ménard" userId="817d93e3-0101-4cff-a017-7d19de51de8f" providerId="ADAL" clId="{2B1C4FA4-21F0-46EF-914B-7093A1E193E4}" dt="2025-08-25T11:43:27.670" v="286" actId="2696"/>
+      <pc:chgData name="Marc-André Ménard" userId="817d93e3-0101-4cff-a017-7d19de51de8f" providerId="ADAL" clId="{2B1C4FA4-21F0-46EF-914B-7093A1E193E4}" dt="2025-08-25T12:42:59.784" v="722" actId="20577"/>
       <pc:docMkLst>
         <pc:docMk/>
       </pc:docMkLst>
@@ -586,7 +586,7 @@
         </pc:spChg>
       </pc:sldChg>
       <pc:sldChg chg="addSp modSp">
-        <pc:chgData name="Marc-André Ménard" userId="817d93e3-0101-4cff-a017-7d19de51de8f" providerId="ADAL" clId="{2B1C4FA4-21F0-46EF-914B-7093A1E193E4}" dt="2025-08-25T11:35:12.238" v="182" actId="403"/>
+        <pc:chgData name="Marc-André Ménard" userId="817d93e3-0101-4cff-a017-7d19de51de8f" providerId="ADAL" clId="{2B1C4FA4-21F0-46EF-914B-7093A1E193E4}" dt="2025-08-25T12:37:34.321" v="544" actId="6549"/>
         <pc:sldMkLst>
           <pc:docMk/>
           <pc:sldMk cId="1566703291" sldId="2465"/>
@@ -616,11 +616,19 @@
           </ac:spMkLst>
         </pc:spChg>
         <pc:spChg chg="add mod">
-          <ac:chgData name="Marc-André Ménard" userId="817d93e3-0101-4cff-a017-7d19de51de8f" providerId="ADAL" clId="{2B1C4FA4-21F0-46EF-914B-7093A1E193E4}" dt="2025-08-25T11:33:04.936" v="91" actId="20577"/>
+          <ac:chgData name="Marc-André Ménard" userId="817d93e3-0101-4cff-a017-7d19de51de8f" providerId="ADAL" clId="{2B1C4FA4-21F0-46EF-914B-7093A1E193E4}" dt="2025-08-25T12:33:28.853" v="287"/>
           <ac:spMkLst>
             <pc:docMk/>
             <pc:sldMk cId="1566703291" sldId="2465"/>
             <ac:spMk id="7" creationId="{9BC6974F-6B26-4114-8A40-960DDDBB3696}"/>
+          </ac:spMkLst>
+        </pc:spChg>
+        <pc:spChg chg="add mod">
+          <ac:chgData name="Marc-André Ménard" userId="817d93e3-0101-4cff-a017-7d19de51de8f" providerId="ADAL" clId="{2B1C4FA4-21F0-46EF-914B-7093A1E193E4}" dt="2025-08-25T12:37:34.321" v="544" actId="6549"/>
+          <ac:spMkLst>
+            <pc:docMk/>
+            <pc:sldMk cId="1566703291" sldId="2465"/>
+            <ac:spMk id="8" creationId="{0138BE32-51C7-46A8-A7E8-B7EF5BAF1C69}"/>
           </ac:spMkLst>
         </pc:spChg>
       </pc:sldChg>
@@ -898,7 +906,7 @@
         </pc:spChg>
       </pc:sldChg>
       <pc:sldChg chg="addSp modSp">
-        <pc:chgData name="Marc-André Ménard" userId="817d93e3-0101-4cff-a017-7d19de51de8f" providerId="ADAL" clId="{2B1C4FA4-21F0-46EF-914B-7093A1E193E4}" dt="2025-08-25T11:37:34.413" v="218" actId="207"/>
+        <pc:chgData name="Marc-André Ménard" userId="817d93e3-0101-4cff-a017-7d19de51de8f" providerId="ADAL" clId="{2B1C4FA4-21F0-46EF-914B-7093A1E193E4}" dt="2025-08-25T12:42:59.784" v="722" actId="20577"/>
         <pc:sldMkLst>
           <pc:docMk/>
           <pc:sldMk cId="470703908" sldId="2473"/>
@@ -925,6 +933,14 @@
             <pc:docMk/>
             <pc:sldMk cId="470703908" sldId="2473"/>
             <ac:spMk id="6" creationId="{950C34F8-D7C9-448E-B591-8CCCCEBBE2F6}"/>
+          </ac:spMkLst>
+        </pc:spChg>
+        <pc:spChg chg="add mod">
+          <ac:chgData name="Marc-André Ménard" userId="817d93e3-0101-4cff-a017-7d19de51de8f" providerId="ADAL" clId="{2B1C4FA4-21F0-46EF-914B-7093A1E193E4}" dt="2025-08-25T12:42:59.784" v="722" actId="20577"/>
+          <ac:spMkLst>
+            <pc:docMk/>
+            <pc:sldMk cId="470703908" sldId="2473"/>
+            <ac:spMk id="7" creationId="{FB3E7DBF-95CF-4327-8044-E065C4559D04}"/>
           </ac:spMkLst>
         </pc:spChg>
       </pc:sldChg>
@@ -14764,6 +14780,245 @@
           </a:p>
         </p:txBody>
       </p:sp>
+      <p:sp>
+        <p:nvSpPr>
+          <p:cNvPr id="7" name="Google Shape;309;p23">
+            <a:extLst>
+              <a:ext uri="{FF2B5EF4-FFF2-40B4-BE49-F238E27FC236}">
+                <a16:creationId xmlns:a16="http://schemas.microsoft.com/office/drawing/2014/main" id="{FB3E7DBF-95CF-4327-8044-E065C4559D04}"/>
+              </a:ext>
+            </a:extLst>
+          </p:cNvPr>
+          <p:cNvSpPr txBox="1">
+            <a:spLocks/>
+          </p:cNvSpPr>
+          <p:nvPr/>
+        </p:nvSpPr>
+        <p:spPr>
+          <a:xfrm>
+            <a:off x="1236225" y="2145724"/>
+            <a:ext cx="9342220" cy="3889002"/>
+          </a:xfrm>
+          <a:prstGeom prst="rect">
+            <a:avLst/>
+          </a:prstGeom>
+          <a:noFill/>
+        </p:spPr>
+        <p:txBody>
+          <a:bodyPr spcFirstLastPara="1" vert="horz" wrap="square" lIns="0" tIns="0" rIns="0" bIns="0" rtlCol="0" anchor="t" anchorCtr="0">
+            <a:normAutofit/>
+          </a:bodyPr>
+          <a:lstStyle>
+            <a:lvl1pPr marL="0" indent="0" algn="l" defTabSz="914400" rtl="0" eaLnBrk="1" latinLnBrk="0" hangingPunct="1">
+              <a:lnSpc>
+                <a:spcPct val="90000"/>
+              </a:lnSpc>
+              <a:spcBef>
+                <a:spcPts val="1000"/>
+              </a:spcBef>
+              <a:buClr>
+                <a:schemeClr val="tx2"/>
+              </a:buClr>
+              <a:buFont typeface="Arial" panose="020B0604020202020204" pitchFamily="34" charset="0"/>
+              <a:buNone/>
+              <a:defRPr sz="4000" b="0" i="0" kern="1200">
+                <a:solidFill>
+                  <a:schemeClr val="tx1"/>
+                </a:solidFill>
+                <a:latin typeface="Overpass Light" pitchFamily="2" charset="77"/>
+                <a:ea typeface="+mn-ea"/>
+                <a:cs typeface="+mn-cs"/>
+              </a:defRPr>
+            </a:lvl1pPr>
+            <a:lvl2pPr marL="685800" indent="-228600" algn="l" defTabSz="914400" rtl="0" eaLnBrk="1" latinLnBrk="0" hangingPunct="1">
+              <a:lnSpc>
+                <a:spcPct val="90000"/>
+              </a:lnSpc>
+              <a:spcBef>
+                <a:spcPts val="1000"/>
+              </a:spcBef>
+              <a:buClr>
+                <a:schemeClr val="tx2"/>
+              </a:buClr>
+              <a:buFont typeface="Arial" panose="020B0604020202020204" pitchFamily="34" charset="0"/>
+              <a:buChar char="•"/>
+              <a:defRPr sz="3600" b="0" i="0" kern="1200">
+                <a:solidFill>
+                  <a:schemeClr val="tx1"/>
+                </a:solidFill>
+                <a:latin typeface="Overpass Light" pitchFamily="2" charset="77"/>
+                <a:ea typeface="+mn-ea"/>
+                <a:cs typeface="+mn-cs"/>
+              </a:defRPr>
+            </a:lvl2pPr>
+            <a:lvl3pPr marL="1143000" indent="-228600" algn="l" defTabSz="914400" rtl="0" eaLnBrk="1" latinLnBrk="0" hangingPunct="1">
+              <a:lnSpc>
+                <a:spcPct val="90000"/>
+              </a:lnSpc>
+              <a:spcBef>
+                <a:spcPts val="600"/>
+              </a:spcBef>
+              <a:buClr>
+                <a:schemeClr val="tx2"/>
+              </a:buClr>
+              <a:buFont typeface="Arial" panose="020B0604020202020204" pitchFamily="34" charset="0"/>
+              <a:buChar char="•"/>
+              <a:defRPr sz="3200" b="0" i="0" kern="1200">
+                <a:solidFill>
+                  <a:schemeClr val="tx1"/>
+                </a:solidFill>
+                <a:latin typeface="Overpass Light" pitchFamily="2" charset="77"/>
+                <a:ea typeface="+mn-ea"/>
+                <a:cs typeface="+mn-cs"/>
+              </a:defRPr>
+            </a:lvl3pPr>
+            <a:lvl4pPr marL="1600200" indent="-228600" algn="l" defTabSz="914400" rtl="0" eaLnBrk="1" latinLnBrk="0" hangingPunct="1">
+              <a:lnSpc>
+                <a:spcPct val="90000"/>
+              </a:lnSpc>
+              <a:spcBef>
+                <a:spcPts val="300"/>
+              </a:spcBef>
+              <a:buClr>
+                <a:schemeClr val="tx2"/>
+              </a:buClr>
+              <a:buFont typeface="Arial" panose="020B0604020202020204" pitchFamily="34" charset="0"/>
+              <a:buChar char="•"/>
+              <a:defRPr sz="2400" b="0" i="0" kern="1200">
+                <a:solidFill>
+                  <a:schemeClr val="tx1"/>
+                </a:solidFill>
+                <a:latin typeface="Overpass Light" pitchFamily="2" charset="77"/>
+                <a:ea typeface="+mn-ea"/>
+                <a:cs typeface="+mn-cs"/>
+              </a:defRPr>
+            </a:lvl4pPr>
+            <a:lvl5pPr marL="2057400" indent="-228600" algn="l" defTabSz="914400" rtl="0" eaLnBrk="1" latinLnBrk="0" hangingPunct="1">
+              <a:lnSpc>
+                <a:spcPct val="90000"/>
+              </a:lnSpc>
+              <a:spcBef>
+                <a:spcPts val="500"/>
+              </a:spcBef>
+              <a:buClr>
+                <a:schemeClr val="tx2"/>
+              </a:buClr>
+              <a:buFont typeface="Arial" panose="020B0604020202020204" pitchFamily="34" charset="0"/>
+              <a:buChar char="•"/>
+              <a:defRPr sz="2000" b="0" i="0" kern="1200">
+                <a:solidFill>
+                  <a:schemeClr val="tx1"/>
+                </a:solidFill>
+                <a:latin typeface="Overpass Light" pitchFamily="2" charset="77"/>
+                <a:ea typeface="+mn-ea"/>
+                <a:cs typeface="+mn-cs"/>
+              </a:defRPr>
+            </a:lvl5pPr>
+            <a:lvl6pPr marL="2514600" indent="-228600" algn="l" defTabSz="914400" rtl="0" eaLnBrk="1" latinLnBrk="0" hangingPunct="1">
+              <a:lnSpc>
+                <a:spcPct val="90000"/>
+              </a:lnSpc>
+              <a:spcBef>
+                <a:spcPts val="500"/>
+              </a:spcBef>
+              <a:buFont typeface="Arial" panose="020B0604020202020204" pitchFamily="34" charset="0"/>
+              <a:buChar char="•"/>
+              <a:defRPr sz="1800" kern="1200">
+                <a:solidFill>
+                  <a:schemeClr val="tx1"/>
+                </a:solidFill>
+                <a:latin typeface="+mn-lt"/>
+                <a:ea typeface="+mn-ea"/>
+                <a:cs typeface="+mn-cs"/>
+              </a:defRPr>
+            </a:lvl6pPr>
+            <a:lvl7pPr marL="2971800" indent="-228600" algn="l" defTabSz="914400" rtl="0" eaLnBrk="1" latinLnBrk="0" hangingPunct="1">
+              <a:lnSpc>
+                <a:spcPct val="90000"/>
+              </a:lnSpc>
+              <a:spcBef>
+                <a:spcPts val="500"/>
+              </a:spcBef>
+              <a:buFont typeface="Arial" panose="020B0604020202020204" pitchFamily="34" charset="0"/>
+              <a:buChar char="•"/>
+              <a:defRPr sz="1800" kern="1200">
+                <a:solidFill>
+                  <a:schemeClr val="tx1"/>
+                </a:solidFill>
+                <a:latin typeface="+mn-lt"/>
+                <a:ea typeface="+mn-ea"/>
+                <a:cs typeface="+mn-cs"/>
+              </a:defRPr>
+            </a:lvl7pPr>
+            <a:lvl8pPr marL="3429000" indent="-228600" algn="l" defTabSz="914400" rtl="0" eaLnBrk="1" latinLnBrk="0" hangingPunct="1">
+              <a:lnSpc>
+                <a:spcPct val="90000"/>
+              </a:lnSpc>
+              <a:spcBef>
+                <a:spcPts val="500"/>
+              </a:spcBef>
+              <a:buFont typeface="Arial" panose="020B0604020202020204" pitchFamily="34" charset="0"/>
+              <a:buChar char="•"/>
+              <a:defRPr sz="1800" kern="1200">
+                <a:solidFill>
+                  <a:schemeClr val="tx1"/>
+                </a:solidFill>
+                <a:latin typeface="+mn-lt"/>
+                <a:ea typeface="+mn-ea"/>
+                <a:cs typeface="+mn-cs"/>
+              </a:defRPr>
+            </a:lvl8pPr>
+            <a:lvl9pPr marL="3886200" indent="-228600" algn="l" defTabSz="914400" rtl="0" eaLnBrk="1" latinLnBrk="0" hangingPunct="1">
+              <a:lnSpc>
+                <a:spcPct val="90000"/>
+              </a:lnSpc>
+              <a:spcBef>
+                <a:spcPts val="500"/>
+              </a:spcBef>
+              <a:buFont typeface="Arial" panose="020B0604020202020204" pitchFamily="34" charset="0"/>
+              <a:buChar char="•"/>
+              <a:defRPr sz="1800" kern="1200">
+                <a:solidFill>
+                  <a:schemeClr val="tx1"/>
+                </a:solidFill>
+                <a:latin typeface="+mn-lt"/>
+                <a:ea typeface="+mn-ea"/>
+                <a:cs typeface="+mn-cs"/>
+              </a:defRPr>
+            </a:lvl9pPr>
+          </a:lstStyle>
+          <a:p>
+            <a:pPr marL="457200" indent="-457200">
+              <a:spcBef>
+                <a:spcPts val="1067"/>
+              </a:spcBef>
+              <a:buFont typeface="Arial" panose="020B0604020202020204" pitchFamily="34" charset="0"/>
+              <a:buChar char="•"/>
+            </a:pPr>
+            <a:r>
+              <a:rPr lang="fr-CA" sz="2600">
+                <a:latin typeface="Arial" panose="020B0604020202020204" pitchFamily="34" charset="0"/>
+                <a:cs typeface="Arial" panose="020B0604020202020204" pitchFamily="34" charset="0"/>
+                <a:sym typeface="Overpass"/>
+              </a:rPr>
+              <a:t>Consiste à </a:t>
+            </a:r>
+            <a:r>
+              <a:rPr lang="fr-CA" sz="2600" dirty="0">
+                <a:latin typeface="Arial" panose="020B0604020202020204" pitchFamily="34" charset="0"/>
+                <a:cs typeface="Arial" panose="020B0604020202020204" pitchFamily="34" charset="0"/>
+                <a:sym typeface="Overpass"/>
+              </a:rPr>
+              <a:t>exécuter plusieurs fois la même expérimentation afin d’évaluer la variabilité des résultats.</a:t>
+            </a:r>
+            <a:endParaRPr lang="fr-CA" sz="2200" dirty="0">
+              <a:latin typeface="Arial" panose="020B0604020202020204" pitchFamily="34" charset="0"/>
+              <a:cs typeface="Arial" panose="020B0604020202020204" pitchFamily="34" charset="0"/>
+              <a:sym typeface="Overpass"/>
+            </a:endParaRPr>
+          </a:p>
+        </p:txBody>
+      </p:sp>
     </p:spTree>
     <p:extLst>
       <p:ext uri="{BB962C8B-B14F-4D97-AF65-F5344CB8AC3E}">
@@ -44035,6 +44290,382 @@
               <a:cs typeface="Arial" panose="020B0604020202020204" pitchFamily="34" charset="0"/>
               <a:sym typeface="Overpass"/>
             </a:endParaRPr>
+          </a:p>
+        </p:txBody>
+      </p:sp>
+      <p:sp>
+        <p:nvSpPr>
+          <p:cNvPr id="8" name="Google Shape;309;p23">
+            <a:extLst>
+              <a:ext uri="{FF2B5EF4-FFF2-40B4-BE49-F238E27FC236}">
+                <a16:creationId xmlns:a16="http://schemas.microsoft.com/office/drawing/2014/main" id="{0138BE32-51C7-46A8-A7E8-B7EF5BAF1C69}"/>
+              </a:ext>
+            </a:extLst>
+          </p:cNvPr>
+          <p:cNvSpPr txBox="1">
+            <a:spLocks/>
+          </p:cNvSpPr>
+          <p:nvPr/>
+        </p:nvSpPr>
+        <p:spPr>
+          <a:xfrm>
+            <a:off x="972600" y="1673900"/>
+            <a:ext cx="9266806" cy="3889002"/>
+          </a:xfrm>
+          <a:prstGeom prst="rect">
+            <a:avLst/>
+          </a:prstGeom>
+          <a:noFill/>
+        </p:spPr>
+        <p:txBody>
+          <a:bodyPr spcFirstLastPara="1" vert="horz" wrap="square" lIns="0" tIns="0" rIns="0" bIns="0" rtlCol="0" anchor="t" anchorCtr="0">
+            <a:noAutofit/>
+          </a:bodyPr>
+          <a:lstStyle>
+            <a:lvl1pPr marL="0" indent="0" algn="l" defTabSz="914400" rtl="0" eaLnBrk="1" latinLnBrk="0" hangingPunct="1">
+              <a:lnSpc>
+                <a:spcPct val="90000"/>
+              </a:lnSpc>
+              <a:spcBef>
+                <a:spcPts val="1000"/>
+              </a:spcBef>
+              <a:buClr>
+                <a:schemeClr val="tx2"/>
+              </a:buClr>
+              <a:buFont typeface="Arial" panose="020B0604020202020204" pitchFamily="34" charset="0"/>
+              <a:buNone/>
+              <a:defRPr sz="4000" b="0" i="0" kern="1200">
+                <a:solidFill>
+                  <a:schemeClr val="tx1"/>
+                </a:solidFill>
+                <a:latin typeface="Overpass Light" pitchFamily="2" charset="77"/>
+                <a:ea typeface="+mn-ea"/>
+                <a:cs typeface="+mn-cs"/>
+              </a:defRPr>
+            </a:lvl1pPr>
+            <a:lvl2pPr marL="685800" indent="-228600" algn="l" defTabSz="914400" rtl="0" eaLnBrk="1" latinLnBrk="0" hangingPunct="1">
+              <a:lnSpc>
+                <a:spcPct val="90000"/>
+              </a:lnSpc>
+              <a:spcBef>
+                <a:spcPts val="1000"/>
+              </a:spcBef>
+              <a:buClr>
+                <a:schemeClr val="tx2"/>
+              </a:buClr>
+              <a:buFont typeface="Arial" panose="020B0604020202020204" pitchFamily="34" charset="0"/>
+              <a:buChar char="•"/>
+              <a:defRPr sz="3600" b="0" i="0" kern="1200">
+                <a:solidFill>
+                  <a:schemeClr val="tx1"/>
+                </a:solidFill>
+                <a:latin typeface="Overpass Light" pitchFamily="2" charset="77"/>
+                <a:ea typeface="+mn-ea"/>
+                <a:cs typeface="+mn-cs"/>
+              </a:defRPr>
+            </a:lvl2pPr>
+            <a:lvl3pPr marL="1143000" indent="-228600" algn="l" defTabSz="914400" rtl="0" eaLnBrk="1" latinLnBrk="0" hangingPunct="1">
+              <a:lnSpc>
+                <a:spcPct val="90000"/>
+              </a:lnSpc>
+              <a:spcBef>
+                <a:spcPts val="600"/>
+              </a:spcBef>
+              <a:buClr>
+                <a:schemeClr val="tx2"/>
+              </a:buClr>
+              <a:buFont typeface="Arial" panose="020B0604020202020204" pitchFamily="34" charset="0"/>
+              <a:buChar char="•"/>
+              <a:defRPr sz="3200" b="0" i="0" kern="1200">
+                <a:solidFill>
+                  <a:schemeClr val="tx1"/>
+                </a:solidFill>
+                <a:latin typeface="Overpass Light" pitchFamily="2" charset="77"/>
+                <a:ea typeface="+mn-ea"/>
+                <a:cs typeface="+mn-cs"/>
+              </a:defRPr>
+            </a:lvl3pPr>
+            <a:lvl4pPr marL="1600200" indent="-228600" algn="l" defTabSz="914400" rtl="0" eaLnBrk="1" latinLnBrk="0" hangingPunct="1">
+              <a:lnSpc>
+                <a:spcPct val="90000"/>
+              </a:lnSpc>
+              <a:spcBef>
+                <a:spcPts val="300"/>
+              </a:spcBef>
+              <a:buClr>
+                <a:schemeClr val="tx2"/>
+              </a:buClr>
+              <a:buFont typeface="Arial" panose="020B0604020202020204" pitchFamily="34" charset="0"/>
+              <a:buChar char="•"/>
+              <a:defRPr sz="2400" b="0" i="0" kern="1200">
+                <a:solidFill>
+                  <a:schemeClr val="tx1"/>
+                </a:solidFill>
+                <a:latin typeface="Overpass Light" pitchFamily="2" charset="77"/>
+                <a:ea typeface="+mn-ea"/>
+                <a:cs typeface="+mn-cs"/>
+              </a:defRPr>
+            </a:lvl4pPr>
+            <a:lvl5pPr marL="2057400" indent="-228600" algn="l" defTabSz="914400" rtl="0" eaLnBrk="1" latinLnBrk="0" hangingPunct="1">
+              <a:lnSpc>
+                <a:spcPct val="90000"/>
+              </a:lnSpc>
+              <a:spcBef>
+                <a:spcPts val="500"/>
+              </a:spcBef>
+              <a:buClr>
+                <a:schemeClr val="tx2"/>
+              </a:buClr>
+              <a:buFont typeface="Arial" panose="020B0604020202020204" pitchFamily="34" charset="0"/>
+              <a:buChar char="•"/>
+              <a:defRPr sz="2000" b="0" i="0" kern="1200">
+                <a:solidFill>
+                  <a:schemeClr val="tx1"/>
+                </a:solidFill>
+                <a:latin typeface="Overpass Light" pitchFamily="2" charset="77"/>
+                <a:ea typeface="+mn-ea"/>
+                <a:cs typeface="+mn-cs"/>
+              </a:defRPr>
+            </a:lvl5pPr>
+            <a:lvl6pPr marL="2514600" indent="-228600" algn="l" defTabSz="914400" rtl="0" eaLnBrk="1" latinLnBrk="0" hangingPunct="1">
+              <a:lnSpc>
+                <a:spcPct val="90000"/>
+              </a:lnSpc>
+              <a:spcBef>
+                <a:spcPts val="500"/>
+              </a:spcBef>
+              <a:buFont typeface="Arial" panose="020B0604020202020204" pitchFamily="34" charset="0"/>
+              <a:buChar char="•"/>
+              <a:defRPr sz="1800" kern="1200">
+                <a:solidFill>
+                  <a:schemeClr val="tx1"/>
+                </a:solidFill>
+                <a:latin typeface="+mn-lt"/>
+                <a:ea typeface="+mn-ea"/>
+                <a:cs typeface="+mn-cs"/>
+              </a:defRPr>
+            </a:lvl6pPr>
+            <a:lvl7pPr marL="2971800" indent="-228600" algn="l" defTabSz="914400" rtl="0" eaLnBrk="1" latinLnBrk="0" hangingPunct="1">
+              <a:lnSpc>
+                <a:spcPct val="90000"/>
+              </a:lnSpc>
+              <a:spcBef>
+                <a:spcPts val="500"/>
+              </a:spcBef>
+              <a:buFont typeface="Arial" panose="020B0604020202020204" pitchFamily="34" charset="0"/>
+              <a:buChar char="•"/>
+              <a:defRPr sz="1800" kern="1200">
+                <a:solidFill>
+                  <a:schemeClr val="tx1"/>
+                </a:solidFill>
+                <a:latin typeface="+mn-lt"/>
+                <a:ea typeface="+mn-ea"/>
+                <a:cs typeface="+mn-cs"/>
+              </a:defRPr>
+            </a:lvl7pPr>
+            <a:lvl8pPr marL="3429000" indent="-228600" algn="l" defTabSz="914400" rtl="0" eaLnBrk="1" latinLnBrk="0" hangingPunct="1">
+              <a:lnSpc>
+                <a:spcPct val="90000"/>
+              </a:lnSpc>
+              <a:spcBef>
+                <a:spcPts val="500"/>
+              </a:spcBef>
+              <a:buFont typeface="Arial" panose="020B0604020202020204" pitchFamily="34" charset="0"/>
+              <a:buChar char="•"/>
+              <a:defRPr sz="1800" kern="1200">
+                <a:solidFill>
+                  <a:schemeClr val="tx1"/>
+                </a:solidFill>
+                <a:latin typeface="+mn-lt"/>
+                <a:ea typeface="+mn-ea"/>
+                <a:cs typeface="+mn-cs"/>
+              </a:defRPr>
+            </a:lvl8pPr>
+            <a:lvl9pPr marL="3886200" indent="-228600" algn="l" defTabSz="914400" rtl="0" eaLnBrk="1" latinLnBrk="0" hangingPunct="1">
+              <a:lnSpc>
+                <a:spcPct val="90000"/>
+              </a:lnSpc>
+              <a:spcBef>
+                <a:spcPts val="500"/>
+              </a:spcBef>
+              <a:buFont typeface="Arial" panose="020B0604020202020204" pitchFamily="34" charset="0"/>
+              <a:buChar char="•"/>
+              <a:defRPr sz="1800" kern="1200">
+                <a:solidFill>
+                  <a:schemeClr val="tx1"/>
+                </a:solidFill>
+                <a:latin typeface="+mn-lt"/>
+                <a:ea typeface="+mn-ea"/>
+                <a:cs typeface="+mn-cs"/>
+              </a:defRPr>
+            </a:lvl9pPr>
+          </a:lstStyle>
+          <a:p>
+            <a:pPr marL="457200" indent="-457200">
+              <a:spcBef>
+                <a:spcPts val="1067"/>
+              </a:spcBef>
+              <a:buFont typeface="Arial" panose="020B0604020202020204" pitchFamily="34" charset="0"/>
+              <a:buChar char="•"/>
+            </a:pPr>
+            <a:r>
+              <a:rPr lang="fr-CA" sz="2400" dirty="0">
+                <a:latin typeface="Arial" panose="020B0604020202020204" pitchFamily="34" charset="0"/>
+                <a:cs typeface="Arial" panose="020B0604020202020204" pitchFamily="34" charset="0"/>
+                <a:sym typeface="Overpass"/>
+              </a:rPr>
+              <a:t>Outils de simulation basés sur le code</a:t>
+            </a:r>
+            <a:endParaRPr lang="fr-FR" sz="2400" i="1" dirty="0">
+              <a:latin typeface="Arial" panose="020B0604020202020204" pitchFamily="34" charset="0"/>
+              <a:cs typeface="Arial" panose="020B0604020202020204" pitchFamily="34" charset="0"/>
+              <a:sym typeface="Overpass"/>
+            </a:endParaRPr>
+          </a:p>
+          <a:p>
+            <a:pPr marL="1143000" lvl="1" indent="-457200">
+              <a:spcBef>
+                <a:spcPts val="1067"/>
+              </a:spcBef>
+            </a:pPr>
+            <a:r>
+              <a:rPr lang="fr-CA" sz="2000" dirty="0" err="1">
+                <a:latin typeface="Arial" panose="020B0604020202020204" pitchFamily="34" charset="0"/>
+                <a:cs typeface="Arial" panose="020B0604020202020204" pitchFamily="34" charset="0"/>
+                <a:sym typeface="Overpass"/>
+              </a:rPr>
+              <a:t>SimPy</a:t>
+            </a:r>
+            <a:r>
+              <a:rPr lang="fr-CA" sz="2000" dirty="0">
+                <a:latin typeface="Arial" panose="020B0604020202020204" pitchFamily="34" charset="0"/>
+                <a:cs typeface="Arial" panose="020B0604020202020204" pitchFamily="34" charset="0"/>
+                <a:sym typeface="Overpass"/>
+              </a:rPr>
+              <a:t> (Python), </a:t>
+            </a:r>
+            <a:r>
+              <a:rPr lang="fr-CA" sz="2000" dirty="0" err="1">
+                <a:latin typeface="Arial" panose="020B0604020202020204" pitchFamily="34" charset="0"/>
+                <a:cs typeface="Arial" panose="020B0604020202020204" pitchFamily="34" charset="0"/>
+                <a:sym typeface="Overpass"/>
+              </a:rPr>
+              <a:t>OpenFoam</a:t>
+            </a:r>
+            <a:r>
+              <a:rPr lang="fr-CA" sz="2000" dirty="0">
+                <a:latin typeface="Arial" panose="020B0604020202020204" pitchFamily="34" charset="0"/>
+                <a:cs typeface="Arial" panose="020B0604020202020204" pitchFamily="34" charset="0"/>
+                <a:sym typeface="Overpass"/>
+              </a:rPr>
+              <a:t> (C++), MATLAB</a:t>
+            </a:r>
+          </a:p>
+          <a:p>
+            <a:pPr marL="457200" indent="-457200">
+              <a:spcBef>
+                <a:spcPts val="1067"/>
+              </a:spcBef>
+              <a:buFont typeface="Arial" panose="020B0604020202020204" pitchFamily="34" charset="0"/>
+              <a:buChar char="•"/>
+            </a:pPr>
+            <a:endParaRPr lang="fr-FR" sz="2400" i="1" dirty="0">
+              <a:latin typeface="Arial" panose="020B0604020202020204" pitchFamily="34" charset="0"/>
+              <a:cs typeface="Arial" panose="020B0604020202020204" pitchFamily="34" charset="0"/>
+              <a:sym typeface="Overpass"/>
+            </a:endParaRPr>
+          </a:p>
+          <a:p>
+            <a:pPr marL="457200" indent="-457200">
+              <a:spcBef>
+                <a:spcPts val="1067"/>
+              </a:spcBef>
+              <a:buFont typeface="Arial" panose="020B0604020202020204" pitchFamily="34" charset="0"/>
+              <a:buChar char="•"/>
+            </a:pPr>
+            <a:r>
+              <a:rPr lang="fr-FR" sz="2400" i="1" dirty="0">
+                <a:latin typeface="Arial" panose="020B0604020202020204" pitchFamily="34" charset="0"/>
+                <a:cs typeface="Arial" panose="020B0604020202020204" pitchFamily="34" charset="0"/>
+                <a:sym typeface="Overpass"/>
+              </a:rPr>
+              <a:t>Outils avec interface graphique</a:t>
+            </a:r>
+          </a:p>
+          <a:p>
+            <a:pPr marL="1143000" lvl="1" indent="-457200">
+              <a:spcBef>
+                <a:spcPts val="1067"/>
+              </a:spcBef>
+            </a:pPr>
+            <a:r>
+              <a:rPr lang="fr-FR" sz="2000" i="1" dirty="0" err="1">
+                <a:latin typeface="Arial" panose="020B0604020202020204" pitchFamily="34" charset="0"/>
+                <a:cs typeface="Arial" panose="020B0604020202020204" pitchFamily="34" charset="0"/>
+                <a:sym typeface="Overpass"/>
+              </a:rPr>
+              <a:t>Simio</a:t>
+            </a:r>
+            <a:r>
+              <a:rPr lang="fr-FR" sz="2000" i="1" dirty="0">
+                <a:latin typeface="Arial" panose="020B0604020202020204" pitchFamily="34" charset="0"/>
+                <a:cs typeface="Arial" panose="020B0604020202020204" pitchFamily="34" charset="0"/>
+                <a:sym typeface="Overpass"/>
+              </a:rPr>
+              <a:t>, Arena, Simulink</a:t>
+            </a:r>
+          </a:p>
+          <a:p>
+            <a:pPr marL="1143000" lvl="1" indent="-457200">
+              <a:spcBef>
+                <a:spcPts val="1067"/>
+              </a:spcBef>
+            </a:pPr>
+            <a:endParaRPr lang="fr-FR" sz="2000" i="1" dirty="0">
+              <a:latin typeface="Arial" panose="020B0604020202020204" pitchFamily="34" charset="0"/>
+              <a:cs typeface="Arial" panose="020B0604020202020204" pitchFamily="34" charset="0"/>
+              <a:sym typeface="Overpass"/>
+            </a:endParaRPr>
+          </a:p>
+          <a:p>
+            <a:pPr marL="457200" indent="-457200">
+              <a:spcBef>
+                <a:spcPts val="1067"/>
+              </a:spcBef>
+              <a:buFont typeface="Arial" panose="020B0604020202020204" pitchFamily="34" charset="0"/>
+              <a:buChar char="•"/>
+            </a:pPr>
+            <a:r>
+              <a:rPr lang="fr-FR" sz="2400" i="1" dirty="0">
+                <a:latin typeface="Arial" panose="020B0604020202020204" pitchFamily="34" charset="0"/>
+                <a:cs typeface="Arial" panose="020B0604020202020204" pitchFamily="34" charset="0"/>
+                <a:sym typeface="Overpass"/>
+              </a:rPr>
+              <a:t>Outils hybrides (GUI + scripts)</a:t>
+            </a:r>
+          </a:p>
+          <a:p>
+            <a:pPr marL="1143000" lvl="1" indent="-457200">
+              <a:spcBef>
+                <a:spcPts val="1067"/>
+              </a:spcBef>
+            </a:pPr>
+            <a:r>
+              <a:rPr lang="fr-CA" sz="2000" dirty="0" err="1">
+                <a:latin typeface="Arial" panose="020B0604020202020204" pitchFamily="34" charset="0"/>
+                <a:cs typeface="Arial" panose="020B0604020202020204" pitchFamily="34" charset="0"/>
+                <a:sym typeface="Overpass"/>
+              </a:rPr>
+              <a:t>AnyLogic</a:t>
+            </a:r>
+            <a:r>
+              <a:rPr lang="fr-CA" sz="2000" dirty="0">
+                <a:latin typeface="Arial" panose="020B0604020202020204" pitchFamily="34" charset="0"/>
+                <a:cs typeface="Arial" panose="020B0604020202020204" pitchFamily="34" charset="0"/>
+                <a:sym typeface="Overpass"/>
+              </a:rPr>
+              <a:t>, GAMA, </a:t>
+            </a:r>
           </a:p>
         </p:txBody>
       </p:sp>
@@ -48037,6 +48668,15 @@
 </file>
 
 <file path=customXml/item1.xml><?xml version="1.0" encoding="utf-8"?>
+<?mso-contentType ?>
+<FormTemplates xmlns="http://schemas.microsoft.com/sharepoint/v3/contenttype/forms">
+  <Display>DocumentLibraryForm</Display>
+  <Edit>DocumentLibraryForm</Edit>
+  <New>DocumentLibraryForm</New>
+</FormTemplates>
+</file>
+
+<file path=customXml/item2.xml><?xml version="1.0" encoding="utf-8"?>
 <p:properties xmlns:p="http://schemas.microsoft.com/office/2006/metadata/properties" xmlns:xsi="http://www.w3.org/2001/XMLSchema-instance" xmlns:pc="http://schemas.microsoft.com/office/infopath/2007/PartnerControls">
   <documentManagement>
     <lcf76f155ced4ddcb4097134ff3c332f xmlns="3df372fd-abda-494f-b3ef-597d7144351d">
@@ -48047,7 +48687,7 @@
 </p:properties>
 </file>
 
-<file path=customXml/item2.xml><?xml version="1.0" encoding="utf-8"?>
+<file path=customXml/item3.xml><?xml version="1.0" encoding="utf-8"?>
 <ct:contentTypeSchema xmlns:ct="http://schemas.microsoft.com/office/2006/metadata/contentType" xmlns:ma="http://schemas.microsoft.com/office/2006/metadata/properties/metaAttributes" ct:_="" ma:_="" ma:contentTypeName="Document" ma:contentTypeID="0x01010077A6EDE945B30D42982FA5C5A3CB247F" ma:contentTypeVersion="16" ma:contentTypeDescription="Create a new document." ma:contentTypeScope="" ma:versionID="b4587c546cfa4b3c7badc3b07faf4ecf">
   <xsd:schema xmlns:xsd="http://www.w3.org/2001/XMLSchema" xmlns:xs="http://www.w3.org/2001/XMLSchema" xmlns:p="http://schemas.microsoft.com/office/2006/metadata/properties" xmlns:ns2="3df372fd-abda-494f-b3ef-597d7144351d" xmlns:ns3="ef9f6260-94a2-4740-ad34-75e88d3254ce" targetNamespace="http://schemas.microsoft.com/office/2006/metadata/properties" ma:root="true" ma:fieldsID="a5423d91dbdc042563dc8b0edf4219c2" ns2:_="" ns3:_="">
     <xsd:import namespace="3df372fd-abda-494f-b3ef-597d7144351d"/>
@@ -48288,40 +48928,46 @@
 </ct:contentTypeSchema>
 </file>
 
-<file path=customXml/item3.xml><?xml version="1.0" encoding="utf-8"?>
-<?mso-contentType ?>
-<FormTemplates xmlns="http://schemas.microsoft.com/sharepoint/v3/contenttype/forms">
-  <Display>DocumentLibraryForm</Display>
-  <Edit>DocumentLibraryForm</Edit>
-  <New>DocumentLibraryForm</New>
-</FormTemplates>
-</file>
-
 <file path=customXml/itemProps1.xml><?xml version="1.0" encoding="utf-8"?>
-<ds:datastoreItem xmlns:ds="http://schemas.openxmlformats.org/officeDocument/2006/customXml" ds:itemID="{92BB7799-CF5F-47DA-A545-414E5BC4CEE8}">
+<ds:datastoreItem xmlns:ds="http://schemas.openxmlformats.org/officeDocument/2006/customXml" ds:itemID="{FC86F482-16C8-44C5-A3C6-DA887871ECFB}">
   <ds:schemaRefs>
-    <ds:schemaRef ds:uri="http://schemas.microsoft.com/office/2006/metadata/properties"/>
-    <ds:schemaRef ds:uri="http://purl.org/dc/elements/1.1/"/>
-    <ds:schemaRef ds:uri="http://schemas.microsoft.com/office/infopath/2007/PartnerControls"/>
-    <ds:schemaRef ds:uri="http://schemas.microsoft.com/office/2006/documentManagement/types"/>
-    <ds:schemaRef ds:uri="http://schemas.openxmlformats.org/package/2006/metadata/core-properties"/>
-    <ds:schemaRef ds:uri="3df372fd-abda-494f-b3ef-597d7144351d"/>
-    <ds:schemaRef ds:uri="http://www.w3.org/XML/1998/namespace"/>
-    <ds:schemaRef ds:uri="ef9f6260-94a2-4740-ad34-75e88d3254ce"/>
-    <ds:schemaRef ds:uri="http://purl.org/dc/dcmitype/"/>
-    <ds:schemaRef ds:uri="http://purl.org/dc/terms/"/>
+    <ds:schemaRef ds:uri="http://schemas.microsoft.com/sharepoint/v3/contenttype/forms"/>
   </ds:schemaRefs>
 </ds:datastoreItem>
 </file>
 
 <file path=customXml/itemProps2.xml><?xml version="1.0" encoding="utf-8"?>
-<ds:datastoreItem xmlns:ds="http://schemas.openxmlformats.org/officeDocument/2006/customXml" ds:itemID="{7C22235A-DF62-465B-AF23-0FC0D33222D4}"/>
+<ds:datastoreItem xmlns:ds="http://schemas.openxmlformats.org/officeDocument/2006/customXml" ds:itemID="{92BB7799-CF5F-47DA-A545-414E5BC4CEE8}">
+  <ds:schemaRefs>
+    <ds:schemaRef ds:uri="http://purl.org/dc/terms/"/>
+    <ds:schemaRef ds:uri="http://schemas.microsoft.com/office/2006/documentManagement/types"/>
+    <ds:schemaRef ds:uri="http://purl.org/dc/dcmitype/"/>
+    <ds:schemaRef ds:uri="http://purl.org/dc/elements/1.1/"/>
+    <ds:schemaRef ds:uri="http://schemas.microsoft.com/office/infopath/2007/PartnerControls"/>
+    <ds:schemaRef ds:uri="http://schemas.openxmlformats.org/package/2006/metadata/core-properties"/>
+    <ds:schemaRef ds:uri="ef9f6260-94a2-4740-ad34-75e88d3254ce"/>
+    <ds:schemaRef ds:uri="3df372fd-abda-494f-b3ef-597d7144351d"/>
+    <ds:schemaRef ds:uri="http://schemas.microsoft.com/office/2006/metadata/properties"/>
+    <ds:schemaRef ds:uri="http://www.w3.org/XML/1998/namespace"/>
+  </ds:schemaRefs>
+</ds:datastoreItem>
 </file>
 
 <file path=customXml/itemProps3.xml><?xml version="1.0" encoding="utf-8"?>
-<ds:datastoreItem xmlns:ds="http://schemas.openxmlformats.org/officeDocument/2006/customXml" ds:itemID="{FC86F482-16C8-44C5-A3C6-DA887871ECFB}">
+<ds:datastoreItem xmlns:ds="http://schemas.openxmlformats.org/officeDocument/2006/customXml" ds:itemID="{7C22235A-DF62-465B-AF23-0FC0D33222D4}">
   <ds:schemaRefs>
-    <ds:schemaRef ds:uri="http://schemas.microsoft.com/sharepoint/v3/contenttype/forms"/>
+    <ds:schemaRef ds:uri="http://schemas.microsoft.com/office/2006/metadata/contentType"/>
+    <ds:schemaRef ds:uri="http://schemas.microsoft.com/office/2006/metadata/properties/metaAttributes"/>
+    <ds:schemaRef ds:uri="http://www.w3.org/2001/XMLSchema"/>
+    <ds:schemaRef ds:uri="http://schemas.microsoft.com/office/2006/metadata/properties"/>
+    <ds:schemaRef ds:uri="3df372fd-abda-494f-b3ef-597d7144351d"/>
+    <ds:schemaRef ds:uri="ef9f6260-94a2-4740-ad34-75e88d3254ce"/>
+    <ds:schemaRef ds:uri="http://schemas.microsoft.com/office/2006/documentManagement/types"/>
+    <ds:schemaRef ds:uri="http://schemas.microsoft.com/office/infopath/2007/PartnerControls"/>
+    <ds:schemaRef ds:uri="http://schemas.openxmlformats.org/package/2006/metadata/core-properties"/>
+    <ds:schemaRef ds:uri="http://purl.org/dc/elements/1.1/"/>
+    <ds:schemaRef ds:uri="http://purl.org/dc/terms/"/>
+    <ds:schemaRef ds:uri="http://schemas.microsoft.com/internal/obd"/>
   </ds:schemaRefs>
 </ds:datastoreItem>
 </file>
--- a/2025 Présentation Atelier simulation.pptx
+++ b/2025 Présentation Atelier simulation.pptx
@@ -9,16 +9,16 @@
   </p:notesMasterIdLst>
   <p:sldIdLst>
     <p:sldId id="256" r:id="rId5"/>
-    <p:sldId id="2145706559" r:id="rId6"/>
-    <p:sldId id="2145706560" r:id="rId7"/>
-    <p:sldId id="2464" r:id="rId8"/>
-    <p:sldId id="2465" r:id="rId9"/>
-    <p:sldId id="2466" r:id="rId10"/>
-    <p:sldId id="2467" r:id="rId11"/>
-    <p:sldId id="2468" r:id="rId12"/>
-    <p:sldId id="2469" r:id="rId13"/>
-    <p:sldId id="2470" r:id="rId14"/>
-    <p:sldId id="2471" r:id="rId15"/>
+    <p:sldId id="2145706560" r:id="rId6"/>
+    <p:sldId id="2464" r:id="rId7"/>
+    <p:sldId id="494" r:id="rId8"/>
+    <p:sldId id="2466" r:id="rId9"/>
+    <p:sldId id="2467" r:id="rId10"/>
+    <p:sldId id="2468" r:id="rId11"/>
+    <p:sldId id="2469" r:id="rId12"/>
+    <p:sldId id="2470" r:id="rId13"/>
+    <p:sldId id="2471" r:id="rId14"/>
+    <p:sldId id="2145706562" r:id="rId15"/>
     <p:sldId id="2472" r:id="rId16"/>
     <p:sldId id="2473" r:id="rId17"/>
     <p:sldId id="2475" r:id="rId18"/>
@@ -72,20 +72,6 @@
       <p:bold r:id="rId55"/>
       <p:italic r:id="rId56"/>
       <p:boldItalic r:id="rId57"/>
-    </p:embeddedFont>
-    <p:embeddedFont>
-      <p:font typeface="Overpass Light" panose="020B0604020202020204" charset="0"/>
-      <p:regular r:id="rId58"/>
-      <p:bold r:id="rId59"/>
-      <p:italic r:id="rId60"/>
-      <p:boldItalic r:id="rId61"/>
-    </p:embeddedFont>
-    <p:embeddedFont>
-      <p:font typeface="Raleway" panose="020B0604020202020204" charset="0"/>
-      <p:regular r:id="rId62"/>
-      <p:bold r:id="rId63"/>
-      <p:italic r:id="rId64"/>
-      <p:boldItalic r:id="rId65"/>
     </p:embeddedFont>
   </p:embeddedFontLst>
   <p:defaultTextStyle>
@@ -199,7 +185,7 @@
   <pc:docChgLst>
     <pc:chgData name="Marc-André Ménard" userId="817d93e3-0101-4cff-a017-7d19de51de8f" providerId="ADAL" clId="{2B1C4FA4-21F0-46EF-914B-7093A1E193E4}"/>
     <pc:docChg chg="undo redo custSel addSld delSld modSld">
-      <pc:chgData name="Marc-André Ménard" userId="817d93e3-0101-4cff-a017-7d19de51de8f" providerId="ADAL" clId="{2B1C4FA4-21F0-46EF-914B-7093A1E193E4}" dt="2025-08-25T12:42:59.784" v="722" actId="20577"/>
+      <pc:chgData name="Marc-André Ménard" userId="817d93e3-0101-4cff-a017-7d19de51de8f" providerId="ADAL" clId="{2B1C4FA4-21F0-46EF-914B-7093A1E193E4}" dt="2025-08-28T08:39:08.462" v="723" actId="2696"/>
       <pc:docMkLst>
         <pc:docMk/>
       </pc:docMkLst>
@@ -233,310 +219,6 @@
             <ac:grpSpMk id="85" creationId="{00000000-0000-0000-0000-000000000000}"/>
           </ac:grpSpMkLst>
         </pc:grpChg>
-      </pc:sldChg>
-      <pc:sldChg chg="add del setBg">
-        <pc:chgData name="Marc-André Ménard" userId="817d93e3-0101-4cff-a017-7d19de51de8f" providerId="ADAL" clId="{2B1C4FA4-21F0-46EF-914B-7093A1E193E4}" dt="2025-08-24T19:03:56.266" v="34" actId="2696"/>
-        <pc:sldMkLst>
-          <pc:docMk/>
-          <pc:sldMk cId="0" sldId="257"/>
-        </pc:sldMkLst>
-      </pc:sldChg>
-      <pc:sldChg chg="del">
-        <pc:chgData name="Marc-André Ménard" userId="817d93e3-0101-4cff-a017-7d19de51de8f" providerId="ADAL" clId="{2B1C4FA4-21F0-46EF-914B-7093A1E193E4}" dt="2025-08-25T11:34:51.767" v="153" actId="2696"/>
-        <pc:sldMkLst>
-          <pc:docMk/>
-          <pc:sldMk cId="0" sldId="258"/>
-        </pc:sldMkLst>
-      </pc:sldChg>
-      <pc:sldChg chg="del">
-        <pc:chgData name="Marc-André Ménard" userId="817d93e3-0101-4cff-a017-7d19de51de8f" providerId="ADAL" clId="{2B1C4FA4-21F0-46EF-914B-7093A1E193E4}" dt="2025-08-25T11:34:52.093" v="168" actId="2696"/>
-        <pc:sldMkLst>
-          <pc:docMk/>
-          <pc:sldMk cId="0" sldId="264"/>
-        </pc:sldMkLst>
-      </pc:sldChg>
-      <pc:sldChg chg="del">
-        <pc:chgData name="Marc-André Ménard" userId="817d93e3-0101-4cff-a017-7d19de51de8f" providerId="ADAL" clId="{2B1C4FA4-21F0-46EF-914B-7093A1E193E4}" dt="2025-08-25T11:34:52.109" v="169" actId="2696"/>
-        <pc:sldMkLst>
-          <pc:docMk/>
-          <pc:sldMk cId="0" sldId="269"/>
-        </pc:sldMkLst>
-      </pc:sldChg>
-      <pc:sldChg chg="del">
-        <pc:chgData name="Marc-André Ménard" userId="817d93e3-0101-4cff-a017-7d19de51de8f" providerId="ADAL" clId="{2B1C4FA4-21F0-46EF-914B-7093A1E193E4}" dt="2025-08-25T11:34:52.137" v="170" actId="2696"/>
-        <pc:sldMkLst>
-          <pc:docMk/>
-          <pc:sldMk cId="0" sldId="276"/>
-        </pc:sldMkLst>
-      </pc:sldChg>
-      <pc:sldChg chg="del">
-        <pc:chgData name="Marc-André Ménard" userId="817d93e3-0101-4cff-a017-7d19de51de8f" providerId="ADAL" clId="{2B1C4FA4-21F0-46EF-914B-7093A1E193E4}" dt="2025-08-24T19:02:05.290" v="19" actId="2696"/>
-        <pc:sldMkLst>
-          <pc:docMk/>
-          <pc:sldMk cId="0" sldId="390"/>
-        </pc:sldMkLst>
-      </pc:sldChg>
-      <pc:sldChg chg="del">
-        <pc:chgData name="Marc-André Ménard" userId="817d93e3-0101-4cff-a017-7d19de51de8f" providerId="ADAL" clId="{2B1C4FA4-21F0-46EF-914B-7093A1E193E4}" dt="2025-08-25T11:34:51.903" v="157" actId="2696"/>
-        <pc:sldMkLst>
-          <pc:docMk/>
-          <pc:sldMk cId="3479991894" sldId="1630"/>
-        </pc:sldMkLst>
-      </pc:sldChg>
-      <pc:sldChg chg="del">
-        <pc:chgData name="Marc-André Ménard" userId="817d93e3-0101-4cff-a017-7d19de51de8f" providerId="ADAL" clId="{2B1C4FA4-21F0-46EF-914B-7093A1E193E4}" dt="2025-08-25T11:34:51.982" v="160" actId="2696"/>
-        <pc:sldMkLst>
-          <pc:docMk/>
-          <pc:sldMk cId="302017914" sldId="1631"/>
-        </pc:sldMkLst>
-      </pc:sldChg>
-      <pc:sldChg chg="del">
-        <pc:chgData name="Marc-André Ménard" userId="817d93e3-0101-4cff-a017-7d19de51de8f" providerId="ADAL" clId="{2B1C4FA4-21F0-46EF-914B-7093A1E193E4}" dt="2025-08-25T11:34:51.982" v="161" actId="2696"/>
-        <pc:sldMkLst>
-          <pc:docMk/>
-          <pc:sldMk cId="82810019" sldId="1632"/>
-        </pc:sldMkLst>
-      </pc:sldChg>
-      <pc:sldChg chg="del">
-        <pc:chgData name="Marc-André Ménard" userId="817d93e3-0101-4cff-a017-7d19de51de8f" providerId="ADAL" clId="{2B1C4FA4-21F0-46EF-914B-7093A1E193E4}" dt="2025-08-25T11:34:52.010" v="162" actId="2696"/>
-        <pc:sldMkLst>
-          <pc:docMk/>
-          <pc:sldMk cId="3824702515" sldId="1633"/>
-        </pc:sldMkLst>
-      </pc:sldChg>
-      <pc:sldChg chg="del">
-        <pc:chgData name="Marc-André Ménard" userId="817d93e3-0101-4cff-a017-7d19de51de8f" providerId="ADAL" clId="{2B1C4FA4-21F0-46EF-914B-7093A1E193E4}" dt="2025-08-25T11:34:52.014" v="163" actId="2696"/>
-        <pc:sldMkLst>
-          <pc:docMk/>
-          <pc:sldMk cId="1774351489" sldId="1634"/>
-        </pc:sldMkLst>
-      </pc:sldChg>
-      <pc:sldChg chg="del">
-        <pc:chgData name="Marc-André Ménard" userId="817d93e3-0101-4cff-a017-7d19de51de8f" providerId="ADAL" clId="{2B1C4FA4-21F0-46EF-914B-7093A1E193E4}" dt="2025-08-25T11:34:52.031" v="164" actId="2696"/>
-        <pc:sldMkLst>
-          <pc:docMk/>
-          <pc:sldMk cId="2272143611" sldId="1635"/>
-        </pc:sldMkLst>
-      </pc:sldChg>
-      <pc:sldChg chg="del">
-        <pc:chgData name="Marc-André Ménard" userId="817d93e3-0101-4cff-a017-7d19de51de8f" providerId="ADAL" clId="{2B1C4FA4-21F0-46EF-914B-7093A1E193E4}" dt="2025-08-25T11:34:52.045" v="165" actId="2696"/>
-        <pc:sldMkLst>
-          <pc:docMk/>
-          <pc:sldMk cId="729455348" sldId="1636"/>
-        </pc:sldMkLst>
-      </pc:sldChg>
-      <pc:sldChg chg="del">
-        <pc:chgData name="Marc-André Ménard" userId="817d93e3-0101-4cff-a017-7d19de51de8f" providerId="ADAL" clId="{2B1C4FA4-21F0-46EF-914B-7093A1E193E4}" dt="2025-08-25T11:34:52.057" v="166" actId="2696"/>
-        <pc:sldMkLst>
-          <pc:docMk/>
-          <pc:sldMk cId="571320809" sldId="1637"/>
-        </pc:sldMkLst>
-      </pc:sldChg>
-      <pc:sldChg chg="del">
-        <pc:chgData name="Marc-André Ménard" userId="817d93e3-0101-4cff-a017-7d19de51de8f" providerId="ADAL" clId="{2B1C4FA4-21F0-46EF-914B-7093A1E193E4}" dt="2025-08-25T11:34:52.077" v="167" actId="2696"/>
-        <pc:sldMkLst>
-          <pc:docMk/>
-          <pc:sldMk cId="3165442945" sldId="1638"/>
-        </pc:sldMkLst>
-      </pc:sldChg>
-      <pc:sldChg chg="del">
-        <pc:chgData name="Marc-André Ménard" userId="817d93e3-0101-4cff-a017-7d19de51de8f" providerId="ADAL" clId="{2B1C4FA4-21F0-46EF-914B-7093A1E193E4}" dt="2025-08-25T11:34:51.950" v="158" actId="2696"/>
-        <pc:sldMkLst>
-          <pc:docMk/>
-          <pc:sldMk cId="2362187899" sldId="1641"/>
-        </pc:sldMkLst>
-      </pc:sldChg>
-      <pc:sldChg chg="del">
-        <pc:chgData name="Marc-André Ménard" userId="817d93e3-0101-4cff-a017-7d19de51de8f" providerId="ADAL" clId="{2B1C4FA4-21F0-46EF-914B-7093A1E193E4}" dt="2025-08-25T11:34:52.410" v="180" actId="2696"/>
-        <pc:sldMkLst>
-          <pc:docMk/>
-          <pc:sldMk cId="1438054830" sldId="1976"/>
-        </pc:sldMkLst>
-      </pc:sldChg>
-      <pc:sldChg chg="del">
-        <pc:chgData name="Marc-André Ménard" userId="817d93e3-0101-4cff-a017-7d19de51de8f" providerId="ADAL" clId="{2B1C4FA4-21F0-46EF-914B-7093A1E193E4}" dt="2025-08-25T11:34:52.220" v="176" actId="2696"/>
-        <pc:sldMkLst>
-          <pc:docMk/>
-          <pc:sldMk cId="1161012977" sldId="2124"/>
-        </pc:sldMkLst>
-      </pc:sldChg>
-      <pc:sldChg chg="del">
-        <pc:chgData name="Marc-André Ménard" userId="817d93e3-0101-4cff-a017-7d19de51de8f" providerId="ADAL" clId="{2B1C4FA4-21F0-46EF-914B-7093A1E193E4}" dt="2025-08-25T11:34:52.272" v="179" actId="2696"/>
-        <pc:sldMkLst>
-          <pc:docMk/>
-          <pc:sldMk cId="3842726510" sldId="2182"/>
-        </pc:sldMkLst>
-      </pc:sldChg>
-      <pc:sldChg chg="del">
-        <pc:chgData name="Marc-André Ménard" userId="817d93e3-0101-4cff-a017-7d19de51de8f" providerId="ADAL" clId="{2B1C4FA4-21F0-46EF-914B-7093A1E193E4}" dt="2025-08-25T11:34:52.211" v="175" actId="2696"/>
-        <pc:sldMkLst>
-          <pc:docMk/>
-          <pc:sldMk cId="3208569346" sldId="2185"/>
-        </pc:sldMkLst>
-      </pc:sldChg>
-      <pc:sldChg chg="del">
-        <pc:chgData name="Marc-André Ménard" userId="817d93e3-0101-4cff-a017-7d19de51de8f" providerId="ADAL" clId="{2B1C4FA4-21F0-46EF-914B-7093A1E193E4}" dt="2025-08-25T11:34:52.156" v="171" actId="2696"/>
-        <pc:sldMkLst>
-          <pc:docMk/>
-          <pc:sldMk cId="1500509597" sldId="2189"/>
-        </pc:sldMkLst>
-      </pc:sldChg>
-      <pc:sldChg chg="del">
-        <pc:chgData name="Marc-André Ménard" userId="817d93e3-0101-4cff-a017-7d19de51de8f" providerId="ADAL" clId="{2B1C4FA4-21F0-46EF-914B-7093A1E193E4}" dt="2025-08-25T11:34:52.202" v="174" actId="2696"/>
-        <pc:sldMkLst>
-          <pc:docMk/>
-          <pc:sldMk cId="1827510843" sldId="2190"/>
-        </pc:sldMkLst>
-      </pc:sldChg>
-      <pc:sldChg chg="del">
-        <pc:chgData name="Marc-André Ménard" userId="817d93e3-0101-4cff-a017-7d19de51de8f" providerId="ADAL" clId="{2B1C4FA4-21F0-46EF-914B-7093A1E193E4}" dt="2025-08-25T11:34:52.267" v="178" actId="2696"/>
-        <pc:sldMkLst>
-          <pc:docMk/>
-          <pc:sldMk cId="1306738847" sldId="2192"/>
-        </pc:sldMkLst>
-      </pc:sldChg>
-      <pc:sldChg chg="modSp del">
-        <pc:chgData name="Marc-André Ménard" userId="817d93e3-0101-4cff-a017-7d19de51de8f" providerId="ADAL" clId="{2B1C4FA4-21F0-46EF-914B-7093A1E193E4}" dt="2025-08-25T11:34:52.182" v="173" actId="2696"/>
-        <pc:sldMkLst>
-          <pc:docMk/>
-          <pc:sldMk cId="1657071830" sldId="2193"/>
-        </pc:sldMkLst>
-        <pc:spChg chg="mod">
-          <ac:chgData name="Marc-André Ménard" userId="817d93e3-0101-4cff-a017-7d19de51de8f" providerId="ADAL" clId="{2B1C4FA4-21F0-46EF-914B-7093A1E193E4}" dt="2025-08-24T19:03:45.269" v="32" actId="27636"/>
-          <ac:spMkLst>
-            <pc:docMk/>
-            <pc:sldMk cId="1657071830" sldId="2193"/>
-            <ac:spMk id="2" creationId="{AE8FA48A-5E96-114F-8594-D00A70D81926}"/>
-          </ac:spMkLst>
-        </pc:spChg>
-      </pc:sldChg>
-      <pc:sldChg chg="del">
-        <pc:chgData name="Marc-André Ménard" userId="817d93e3-0101-4cff-a017-7d19de51de8f" providerId="ADAL" clId="{2B1C4FA4-21F0-46EF-914B-7093A1E193E4}" dt="2025-08-25T11:34:51.871" v="155" actId="2696"/>
-        <pc:sldMkLst>
-          <pc:docMk/>
-          <pc:sldMk cId="2678733714" sldId="2438"/>
-        </pc:sldMkLst>
-      </pc:sldChg>
-      <pc:sldChg chg="del">
-        <pc:chgData name="Marc-André Ménard" userId="817d93e3-0101-4cff-a017-7d19de51de8f" providerId="ADAL" clId="{2B1C4FA4-21F0-46EF-914B-7093A1E193E4}" dt="2025-08-25T11:34:52.220" v="177" actId="2696"/>
-        <pc:sldMkLst>
-          <pc:docMk/>
-          <pc:sldMk cId="455150798" sldId="2456"/>
-        </pc:sldMkLst>
-      </pc:sldChg>
-      <pc:sldChg chg="del">
-        <pc:chgData name="Marc-André Ménard" userId="817d93e3-0101-4cff-a017-7d19de51de8f" providerId="ADAL" clId="{2B1C4FA4-21F0-46EF-914B-7093A1E193E4}" dt="2025-08-25T11:34:51.967" v="159" actId="2696"/>
-        <pc:sldMkLst>
-          <pc:docMk/>
-          <pc:sldMk cId="1522062133" sldId="2457"/>
-        </pc:sldMkLst>
-      </pc:sldChg>
-      <pc:sldChg chg="del">
-        <pc:chgData name="Marc-André Ménard" userId="817d93e3-0101-4cff-a017-7d19de51de8f" providerId="ADAL" clId="{2B1C4FA4-21F0-46EF-914B-7093A1E193E4}" dt="2025-08-25T11:34:51.871" v="156" actId="2696"/>
-        <pc:sldMkLst>
-          <pc:docMk/>
-          <pc:sldMk cId="1587469237" sldId="2458"/>
-        </pc:sldMkLst>
-      </pc:sldChg>
-      <pc:sldChg chg="del">
-        <pc:chgData name="Marc-André Ménard" userId="817d93e3-0101-4cff-a017-7d19de51de8f" providerId="ADAL" clId="{2B1C4FA4-21F0-46EF-914B-7093A1E193E4}" dt="2025-08-25T11:34:51.856" v="154" actId="2696"/>
-        <pc:sldMkLst>
-          <pc:docMk/>
-          <pc:sldMk cId="58156759" sldId="2459"/>
-        </pc:sldMkLst>
-      </pc:sldChg>
-      <pc:sldChg chg="del">
-        <pc:chgData name="Marc-André Ménard" userId="817d93e3-0101-4cff-a017-7d19de51de8f" providerId="ADAL" clId="{2B1C4FA4-21F0-46EF-914B-7093A1E193E4}" dt="2025-08-25T11:34:52.172" v="172" actId="2696"/>
-        <pc:sldMkLst>
-          <pc:docMk/>
-          <pc:sldMk cId="771991257" sldId="2460"/>
-        </pc:sldMkLst>
-      </pc:sldChg>
-      <pc:sldChg chg="addSp delSp del">
-        <pc:chgData name="Marc-André Ménard" userId="817d93e3-0101-4cff-a017-7d19de51de8f" providerId="ADAL" clId="{2B1C4FA4-21F0-46EF-914B-7093A1E193E4}" dt="2025-08-25T11:31:19.130" v="60" actId="2696"/>
-        <pc:sldMkLst>
-          <pc:docMk/>
-          <pc:sldMk cId="2972252643" sldId="2461"/>
-        </pc:sldMkLst>
-        <pc:spChg chg="add del">
-          <ac:chgData name="Marc-André Ménard" userId="817d93e3-0101-4cff-a017-7d19de51de8f" providerId="ADAL" clId="{2B1C4FA4-21F0-46EF-914B-7093A1E193E4}" dt="2025-08-24T19:02:54.098" v="27"/>
-          <ac:spMkLst>
-            <pc:docMk/>
-            <pc:sldMk cId="2972252643" sldId="2461"/>
-            <ac:spMk id="26" creationId="{F928971F-4B96-42AC-BD46-37A933D85D75}"/>
-          </ac:spMkLst>
-        </pc:spChg>
-      </pc:sldChg>
-      <pc:sldChg chg="addSp delSp modSp del">
-        <pc:chgData name="Marc-André Ménard" userId="817d93e3-0101-4cff-a017-7d19de51de8f" providerId="ADAL" clId="{2B1C4FA4-21F0-46EF-914B-7093A1E193E4}" dt="2025-08-24T19:07:12.875" v="59" actId="2696"/>
-        <pc:sldMkLst>
-          <pc:docMk/>
-          <pc:sldMk cId="3862277948" sldId="2462"/>
-        </pc:sldMkLst>
-        <pc:spChg chg="mod">
-          <ac:chgData name="Marc-André Ménard" userId="817d93e3-0101-4cff-a017-7d19de51de8f" providerId="ADAL" clId="{2B1C4FA4-21F0-46EF-914B-7093A1E193E4}" dt="2025-08-24T19:06:36.310" v="56" actId="108"/>
-          <ac:spMkLst>
-            <pc:docMk/>
-            <pc:sldMk cId="3862277948" sldId="2462"/>
-            <ac:spMk id="4" creationId="{37FE4FD6-0443-49A3-9139-FB2446389BE8}"/>
-          </ac:spMkLst>
-        </pc:spChg>
-        <pc:spChg chg="add del">
-          <ac:chgData name="Marc-André Ménard" userId="817d93e3-0101-4cff-a017-7d19de51de8f" providerId="ADAL" clId="{2B1C4FA4-21F0-46EF-914B-7093A1E193E4}" dt="2025-08-24T19:02:26.396" v="22"/>
-          <ac:spMkLst>
-            <pc:docMk/>
-            <pc:sldMk cId="3862277948" sldId="2462"/>
-            <ac:spMk id="5" creationId="{4E426531-0DFC-45B7-A0DE-F97D860A7108}"/>
-          </ac:spMkLst>
-        </pc:spChg>
-        <pc:spChg chg="add del">
-          <ac:chgData name="Marc-André Ménard" userId="817d93e3-0101-4cff-a017-7d19de51de8f" providerId="ADAL" clId="{2B1C4FA4-21F0-46EF-914B-7093A1E193E4}" dt="2025-08-24T19:03:31.096" v="30"/>
-          <ac:spMkLst>
-            <pc:docMk/>
-            <pc:sldMk cId="3862277948" sldId="2462"/>
-            <ac:spMk id="7" creationId="{88ED5D88-75F1-436A-B07B-73ABCFEC141F}"/>
-          </ac:spMkLst>
-        </pc:spChg>
-        <pc:spChg chg="add del">
-          <ac:chgData name="Marc-André Ménard" userId="817d93e3-0101-4cff-a017-7d19de51de8f" providerId="ADAL" clId="{2B1C4FA4-21F0-46EF-914B-7093A1E193E4}" dt="2025-08-24T19:04:04.614" v="35" actId="478"/>
-          <ac:spMkLst>
-            <pc:docMk/>
-            <pc:sldMk cId="3862277948" sldId="2462"/>
-            <ac:spMk id="8" creationId="{7987B581-CCA2-44E9-8603-903D21B1FF01}"/>
-          </ac:spMkLst>
-        </pc:spChg>
-        <pc:spChg chg="add del">
-          <ac:chgData name="Marc-André Ménard" userId="817d93e3-0101-4cff-a017-7d19de51de8f" providerId="ADAL" clId="{2B1C4FA4-21F0-46EF-914B-7093A1E193E4}" dt="2025-08-24T19:04:04.614" v="35" actId="478"/>
-          <ac:spMkLst>
-            <pc:docMk/>
-            <pc:sldMk cId="3862277948" sldId="2462"/>
-            <ac:spMk id="9" creationId="{262E59C7-9BE4-4413-BB38-9B601E2000B4}"/>
-          </ac:spMkLst>
-        </pc:spChg>
-        <pc:spChg chg="add">
-          <ac:chgData name="Marc-André Ménard" userId="817d93e3-0101-4cff-a017-7d19de51de8f" providerId="ADAL" clId="{2B1C4FA4-21F0-46EF-914B-7093A1E193E4}" dt="2025-08-24T19:04:05.029" v="36"/>
-          <ac:spMkLst>
-            <pc:docMk/>
-            <pc:sldMk cId="3862277948" sldId="2462"/>
-            <ac:spMk id="10" creationId="{3A8562B7-9161-4CA8-B416-EA1A87D56D6A}"/>
-          </ac:spMkLst>
-        </pc:spChg>
-        <pc:spChg chg="add">
-          <ac:chgData name="Marc-André Ménard" userId="817d93e3-0101-4cff-a017-7d19de51de8f" providerId="ADAL" clId="{2B1C4FA4-21F0-46EF-914B-7093A1E193E4}" dt="2025-08-24T19:04:05.029" v="36"/>
-          <ac:spMkLst>
-            <pc:docMk/>
-            <pc:sldMk cId="3862277948" sldId="2462"/>
-            <ac:spMk id="12" creationId="{E550D621-97C6-47B0-9C77-7E9748FA01EA}"/>
-          </ac:spMkLst>
-        </pc:spChg>
-        <pc:graphicFrameChg chg="add del modGraphic">
-          <ac:chgData name="Marc-André Ménard" userId="817d93e3-0101-4cff-a017-7d19de51de8f" providerId="ADAL" clId="{2B1C4FA4-21F0-46EF-914B-7093A1E193E4}" dt="2025-08-24T19:02:43.257" v="25" actId="478"/>
-          <ac:graphicFrameMkLst>
-            <pc:docMk/>
-            <pc:sldMk cId="3862277948" sldId="2462"/>
-            <ac:graphicFrameMk id="3" creationId="{69AE0A40-245B-4080-A346-11D399BEA3FA}"/>
-          </ac:graphicFrameMkLst>
-        </pc:graphicFrameChg>
       </pc:sldChg>
       <pc:sldChg chg="addSp delSp modSp">
         <pc:chgData name="Marc-André Ménard" userId="817d93e3-0101-4cff-a017-7d19de51de8f" providerId="ADAL" clId="{2B1C4FA4-21F0-46EF-914B-7093A1E193E4}" dt="2025-08-25T11:32:28.163" v="71"/>
@@ -582,53 +264,6 @@
             <pc:docMk/>
             <pc:sldMk cId="2054663758" sldId="2464"/>
             <ac:spMk id="11" creationId="{58B2142D-6FB6-4419-9CEA-26BD662700E4}"/>
-          </ac:spMkLst>
-        </pc:spChg>
-      </pc:sldChg>
-      <pc:sldChg chg="addSp modSp">
-        <pc:chgData name="Marc-André Ménard" userId="817d93e3-0101-4cff-a017-7d19de51de8f" providerId="ADAL" clId="{2B1C4FA4-21F0-46EF-914B-7093A1E193E4}" dt="2025-08-25T12:37:34.321" v="544" actId="6549"/>
-        <pc:sldMkLst>
-          <pc:docMk/>
-          <pc:sldMk cId="1566703291" sldId="2465"/>
-        </pc:sldMkLst>
-        <pc:spChg chg="mod">
-          <ac:chgData name="Marc-André Ménard" userId="817d93e3-0101-4cff-a017-7d19de51de8f" providerId="ADAL" clId="{2B1C4FA4-21F0-46EF-914B-7093A1E193E4}" dt="2025-08-25T11:35:12.238" v="182" actId="403"/>
-          <ac:spMkLst>
-            <pc:docMk/>
-            <pc:sldMk cId="1566703291" sldId="2465"/>
-            <ac:spMk id="4" creationId="{37FE4FD6-0443-49A3-9139-FB2446389BE8}"/>
-          </ac:spMkLst>
-        </pc:spChg>
-        <pc:spChg chg="add">
-          <ac:chgData name="Marc-André Ménard" userId="817d93e3-0101-4cff-a017-7d19de51de8f" providerId="ADAL" clId="{2B1C4FA4-21F0-46EF-914B-7093A1E193E4}" dt="2025-08-25T11:32:33.601" v="72"/>
-          <ac:spMkLst>
-            <pc:docMk/>
-            <pc:sldMk cId="1566703291" sldId="2465"/>
-            <ac:spMk id="5" creationId="{D06B2927-3C60-483F-8AC3-0556A7E69EBA}"/>
-          </ac:spMkLst>
-        </pc:spChg>
-        <pc:spChg chg="add">
-          <ac:chgData name="Marc-André Ménard" userId="817d93e3-0101-4cff-a017-7d19de51de8f" providerId="ADAL" clId="{2B1C4FA4-21F0-46EF-914B-7093A1E193E4}" dt="2025-08-25T11:32:33.601" v="72"/>
-          <ac:spMkLst>
-            <pc:docMk/>
-            <pc:sldMk cId="1566703291" sldId="2465"/>
-            <ac:spMk id="6" creationId="{D77B86BD-0849-4CAC-B12B-494DA3CE1E03}"/>
-          </ac:spMkLst>
-        </pc:spChg>
-        <pc:spChg chg="add mod">
-          <ac:chgData name="Marc-André Ménard" userId="817d93e3-0101-4cff-a017-7d19de51de8f" providerId="ADAL" clId="{2B1C4FA4-21F0-46EF-914B-7093A1E193E4}" dt="2025-08-25T12:33:28.853" v="287"/>
-          <ac:spMkLst>
-            <pc:docMk/>
-            <pc:sldMk cId="1566703291" sldId="2465"/>
-            <ac:spMk id="7" creationId="{9BC6974F-6B26-4114-8A40-960DDDBB3696}"/>
-          </ac:spMkLst>
-        </pc:spChg>
-        <pc:spChg chg="add mod">
-          <ac:chgData name="Marc-André Ménard" userId="817d93e3-0101-4cff-a017-7d19de51de8f" providerId="ADAL" clId="{2B1C4FA4-21F0-46EF-914B-7093A1E193E4}" dt="2025-08-25T12:37:34.321" v="544" actId="6549"/>
-          <ac:spMkLst>
-            <pc:docMk/>
-            <pc:sldMk cId="1566703291" sldId="2465"/>
-            <ac:spMk id="8" creationId="{0138BE32-51C7-46A8-A7E8-B7EF5BAF1C69}"/>
           </ac:spMkLst>
         </pc:spChg>
       </pc:sldChg>
@@ -1146,13 +781,6 @@
             <ac:spMk id="11" creationId="{58B2142D-6FB6-4419-9CEA-26BD662700E4}"/>
           </ac:spMkLst>
         </pc:spChg>
-      </pc:sldChg>
-      <pc:sldChg chg="del">
-        <pc:chgData name="Marc-André Ménard" userId="817d93e3-0101-4cff-a017-7d19de51de8f" providerId="ADAL" clId="{2B1C4FA4-21F0-46EF-914B-7093A1E193E4}" dt="2025-08-25T11:33:38.643" v="104" actId="2696"/>
-        <pc:sldMkLst>
-          <pc:docMk/>
-          <pc:sldMk cId="421943200" sldId="2483"/>
-        </pc:sldMkLst>
       </pc:sldChg>
       <pc:sldChg chg="addSp modSp">
         <pc:chgData name="Marc-André Ménard" userId="817d93e3-0101-4cff-a017-7d19de51de8f" providerId="ADAL" clId="{2B1C4FA4-21F0-46EF-914B-7093A1E193E4}" dt="2025-08-25T11:40:19.801" v="238" actId="207"/>
@@ -2235,44 +1863,8 @@
           </ac:spMkLst>
         </pc:spChg>
       </pc:sldChg>
-      <pc:sldChg chg="add del setBg">
-        <pc:chgData name="Marc-André Ménard" userId="817d93e3-0101-4cff-a017-7d19de51de8f" providerId="ADAL" clId="{2B1C4FA4-21F0-46EF-914B-7093A1E193E4}" dt="2025-08-25T11:43:27.670" v="286" actId="2696"/>
-        <pc:sldMkLst>
-          <pc:docMk/>
-          <pc:sldMk cId="0" sldId="2507"/>
-        </pc:sldMkLst>
-      </pc:sldChg>
-      <pc:sldChg chg="modSp add del">
-        <pc:chgData name="Marc-André Ménard" userId="817d93e3-0101-4cff-a017-7d19de51de8f" providerId="ADAL" clId="{2B1C4FA4-21F0-46EF-914B-7093A1E193E4}" dt="2025-08-24T19:05:51.376" v="48" actId="2696"/>
-        <pc:sldMkLst>
-          <pc:docMk/>
-          <pc:sldMk cId="253147532" sldId="2508"/>
-        </pc:sldMkLst>
-        <pc:spChg chg="mod">
-          <ac:chgData name="Marc-André Ménard" userId="817d93e3-0101-4cff-a017-7d19de51de8f" providerId="ADAL" clId="{2B1C4FA4-21F0-46EF-914B-7093A1E193E4}" dt="2025-08-24T19:05:00.494" v="42"/>
-          <ac:spMkLst>
-            <pc:docMk/>
-            <pc:sldMk cId="253147532" sldId="2508"/>
-            <ac:spMk id="2" creationId="{B68F7CD0-6448-4195-BEDE-343C5008D48F}"/>
-          </ac:spMkLst>
-        </pc:spChg>
-      </pc:sldChg>
-      <pc:sldChg chg="add del">
-        <pc:chgData name="Marc-André Ménard" userId="817d93e3-0101-4cff-a017-7d19de51de8f" providerId="ADAL" clId="{2B1C4FA4-21F0-46EF-914B-7093A1E193E4}" dt="2025-08-24T19:04:38.487" v="40" actId="2696"/>
-        <pc:sldMkLst>
-          <pc:docMk/>
-          <pc:sldMk cId="3240510109" sldId="2508"/>
-        </pc:sldMkLst>
-      </pc:sldChg>
-      <pc:sldChg chg="add del">
-        <pc:chgData name="Marc-André Ménard" userId="817d93e3-0101-4cff-a017-7d19de51de8f" providerId="ADAL" clId="{2B1C4FA4-21F0-46EF-914B-7093A1E193E4}" dt="2025-08-24T19:04:20.811" v="39" actId="2696"/>
-        <pc:sldMkLst>
-          <pc:docMk/>
-          <pc:sldMk cId="546720107" sldId="2509"/>
-        </pc:sldMkLst>
-      </pc:sldChg>
-      <pc:sldChg chg="addSp modSp add">
-        <pc:chgData name="Marc-André Ménard" userId="817d93e3-0101-4cff-a017-7d19de51de8f" providerId="ADAL" clId="{2B1C4FA4-21F0-46EF-914B-7093A1E193E4}" dt="2025-08-24T19:06:14.574" v="53" actId="1076"/>
+      <pc:sldChg chg="addSp modSp add del">
+        <pc:chgData name="Marc-André Ménard" userId="817d93e3-0101-4cff-a017-7d19de51de8f" providerId="ADAL" clId="{2B1C4FA4-21F0-46EF-914B-7093A1E193E4}" dt="2025-08-28T08:39:08.462" v="723" actId="2696"/>
         <pc:sldMkLst>
           <pc:docMk/>
           <pc:sldMk cId="1655460658" sldId="2145706559"/>
@@ -2364,28 +1956,6 @@
           </ac:spMkLst>
         </pc:spChg>
       </pc:sldChg>
-      <pc:sldChg chg="add del">
-        <pc:chgData name="Marc-André Ménard" userId="817d93e3-0101-4cff-a017-7d19de51de8f" providerId="ADAL" clId="{2B1C4FA4-21F0-46EF-914B-7093A1E193E4}" dt="2025-08-25T11:33:46.610" v="106" actId="2696"/>
-        <pc:sldMkLst>
-          <pc:docMk/>
-          <pc:sldMk cId="3159685503" sldId="2145706561"/>
-        </pc:sldMkLst>
-      </pc:sldChg>
-      <pc:sldMasterChg chg="delSldLayout">
-        <pc:chgData name="Marc-André Ménard" userId="817d93e3-0101-4cff-a017-7d19de51de8f" providerId="ADAL" clId="{2B1C4FA4-21F0-46EF-914B-7093A1E193E4}" dt="2025-08-24T19:02:05.294" v="20" actId="2696"/>
-        <pc:sldMasterMkLst>
-          <pc:docMk/>
-          <pc:sldMasterMk cId="0" sldId="2147483648"/>
-        </pc:sldMasterMkLst>
-        <pc:sldLayoutChg chg="del">
-          <pc:chgData name="Marc-André Ménard" userId="817d93e3-0101-4cff-a017-7d19de51de8f" providerId="ADAL" clId="{2B1C4FA4-21F0-46EF-914B-7093A1E193E4}" dt="2025-08-24T19:02:05.294" v="20" actId="2696"/>
-          <pc:sldLayoutMkLst>
-            <pc:docMk/>
-            <pc:sldMasterMk cId="0" sldId="2147483648"/>
-            <pc:sldLayoutMk cId="0" sldId="2147483649"/>
-          </pc:sldLayoutMkLst>
-        </pc:sldLayoutChg>
-      </pc:sldMasterChg>
     </pc:docChg>
   </pc:docChgLst>
   <pc:docChgLst>
@@ -2413,51 +1983,6 @@
       <pc:docMkLst>
         <pc:docMk/>
       </pc:docMkLst>
-      <pc:sldChg chg="modSp">
-        <pc:chgData name="Marc-André Ménard" userId="817d93e3-0101-4cff-a017-7d19de51de8f" providerId="ADAL" clId="{22F52D90-75AD-4CB7-82FD-A46131A2212C}" dt="2025-08-24T19:00:13.395" v="320"/>
-        <pc:sldMkLst>
-          <pc:docMk/>
-          <pc:sldMk cId="1657071830" sldId="2193"/>
-        </pc:sldMkLst>
-        <pc:spChg chg="mod">
-          <ac:chgData name="Marc-André Ménard" userId="817d93e3-0101-4cff-a017-7d19de51de8f" providerId="ADAL" clId="{22F52D90-75AD-4CB7-82FD-A46131A2212C}" dt="2025-08-24T19:00:13.395" v="320"/>
-          <ac:spMkLst>
-            <pc:docMk/>
-            <pc:sldMk cId="1657071830" sldId="2193"/>
-            <ac:spMk id="2" creationId="{AE8FA48A-5E96-114F-8594-D00A70D81926}"/>
-          </ac:spMkLst>
-        </pc:spChg>
-      </pc:sldChg>
-      <pc:sldChg chg="addSp delSp">
-        <pc:chgData name="Marc-André Ménard" userId="817d93e3-0101-4cff-a017-7d19de51de8f" providerId="ADAL" clId="{22F52D90-75AD-4CB7-82FD-A46131A2212C}" dt="2025-08-24T19:00:17.114" v="321" actId="478"/>
-        <pc:sldMkLst>
-          <pc:docMk/>
-          <pc:sldMk cId="3862277948" sldId="2462"/>
-        </pc:sldMkLst>
-        <pc:spChg chg="add del">
-          <ac:chgData name="Marc-André Ménard" userId="817d93e3-0101-4cff-a017-7d19de51de8f" providerId="ADAL" clId="{22F52D90-75AD-4CB7-82FD-A46131A2212C}" dt="2025-08-24T19:00:17.114" v="321" actId="478"/>
-          <ac:spMkLst>
-            <pc:docMk/>
-            <pc:sldMk cId="3862277948" sldId="2462"/>
-            <ac:spMk id="13" creationId="{7D81EFFF-1E47-43FB-8824-36E56A7A9A66}"/>
-          </ac:spMkLst>
-        </pc:spChg>
-      </pc:sldChg>
-      <pc:sldChg chg="modSp">
-        <pc:chgData name="Marc-André Ménard" userId="817d93e3-0101-4cff-a017-7d19de51de8f" providerId="ADAL" clId="{22F52D90-75AD-4CB7-82FD-A46131A2212C}" dt="2025-08-22T11:25:59.112" v="315" actId="27636"/>
-        <pc:sldMkLst>
-          <pc:docMk/>
-          <pc:sldMk cId="1566703291" sldId="2465"/>
-        </pc:sldMkLst>
-        <pc:spChg chg="mod">
-          <ac:chgData name="Marc-André Ménard" userId="817d93e3-0101-4cff-a017-7d19de51de8f" providerId="ADAL" clId="{22F52D90-75AD-4CB7-82FD-A46131A2212C}" dt="2025-08-22T11:25:59.112" v="315" actId="27636"/>
-          <ac:spMkLst>
-            <pc:docMk/>
-            <pc:sldMk cId="1566703291" sldId="2465"/>
-            <ac:spMk id="11" creationId="{58B2142D-6FB6-4419-9CEA-26BD662700E4}"/>
-          </ac:spMkLst>
-        </pc:spChg>
-      </pc:sldChg>
       <pc:sldChg chg="addSp modSp add">
         <pc:chgData name="Marc-André Ménard" userId="817d93e3-0101-4cff-a017-7d19de51de8f" providerId="ADAL" clId="{22F52D90-75AD-4CB7-82FD-A46131A2212C}" dt="2025-08-20T17:31:50.433" v="184" actId="14100"/>
         <pc:sldMkLst>
@@ -2650,14 +2175,6 @@
           <pc:docMk/>
           <pc:sldMk cId="390424474" sldId="2489"/>
         </pc:sldMkLst>
-        <pc:spChg chg="add del">
-          <ac:chgData name="Marc-André Ménard" userId="817d93e3-0101-4cff-a017-7d19de51de8f" providerId="ADAL" clId="{22F52D90-75AD-4CB7-82FD-A46131A2212C}" dt="2025-08-20T18:31:25.659" v="230"/>
-          <ac:spMkLst>
-            <pc:docMk/>
-            <pc:sldMk cId="390424474" sldId="2489"/>
-            <ac:spMk id="2" creationId="{50655264-4398-4329-94BE-047EA9509F72}"/>
-          </ac:spMkLst>
-        </pc:spChg>
         <pc:spChg chg="mod">
           <ac:chgData name="Marc-André Ménard" userId="817d93e3-0101-4cff-a017-7d19de51de8f" providerId="ADAL" clId="{22F52D90-75AD-4CB7-82FD-A46131A2212C}" dt="2025-08-20T18:24:58.344" v="228" actId="27636"/>
           <ac:spMkLst>
@@ -3207,6 +2724,173 @@
             <pc:docMk/>
             <pc:sldMk cId="2370490835" sldId="2506"/>
             <ac:spMk id="11" creationId="{58B2142D-6FB6-4419-9CEA-26BD662700E4}"/>
+          </ac:spMkLst>
+        </pc:spChg>
+      </pc:sldChg>
+    </pc:docChg>
+  </pc:docChgLst>
+  <pc:docChgLst>
+    <pc:chgData name="Jonathan Gaudreault" userId="9ac514e9-18ed-4966-b613-7b2a1d964276" providerId="ADAL" clId="{2E37B44F-280B-4D25-A66F-B0A45F3F661C}"/>
+    <pc:docChg chg="undo custSel addSld delSld modSld">
+      <pc:chgData name="Jonathan Gaudreault" userId="9ac514e9-18ed-4966-b613-7b2a1d964276" providerId="ADAL" clId="{2E37B44F-280B-4D25-A66F-B0A45F3F661C}" dt="2025-08-26T06:16:52.814" v="324" actId="20577"/>
+      <pc:docMkLst>
+        <pc:docMk/>
+      </pc:docMkLst>
+      <pc:sldChg chg="modSp add mod">
+        <pc:chgData name="Jonathan Gaudreault" userId="9ac514e9-18ed-4966-b613-7b2a1d964276" providerId="ADAL" clId="{2E37B44F-280B-4D25-A66F-B0A45F3F661C}" dt="2025-08-26T06:08:28.686" v="38" actId="13926"/>
+        <pc:sldMkLst>
+          <pc:docMk/>
+          <pc:sldMk cId="1781477153" sldId="494"/>
+        </pc:sldMkLst>
+        <pc:spChg chg="mod">
+          <ac:chgData name="Jonathan Gaudreault" userId="9ac514e9-18ed-4966-b613-7b2a1d964276" providerId="ADAL" clId="{2E37B44F-280B-4D25-A66F-B0A45F3F661C}" dt="2025-08-26T06:08:28.686" v="38" actId="13926"/>
+          <ac:spMkLst>
+            <pc:docMk/>
+            <pc:sldMk cId="1781477153" sldId="494"/>
+            <ac:spMk id="2" creationId="{A3D7AA23-9422-47E4-A875-451C2C110AA2}"/>
+          </ac:spMkLst>
+        </pc:spChg>
+      </pc:sldChg>
+      <pc:sldChg chg="modSp mod">
+        <pc:chgData name="Jonathan Gaudreault" userId="9ac514e9-18ed-4966-b613-7b2a1d964276" providerId="ADAL" clId="{2E37B44F-280B-4D25-A66F-B0A45F3F661C}" dt="2025-08-26T06:07:36.917" v="34" actId="1035"/>
+        <pc:sldMkLst>
+          <pc:docMk/>
+          <pc:sldMk cId="2054663758" sldId="2464"/>
+        </pc:sldMkLst>
+        <pc:spChg chg="mod">
+          <ac:chgData name="Jonathan Gaudreault" userId="9ac514e9-18ed-4966-b613-7b2a1d964276" providerId="ADAL" clId="{2E37B44F-280B-4D25-A66F-B0A45F3F661C}" dt="2025-08-26T06:07:36.917" v="34" actId="1035"/>
+          <ac:spMkLst>
+            <pc:docMk/>
+            <pc:sldMk cId="2054663758" sldId="2464"/>
+            <ac:spMk id="11" creationId="{58B2142D-6FB6-4419-9CEA-26BD662700E4}"/>
+          </ac:spMkLst>
+        </pc:spChg>
+      </pc:sldChg>
+      <pc:sldChg chg="modSp mod">
+        <pc:chgData name="Jonathan Gaudreault" userId="9ac514e9-18ed-4966-b613-7b2a1d964276" providerId="ADAL" clId="{2E37B44F-280B-4D25-A66F-B0A45F3F661C}" dt="2025-08-26T06:09:11.354" v="73" actId="313"/>
+        <pc:sldMkLst>
+          <pc:docMk/>
+          <pc:sldMk cId="3978877907" sldId="2466"/>
+        </pc:sldMkLst>
+        <pc:spChg chg="mod">
+          <ac:chgData name="Jonathan Gaudreault" userId="9ac514e9-18ed-4966-b613-7b2a1d964276" providerId="ADAL" clId="{2E37B44F-280B-4D25-A66F-B0A45F3F661C}" dt="2025-08-26T06:09:11.354" v="73" actId="313"/>
+          <ac:spMkLst>
+            <pc:docMk/>
+            <pc:sldMk cId="3978877907" sldId="2466"/>
+            <ac:spMk id="11" creationId="{58B2142D-6FB6-4419-9CEA-26BD662700E4}"/>
+          </ac:spMkLst>
+        </pc:spChg>
+      </pc:sldChg>
+      <pc:sldChg chg="modSp mod">
+        <pc:chgData name="Jonathan Gaudreault" userId="9ac514e9-18ed-4966-b613-7b2a1d964276" providerId="ADAL" clId="{2E37B44F-280B-4D25-A66F-B0A45F3F661C}" dt="2025-08-26T06:10:36.302" v="216" actId="20577"/>
+        <pc:sldMkLst>
+          <pc:docMk/>
+          <pc:sldMk cId="2026106685" sldId="2467"/>
+        </pc:sldMkLst>
+        <pc:spChg chg="mod">
+          <ac:chgData name="Jonathan Gaudreault" userId="9ac514e9-18ed-4966-b613-7b2a1d964276" providerId="ADAL" clId="{2E37B44F-280B-4D25-A66F-B0A45F3F661C}" dt="2025-08-26T06:10:36.302" v="216" actId="20577"/>
+          <ac:spMkLst>
+            <pc:docMk/>
+            <pc:sldMk cId="2026106685" sldId="2467"/>
+            <ac:spMk id="11" creationId="{58B2142D-6FB6-4419-9CEA-26BD662700E4}"/>
+          </ac:spMkLst>
+        </pc:spChg>
+        <pc:picChg chg="mod">
+          <ac:chgData name="Jonathan Gaudreault" userId="9ac514e9-18ed-4966-b613-7b2a1d964276" providerId="ADAL" clId="{2E37B44F-280B-4D25-A66F-B0A45F3F661C}" dt="2025-08-26T06:10:30.862" v="191" actId="1038"/>
+          <ac:picMkLst>
+            <pc:docMk/>
+            <pc:sldMk cId="2026106685" sldId="2467"/>
+            <ac:picMk id="5" creationId="{99E7F2D8-2609-4F27-818B-1679FAC42DB9}"/>
+          </ac:picMkLst>
+        </pc:picChg>
+      </pc:sldChg>
+      <pc:sldChg chg="modSp mod">
+        <pc:chgData name="Jonathan Gaudreault" userId="9ac514e9-18ed-4966-b613-7b2a1d964276" providerId="ADAL" clId="{2E37B44F-280B-4D25-A66F-B0A45F3F661C}" dt="2025-08-26T06:11:03.256" v="256" actId="20577"/>
+        <pc:sldMkLst>
+          <pc:docMk/>
+          <pc:sldMk cId="2259977349" sldId="2468"/>
+        </pc:sldMkLst>
+        <pc:spChg chg="mod">
+          <ac:chgData name="Jonathan Gaudreault" userId="9ac514e9-18ed-4966-b613-7b2a1d964276" providerId="ADAL" clId="{2E37B44F-280B-4D25-A66F-B0A45F3F661C}" dt="2025-08-26T06:11:03.256" v="256" actId="20577"/>
+          <ac:spMkLst>
+            <pc:docMk/>
+            <pc:sldMk cId="2259977349" sldId="2468"/>
+            <ac:spMk id="11" creationId="{58B2142D-6FB6-4419-9CEA-26BD662700E4}"/>
+          </ac:spMkLst>
+        </pc:spChg>
+      </pc:sldChg>
+      <pc:sldChg chg="modSp mod">
+        <pc:chgData name="Jonathan Gaudreault" userId="9ac514e9-18ed-4966-b613-7b2a1d964276" providerId="ADAL" clId="{2E37B44F-280B-4D25-A66F-B0A45F3F661C}" dt="2025-08-26T06:11:24.969" v="257" actId="20577"/>
+        <pc:sldMkLst>
+          <pc:docMk/>
+          <pc:sldMk cId="389453396" sldId="2469"/>
+        </pc:sldMkLst>
+        <pc:spChg chg="mod">
+          <ac:chgData name="Jonathan Gaudreault" userId="9ac514e9-18ed-4966-b613-7b2a1d964276" providerId="ADAL" clId="{2E37B44F-280B-4D25-A66F-B0A45F3F661C}" dt="2025-08-26T06:11:24.969" v="257" actId="20577"/>
+          <ac:spMkLst>
+            <pc:docMk/>
+            <pc:sldMk cId="389453396" sldId="2469"/>
+            <ac:spMk id="4" creationId="{37FE4FD6-0443-49A3-9139-FB2446389BE8}"/>
+          </ac:spMkLst>
+        </pc:spChg>
+      </pc:sldChg>
+      <pc:sldChg chg="modSp mod">
+        <pc:chgData name="Jonathan Gaudreault" userId="9ac514e9-18ed-4966-b613-7b2a1d964276" providerId="ADAL" clId="{2E37B44F-280B-4D25-A66F-B0A45F3F661C}" dt="2025-08-26T06:13:45.107" v="259" actId="20577"/>
+        <pc:sldMkLst>
+          <pc:docMk/>
+          <pc:sldMk cId="1036771127" sldId="2471"/>
+        </pc:sldMkLst>
+        <pc:spChg chg="mod">
+          <ac:chgData name="Jonathan Gaudreault" userId="9ac514e9-18ed-4966-b613-7b2a1d964276" providerId="ADAL" clId="{2E37B44F-280B-4D25-A66F-B0A45F3F661C}" dt="2025-08-26T06:13:45.107" v="259" actId="20577"/>
+          <ac:spMkLst>
+            <pc:docMk/>
+            <pc:sldMk cId="1036771127" sldId="2471"/>
+            <ac:spMk id="11" creationId="{58B2142D-6FB6-4419-9CEA-26BD662700E4}"/>
+          </ac:spMkLst>
+        </pc:spChg>
+      </pc:sldChg>
+      <pc:sldChg chg="modSp mod">
+        <pc:chgData name="Jonathan Gaudreault" userId="9ac514e9-18ed-4966-b613-7b2a1d964276" providerId="ADAL" clId="{2E37B44F-280B-4D25-A66F-B0A45F3F661C}" dt="2025-08-26T06:15:34.968" v="293" actId="27636"/>
+        <pc:sldMkLst>
+          <pc:docMk/>
+          <pc:sldMk cId="1493548584" sldId="2476"/>
+        </pc:sldMkLst>
+        <pc:spChg chg="mod">
+          <ac:chgData name="Jonathan Gaudreault" userId="9ac514e9-18ed-4966-b613-7b2a1d964276" providerId="ADAL" clId="{2E37B44F-280B-4D25-A66F-B0A45F3F661C}" dt="2025-08-26T06:15:34.968" v="293" actId="27636"/>
+          <ac:spMkLst>
+            <pc:docMk/>
+            <pc:sldMk cId="1493548584" sldId="2476"/>
+            <ac:spMk id="11" creationId="{58B2142D-6FB6-4419-9CEA-26BD662700E4}"/>
+          </ac:spMkLst>
+        </pc:spChg>
+      </pc:sldChg>
+      <pc:sldChg chg="modSp mod">
+        <pc:chgData name="Jonathan Gaudreault" userId="9ac514e9-18ed-4966-b613-7b2a1d964276" providerId="ADAL" clId="{2E37B44F-280B-4D25-A66F-B0A45F3F661C}" dt="2025-08-26T06:16:52.814" v="324" actId="20577"/>
+        <pc:sldMkLst>
+          <pc:docMk/>
+          <pc:sldMk cId="633651593" sldId="2145706561"/>
+        </pc:sldMkLst>
+        <pc:spChg chg="mod">
+          <ac:chgData name="Jonathan Gaudreault" userId="9ac514e9-18ed-4966-b613-7b2a1d964276" providerId="ADAL" clId="{2E37B44F-280B-4D25-A66F-B0A45F3F661C}" dt="2025-08-26T06:16:52.814" v="324" actId="20577"/>
+          <ac:spMkLst>
+            <pc:docMk/>
+            <pc:sldMk cId="633651593" sldId="2145706561"/>
+            <ac:spMk id="2" creationId="{0564EA8D-9D83-4E63-8A2A-AB38C92CAE03}"/>
+          </ac:spMkLst>
+        </pc:spChg>
+      </pc:sldChg>
+      <pc:sldChg chg="modSp add mod">
+        <pc:chgData name="Jonathan Gaudreault" userId="9ac514e9-18ed-4966-b613-7b2a1d964276" providerId="ADAL" clId="{2E37B44F-280B-4D25-A66F-B0A45F3F661C}" dt="2025-08-26T06:14:31.451" v="288" actId="20577"/>
+        <pc:sldMkLst>
+          <pc:docMk/>
+          <pc:sldMk cId="743993845" sldId="2145706562"/>
+        </pc:sldMkLst>
+        <pc:spChg chg="mod">
+          <ac:chgData name="Jonathan Gaudreault" userId="9ac514e9-18ed-4966-b613-7b2a1d964276" providerId="ADAL" clId="{2E37B44F-280B-4D25-A66F-B0A45F3F661C}" dt="2025-08-26T06:14:31.451" v="288" actId="20577"/>
+          <ac:spMkLst>
+            <pc:docMk/>
+            <pc:sldMk cId="743993845" sldId="2145706562"/>
+            <ac:spMk id="11" creationId="{4A6A2322-A2CF-5C6E-96E8-C9782CA6146A}"/>
           </ac:spMkLst>
         </pc:spChg>
       </pc:sldChg>
@@ -5677,7 +5361,7 @@
           <a:p>
             <a:fld id="{268BA3EB-F2BD-BF47-A5FC-134C3AE31142}" type="slidenum">
               <a:rPr lang="fr-FR" smtClean="0"/>
-              <a:t>4</a:t>
+              <a:t>3</a:t>
             </a:fld>
             <a:endParaRPr lang="fr-FR"/>
           </a:p>
@@ -6610,7 +6294,7 @@
     </p:spTree>
     <p:extLst>
       <p:ext uri="{BB962C8B-B14F-4D97-AF65-F5344CB8AC3E}">
-        <p14:creationId xmlns:p14="http://schemas.microsoft.com/office/powerpoint/2010/main" val="2543102639"/>
+        <p14:creationId xmlns:p14="http://schemas.microsoft.com/office/powerpoint/2010/main" val="3327698626"/>
       </p:ext>
     </p:extLst>
   </p:cSld>
@@ -7534,7 +7218,7 @@
     </p:spTree>
     <p:extLst>
       <p:ext uri="{BB962C8B-B14F-4D97-AF65-F5344CB8AC3E}">
-        <p14:creationId xmlns:p14="http://schemas.microsoft.com/office/powerpoint/2010/main" val="3327698626"/>
+        <p14:creationId xmlns:p14="http://schemas.microsoft.com/office/powerpoint/2010/main" val="3415321147"/>
       </p:ext>
     </p:extLst>
   </p:cSld>
@@ -7618,7 +7302,7 @@
     </p:spTree>
     <p:extLst>
       <p:ext uri="{BB962C8B-B14F-4D97-AF65-F5344CB8AC3E}">
-        <p14:creationId xmlns:p14="http://schemas.microsoft.com/office/powerpoint/2010/main" val="3415321147"/>
+        <p14:creationId xmlns:p14="http://schemas.microsoft.com/office/powerpoint/2010/main" val="2025636741"/>
       </p:ext>
     </p:extLst>
   </p:cSld>
@@ -7702,7 +7386,7 @@
     </p:spTree>
     <p:extLst>
       <p:ext uri="{BB962C8B-B14F-4D97-AF65-F5344CB8AC3E}">
-        <p14:creationId xmlns:p14="http://schemas.microsoft.com/office/powerpoint/2010/main" val="2025636741"/>
+        <p14:creationId xmlns:p14="http://schemas.microsoft.com/office/powerpoint/2010/main" val="3649411011"/>
       </p:ext>
     </p:extLst>
   </p:cSld>
@@ -7786,7 +7470,7 @@
     </p:spTree>
     <p:extLst>
       <p:ext uri="{BB962C8B-B14F-4D97-AF65-F5344CB8AC3E}">
-        <p14:creationId xmlns:p14="http://schemas.microsoft.com/office/powerpoint/2010/main" val="3649411011"/>
+        <p14:creationId xmlns:p14="http://schemas.microsoft.com/office/powerpoint/2010/main" val="1876751273"/>
       </p:ext>
     </p:extLst>
   </p:cSld>
@@ -7870,7 +7554,7 @@
     </p:spTree>
     <p:extLst>
       <p:ext uri="{BB962C8B-B14F-4D97-AF65-F5344CB8AC3E}">
-        <p14:creationId xmlns:p14="http://schemas.microsoft.com/office/powerpoint/2010/main" val="1876751273"/>
+        <p14:creationId xmlns:p14="http://schemas.microsoft.com/office/powerpoint/2010/main" val="4076206226"/>
       </p:ext>
     </p:extLst>
   </p:cSld>
@@ -7885,7 +7569,13 @@
   <p:cSld>
     <p:spTree>
       <p:nvGrpSpPr>
-        <p:cNvPr id="1" name=""/>
+        <p:cNvPr id="1" name="">
+          <a:extLst>
+            <a:ext uri="{FF2B5EF4-FFF2-40B4-BE49-F238E27FC236}">
+              <a16:creationId xmlns:a16="http://schemas.microsoft.com/office/drawing/2014/main" id="{0623BF34-9C22-BC4E-7767-6A05A093BC60}"/>
+            </a:ext>
+          </a:extLst>
+        </p:cNvPr>
         <p:cNvGrpSpPr/>
         <p:nvPr/>
       </p:nvGrpSpPr>
@@ -7899,7 +7589,13 @@
       </p:grpSpPr>
       <p:sp>
         <p:nvSpPr>
-          <p:cNvPr id="2" name="Espace réservé de l'image des diapositives 1"/>
+          <p:cNvPr id="2" name="Espace réservé de l'image des diapositives 1">
+            <a:extLst>
+              <a:ext uri="{FF2B5EF4-FFF2-40B4-BE49-F238E27FC236}">
+                <a16:creationId xmlns:a16="http://schemas.microsoft.com/office/drawing/2014/main" id="{44B60BA4-2651-3EF3-CA87-B8EB81106C7D}"/>
+              </a:ext>
+            </a:extLst>
+          </p:cNvPr>
           <p:cNvSpPr>
             <a:spLocks noGrp="1" noRot="1" noChangeAspect="1"/>
           </p:cNvSpPr>
@@ -7911,7 +7607,13 @@
       </p:sp>
       <p:sp>
         <p:nvSpPr>
-          <p:cNvPr id="3" name="Espace réservé des notes 2"/>
+          <p:cNvPr id="3" name="Espace réservé des notes 2">
+            <a:extLst>
+              <a:ext uri="{FF2B5EF4-FFF2-40B4-BE49-F238E27FC236}">
+                <a16:creationId xmlns:a16="http://schemas.microsoft.com/office/drawing/2014/main" id="{86A08856-C924-72B1-9629-553E10C7F819}"/>
+              </a:ext>
+            </a:extLst>
+          </p:cNvPr>
           <p:cNvSpPr>
             <a:spLocks noGrp="1"/>
           </p:cNvSpPr>
@@ -7930,7 +7632,13 @@
       </p:sp>
       <p:sp>
         <p:nvSpPr>
-          <p:cNvPr id="4" name="Espace réservé du numéro de diapositive 3"/>
+          <p:cNvPr id="4" name="Espace réservé du numéro de diapositive 3">
+            <a:extLst>
+              <a:ext uri="{FF2B5EF4-FFF2-40B4-BE49-F238E27FC236}">
+                <a16:creationId xmlns:a16="http://schemas.microsoft.com/office/drawing/2014/main" id="{1E904E20-1459-B04A-E3E0-27E8B1949C27}"/>
+              </a:ext>
+            </a:extLst>
+          </p:cNvPr>
           <p:cNvSpPr>
             <a:spLocks noGrp="1"/>
           </p:cNvSpPr>
@@ -7954,7 +7662,7 @@
     </p:spTree>
     <p:extLst>
       <p:ext uri="{BB962C8B-B14F-4D97-AF65-F5344CB8AC3E}">
-        <p14:creationId xmlns:p14="http://schemas.microsoft.com/office/powerpoint/2010/main" val="4076206226"/>
+        <p14:creationId xmlns:p14="http://schemas.microsoft.com/office/powerpoint/2010/main" val="4139894485"/>
       </p:ext>
     </p:extLst>
   </p:cSld>
@@ -8113,7 +7821,7 @@
           <a:p>
             <a:fld id="{703C5B0D-4E71-4994-8A9A-5568259AEB1D}" type="datetimeFigureOut">
               <a:rPr lang="en-CA" smtClean="0"/>
-              <a:t>2025-08-25</a:t>
+              <a:t>2025-08-28</a:t>
             </a:fld>
             <a:endParaRPr lang="en-CA"/>
           </a:p>
@@ -8314,7 +8022,7 @@
           <a:p>
             <a:fld id="{703C5B0D-4E71-4994-8A9A-5568259AEB1D}" type="datetimeFigureOut">
               <a:rPr lang="en-CA" smtClean="0"/>
-              <a:t>2025-08-25</a:t>
+              <a:t>2025-08-28</a:t>
             </a:fld>
             <a:endParaRPr lang="en-CA"/>
           </a:p>
@@ -8525,7 +8233,7 @@
           <a:p>
             <a:fld id="{703C5B0D-4E71-4994-8A9A-5568259AEB1D}" type="datetimeFigureOut">
               <a:rPr lang="en-CA" smtClean="0"/>
-              <a:t>2025-08-25</a:t>
+              <a:t>2025-08-28</a:t>
             </a:fld>
             <a:endParaRPr lang="en-CA"/>
           </a:p>
@@ -9055,7 +8763,7 @@
           <a:p>
             <a:fld id="{703C5B0D-4E71-4994-8A9A-5568259AEB1D}" type="datetimeFigureOut">
               <a:rPr lang="en-CA" smtClean="0"/>
-              <a:t>2025-08-25</a:t>
+              <a:t>2025-08-28</a:t>
             </a:fld>
             <a:endParaRPr lang="en-CA"/>
           </a:p>
@@ -9332,7 +9040,7 @@
           <a:p>
             <a:fld id="{703C5B0D-4E71-4994-8A9A-5568259AEB1D}" type="datetimeFigureOut">
               <a:rPr lang="en-CA" smtClean="0"/>
-              <a:t>2025-08-25</a:t>
+              <a:t>2025-08-28</a:t>
             </a:fld>
             <a:endParaRPr lang="en-CA"/>
           </a:p>
@@ -9601,7 +9309,7 @@
           <a:p>
             <a:fld id="{703C5B0D-4E71-4994-8A9A-5568259AEB1D}" type="datetimeFigureOut">
               <a:rPr lang="en-CA" smtClean="0"/>
-              <a:t>2025-08-25</a:t>
+              <a:t>2025-08-28</a:t>
             </a:fld>
             <a:endParaRPr lang="en-CA"/>
           </a:p>
@@ -10017,7 +9725,7 @@
           <a:p>
             <a:fld id="{703C5B0D-4E71-4994-8A9A-5568259AEB1D}" type="datetimeFigureOut">
               <a:rPr lang="en-CA" smtClean="0"/>
-              <a:t>2025-08-25</a:t>
+              <a:t>2025-08-28</a:t>
             </a:fld>
             <a:endParaRPr lang="en-CA"/>
           </a:p>
@@ -10160,7 +9868,7 @@
           <a:p>
             <a:fld id="{703C5B0D-4E71-4994-8A9A-5568259AEB1D}" type="datetimeFigureOut">
               <a:rPr lang="en-CA" smtClean="0"/>
-              <a:t>2025-08-25</a:t>
+              <a:t>2025-08-28</a:t>
             </a:fld>
             <a:endParaRPr lang="en-CA"/>
           </a:p>
@@ -10584,7 +10292,7 @@
           <a:p>
             <a:fld id="{703C5B0D-4E71-4994-8A9A-5568259AEB1D}" type="datetimeFigureOut">
               <a:rPr lang="en-CA" smtClean="0"/>
-              <a:t>2025-08-25</a:t>
+              <a:t>2025-08-28</a:t>
             </a:fld>
             <a:endParaRPr lang="en-CA"/>
           </a:p>
@@ -10874,7 +10582,7 @@
           <a:p>
             <a:fld id="{703C5B0D-4E71-4994-8A9A-5568259AEB1D}" type="datetimeFigureOut">
               <a:rPr lang="en-CA" smtClean="0"/>
-              <a:t>2025-08-25</a:t>
+              <a:t>2025-08-28</a:t>
             </a:fld>
             <a:endParaRPr lang="en-CA"/>
           </a:p>
@@ -11118,7 +10826,7 @@
           <a:p>
             <a:fld id="{703C5B0D-4E71-4994-8A9A-5568259AEB1D}" type="datetimeFigureOut">
               <a:rPr lang="en-CA" smtClean="0"/>
-              <a:t>2025-08-25</a:t>
+              <a:t>2025-08-28</a:t>
             </a:fld>
             <a:endParaRPr lang="en-CA"/>
           </a:p>
@@ -12137,803 +11845,6 @@
                 <a:latin typeface="Arial" panose="020B0604020202020204" pitchFamily="34" charset="0"/>
                 <a:cs typeface="Arial" panose="020B0604020202020204" pitchFamily="34" charset="0"/>
               </a:rPr>
-              <a:t>Modélisation dans </a:t>
-            </a:r>
-            <a:r>
-              <a:rPr lang="fr-CA" sz="2800" dirty="0" err="1">
-                <a:solidFill>
-                  <a:schemeClr val="tx1"/>
-                </a:solidFill>
-                <a:latin typeface="Arial" panose="020B0604020202020204" pitchFamily="34" charset="0"/>
-                <a:cs typeface="Arial" panose="020B0604020202020204" pitchFamily="34" charset="0"/>
-              </a:rPr>
-              <a:t>Simio</a:t>
-            </a:r>
-            <a:r>
-              <a:rPr lang="fr-CA" sz="2800" dirty="0">
-                <a:solidFill>
-                  <a:schemeClr val="tx1"/>
-                </a:solidFill>
-                <a:latin typeface="Arial" panose="020B0604020202020204" pitchFamily="34" charset="0"/>
-                <a:cs typeface="Arial" panose="020B0604020202020204" pitchFamily="34" charset="0"/>
-              </a:rPr>
-              <a:t> : Première version</a:t>
-            </a:r>
-            <a:endParaRPr lang="fr-FR" sz="2800" dirty="0">
-              <a:solidFill>
-                <a:schemeClr val="tx1"/>
-              </a:solidFill>
-              <a:latin typeface="Arial" panose="020B0604020202020204" pitchFamily="34" charset="0"/>
-              <a:cs typeface="Arial" panose="020B0604020202020204" pitchFamily="34" charset="0"/>
-            </a:endParaRPr>
-          </a:p>
-        </p:txBody>
-      </p:sp>
-      <p:sp>
-        <p:nvSpPr>
-          <p:cNvPr id="11" name="Google Shape;309;p23">
-            <a:extLst>
-              <a:ext uri="{FF2B5EF4-FFF2-40B4-BE49-F238E27FC236}">
-                <a16:creationId xmlns:a16="http://schemas.microsoft.com/office/drawing/2014/main" id="{58B2142D-6FB6-4419-9CEA-26BD662700E4}"/>
-              </a:ext>
-            </a:extLst>
-          </p:cNvPr>
-          <p:cNvSpPr txBox="1">
-            <a:spLocks/>
-          </p:cNvSpPr>
-          <p:nvPr/>
-        </p:nvSpPr>
-        <p:spPr>
-          <a:xfrm>
-            <a:off x="1083825" y="1993324"/>
-            <a:ext cx="7466286" cy="3889002"/>
-          </a:xfrm>
-          <a:prstGeom prst="rect">
-            <a:avLst/>
-          </a:prstGeom>
-          <a:noFill/>
-        </p:spPr>
-        <p:txBody>
-          <a:bodyPr spcFirstLastPara="1" vert="horz" wrap="square" lIns="0" tIns="0" rIns="0" bIns="0" rtlCol="0" anchor="t" anchorCtr="0">
-            <a:normAutofit/>
-          </a:bodyPr>
-          <a:lstStyle>
-            <a:lvl1pPr marL="0" indent="0" algn="l" defTabSz="914400" rtl="0" eaLnBrk="1" latinLnBrk="0" hangingPunct="1">
-              <a:lnSpc>
-                <a:spcPct val="90000"/>
-              </a:lnSpc>
-              <a:spcBef>
-                <a:spcPts val="1000"/>
-              </a:spcBef>
-              <a:buClr>
-                <a:schemeClr val="tx2"/>
-              </a:buClr>
-              <a:buFont typeface="Arial" panose="020B0604020202020204" pitchFamily="34" charset="0"/>
-              <a:buNone/>
-              <a:defRPr sz="4000" b="0" i="0" kern="1200">
-                <a:solidFill>
-                  <a:schemeClr val="tx1"/>
-                </a:solidFill>
-                <a:latin typeface="Overpass Light" pitchFamily="2" charset="77"/>
-                <a:ea typeface="+mn-ea"/>
-                <a:cs typeface="+mn-cs"/>
-              </a:defRPr>
-            </a:lvl1pPr>
-            <a:lvl2pPr marL="685800" indent="-228600" algn="l" defTabSz="914400" rtl="0" eaLnBrk="1" latinLnBrk="0" hangingPunct="1">
-              <a:lnSpc>
-                <a:spcPct val="90000"/>
-              </a:lnSpc>
-              <a:spcBef>
-                <a:spcPts val="1000"/>
-              </a:spcBef>
-              <a:buClr>
-                <a:schemeClr val="tx2"/>
-              </a:buClr>
-              <a:buFont typeface="Arial" panose="020B0604020202020204" pitchFamily="34" charset="0"/>
-              <a:buChar char="•"/>
-              <a:defRPr sz="3600" b="0" i="0" kern="1200">
-                <a:solidFill>
-                  <a:schemeClr val="tx1"/>
-                </a:solidFill>
-                <a:latin typeface="Overpass Light" pitchFamily="2" charset="77"/>
-                <a:ea typeface="+mn-ea"/>
-                <a:cs typeface="+mn-cs"/>
-              </a:defRPr>
-            </a:lvl2pPr>
-            <a:lvl3pPr marL="1143000" indent="-228600" algn="l" defTabSz="914400" rtl="0" eaLnBrk="1" latinLnBrk="0" hangingPunct="1">
-              <a:lnSpc>
-                <a:spcPct val="90000"/>
-              </a:lnSpc>
-              <a:spcBef>
-                <a:spcPts val="600"/>
-              </a:spcBef>
-              <a:buClr>
-                <a:schemeClr val="tx2"/>
-              </a:buClr>
-              <a:buFont typeface="Arial" panose="020B0604020202020204" pitchFamily="34" charset="0"/>
-              <a:buChar char="•"/>
-              <a:defRPr sz="3200" b="0" i="0" kern="1200">
-                <a:solidFill>
-                  <a:schemeClr val="tx1"/>
-                </a:solidFill>
-                <a:latin typeface="Overpass Light" pitchFamily="2" charset="77"/>
-                <a:ea typeface="+mn-ea"/>
-                <a:cs typeface="+mn-cs"/>
-              </a:defRPr>
-            </a:lvl3pPr>
-            <a:lvl4pPr marL="1600200" indent="-228600" algn="l" defTabSz="914400" rtl="0" eaLnBrk="1" latinLnBrk="0" hangingPunct="1">
-              <a:lnSpc>
-                <a:spcPct val="90000"/>
-              </a:lnSpc>
-              <a:spcBef>
-                <a:spcPts val="300"/>
-              </a:spcBef>
-              <a:buClr>
-                <a:schemeClr val="tx2"/>
-              </a:buClr>
-              <a:buFont typeface="Arial" panose="020B0604020202020204" pitchFamily="34" charset="0"/>
-              <a:buChar char="•"/>
-              <a:defRPr sz="2400" b="0" i="0" kern="1200">
-                <a:solidFill>
-                  <a:schemeClr val="tx1"/>
-                </a:solidFill>
-                <a:latin typeface="Overpass Light" pitchFamily="2" charset="77"/>
-                <a:ea typeface="+mn-ea"/>
-                <a:cs typeface="+mn-cs"/>
-              </a:defRPr>
-            </a:lvl4pPr>
-            <a:lvl5pPr marL="2057400" indent="-228600" algn="l" defTabSz="914400" rtl="0" eaLnBrk="1" latinLnBrk="0" hangingPunct="1">
-              <a:lnSpc>
-                <a:spcPct val="90000"/>
-              </a:lnSpc>
-              <a:spcBef>
-                <a:spcPts val="500"/>
-              </a:spcBef>
-              <a:buClr>
-                <a:schemeClr val="tx2"/>
-              </a:buClr>
-              <a:buFont typeface="Arial" panose="020B0604020202020204" pitchFamily="34" charset="0"/>
-              <a:buChar char="•"/>
-              <a:defRPr sz="2000" b="0" i="0" kern="1200">
-                <a:solidFill>
-                  <a:schemeClr val="tx1"/>
-                </a:solidFill>
-                <a:latin typeface="Overpass Light" pitchFamily="2" charset="77"/>
-                <a:ea typeface="+mn-ea"/>
-                <a:cs typeface="+mn-cs"/>
-              </a:defRPr>
-            </a:lvl5pPr>
-            <a:lvl6pPr marL="2514600" indent="-228600" algn="l" defTabSz="914400" rtl="0" eaLnBrk="1" latinLnBrk="0" hangingPunct="1">
-              <a:lnSpc>
-                <a:spcPct val="90000"/>
-              </a:lnSpc>
-              <a:spcBef>
-                <a:spcPts val="500"/>
-              </a:spcBef>
-              <a:buFont typeface="Arial" panose="020B0604020202020204" pitchFamily="34" charset="0"/>
-              <a:buChar char="•"/>
-              <a:defRPr sz="1800" kern="1200">
-                <a:solidFill>
-                  <a:schemeClr val="tx1"/>
-                </a:solidFill>
-                <a:latin typeface="+mn-lt"/>
-                <a:ea typeface="+mn-ea"/>
-                <a:cs typeface="+mn-cs"/>
-              </a:defRPr>
-            </a:lvl6pPr>
-            <a:lvl7pPr marL="2971800" indent="-228600" algn="l" defTabSz="914400" rtl="0" eaLnBrk="1" latinLnBrk="0" hangingPunct="1">
-              <a:lnSpc>
-                <a:spcPct val="90000"/>
-              </a:lnSpc>
-              <a:spcBef>
-                <a:spcPts val="500"/>
-              </a:spcBef>
-              <a:buFont typeface="Arial" panose="020B0604020202020204" pitchFamily="34" charset="0"/>
-              <a:buChar char="•"/>
-              <a:defRPr sz="1800" kern="1200">
-                <a:solidFill>
-                  <a:schemeClr val="tx1"/>
-                </a:solidFill>
-                <a:latin typeface="+mn-lt"/>
-                <a:ea typeface="+mn-ea"/>
-                <a:cs typeface="+mn-cs"/>
-              </a:defRPr>
-            </a:lvl7pPr>
-            <a:lvl8pPr marL="3429000" indent="-228600" algn="l" defTabSz="914400" rtl="0" eaLnBrk="1" latinLnBrk="0" hangingPunct="1">
-              <a:lnSpc>
-                <a:spcPct val="90000"/>
-              </a:lnSpc>
-              <a:spcBef>
-                <a:spcPts val="500"/>
-              </a:spcBef>
-              <a:buFont typeface="Arial" panose="020B0604020202020204" pitchFamily="34" charset="0"/>
-              <a:buChar char="•"/>
-              <a:defRPr sz="1800" kern="1200">
-                <a:solidFill>
-                  <a:schemeClr val="tx1"/>
-                </a:solidFill>
-                <a:latin typeface="+mn-lt"/>
-                <a:ea typeface="+mn-ea"/>
-                <a:cs typeface="+mn-cs"/>
-              </a:defRPr>
-            </a:lvl8pPr>
-            <a:lvl9pPr marL="3886200" indent="-228600" algn="l" defTabSz="914400" rtl="0" eaLnBrk="1" latinLnBrk="0" hangingPunct="1">
-              <a:lnSpc>
-                <a:spcPct val="90000"/>
-              </a:lnSpc>
-              <a:spcBef>
-                <a:spcPts val="500"/>
-              </a:spcBef>
-              <a:buFont typeface="Arial" panose="020B0604020202020204" pitchFamily="34" charset="0"/>
-              <a:buChar char="•"/>
-              <a:defRPr sz="1800" kern="1200">
-                <a:solidFill>
-                  <a:schemeClr val="tx1"/>
-                </a:solidFill>
-                <a:latin typeface="+mn-lt"/>
-                <a:ea typeface="+mn-ea"/>
-                <a:cs typeface="+mn-cs"/>
-              </a:defRPr>
-            </a:lvl9pPr>
-          </a:lstStyle>
-          <a:p>
-            <a:pPr marL="457200" indent="-457200">
-              <a:spcBef>
-                <a:spcPts val="1067"/>
-              </a:spcBef>
-              <a:buFont typeface="Arial" panose="020B0604020202020204" pitchFamily="34" charset="0"/>
-              <a:buChar char="•"/>
-            </a:pPr>
-            <a:r>
-              <a:rPr lang="fr-CA" sz="2600" dirty="0">
-                <a:latin typeface="Arial" panose="020B0604020202020204" pitchFamily="34" charset="0"/>
-                <a:cs typeface="Arial" panose="020B0604020202020204" pitchFamily="34" charset="0"/>
-                <a:sym typeface="Overpass"/>
-              </a:rPr>
-              <a:t>Frontière du système</a:t>
-            </a:r>
-          </a:p>
-          <a:p>
-            <a:pPr marL="457200" indent="-457200">
-              <a:spcBef>
-                <a:spcPts val="1067"/>
-              </a:spcBef>
-              <a:buFont typeface="Arial" panose="020B0604020202020204" pitchFamily="34" charset="0"/>
-              <a:buChar char="•"/>
-            </a:pPr>
-            <a:r>
-              <a:rPr lang="fr-CA" sz="2600" dirty="0">
-                <a:latin typeface="Arial" panose="020B0604020202020204" pitchFamily="34" charset="0"/>
-                <a:cs typeface="Arial" panose="020B0604020202020204" pitchFamily="34" charset="0"/>
-                <a:sym typeface="Overpass"/>
-              </a:rPr>
-              <a:t>Source, </a:t>
-            </a:r>
-            <a:r>
-              <a:rPr lang="fr-CA" sz="2600" dirty="0" err="1">
-                <a:latin typeface="Arial" panose="020B0604020202020204" pitchFamily="34" charset="0"/>
-                <a:cs typeface="Arial" panose="020B0604020202020204" pitchFamily="34" charset="0"/>
-                <a:sym typeface="Overpass"/>
-              </a:rPr>
-              <a:t>Sink</a:t>
-            </a:r>
-            <a:r>
-              <a:rPr lang="fr-CA" sz="2600" dirty="0">
-                <a:latin typeface="Arial" panose="020B0604020202020204" pitchFamily="34" charset="0"/>
-                <a:cs typeface="Arial" panose="020B0604020202020204" pitchFamily="34" charset="0"/>
-                <a:sym typeface="Overpass"/>
-              </a:rPr>
-              <a:t>, Server</a:t>
-            </a:r>
-          </a:p>
-          <a:p>
-            <a:pPr marL="457200" indent="-457200">
-              <a:spcBef>
-                <a:spcPts val="1067"/>
-              </a:spcBef>
-              <a:buFont typeface="Arial" panose="020B0604020202020204" pitchFamily="34" charset="0"/>
-              <a:buChar char="•"/>
-            </a:pPr>
-            <a:r>
-              <a:rPr lang="fr-CA" sz="2600" dirty="0">
-                <a:latin typeface="Arial" panose="020B0604020202020204" pitchFamily="34" charset="0"/>
-                <a:cs typeface="Arial" panose="020B0604020202020204" pitchFamily="34" charset="0"/>
-                <a:sym typeface="Overpass"/>
-              </a:rPr>
-              <a:t>Path / </a:t>
-            </a:r>
-            <a:r>
-              <a:rPr lang="fr-CA" sz="2600" dirty="0" err="1">
-                <a:latin typeface="Arial" panose="020B0604020202020204" pitchFamily="34" charset="0"/>
-                <a:cs typeface="Arial" panose="020B0604020202020204" pitchFamily="34" charset="0"/>
-                <a:sym typeface="Overpass"/>
-              </a:rPr>
-              <a:t>Conveyor</a:t>
-            </a:r>
-            <a:endParaRPr lang="fr-CA" sz="2600" dirty="0">
-              <a:latin typeface="Arial" panose="020B0604020202020204" pitchFamily="34" charset="0"/>
-              <a:cs typeface="Arial" panose="020B0604020202020204" pitchFamily="34" charset="0"/>
-              <a:sym typeface="Overpass"/>
-            </a:endParaRPr>
-          </a:p>
-          <a:p>
-            <a:pPr marL="457200" indent="-457200">
-              <a:spcBef>
-                <a:spcPts val="1067"/>
-              </a:spcBef>
-              <a:buFont typeface="Arial" panose="020B0604020202020204" pitchFamily="34" charset="0"/>
-              <a:buChar char="•"/>
-            </a:pPr>
-            <a:endParaRPr lang="fr-CA" sz="2600" dirty="0">
-              <a:latin typeface="Arial" panose="020B0604020202020204" pitchFamily="34" charset="0"/>
-              <a:cs typeface="Arial" panose="020B0604020202020204" pitchFamily="34" charset="0"/>
-              <a:sym typeface="Overpass"/>
-            </a:endParaRPr>
-          </a:p>
-          <a:p>
-            <a:pPr marL="457200" indent="-457200">
-              <a:spcBef>
-                <a:spcPts val="1067"/>
-              </a:spcBef>
-              <a:buFont typeface="Arial" panose="020B0604020202020204" pitchFamily="34" charset="0"/>
-              <a:buChar char="•"/>
-            </a:pPr>
-            <a:r>
-              <a:rPr lang="fr-CA" sz="2600" b="1" dirty="0">
-                <a:latin typeface="Arial" panose="020B0604020202020204" pitchFamily="34" charset="0"/>
-                <a:cs typeface="Arial" panose="020B0604020202020204" pitchFamily="34" charset="0"/>
-                <a:sym typeface="Overpass"/>
-              </a:rPr>
-              <a:t>Ouvrir </a:t>
-            </a:r>
-            <a:r>
-              <a:rPr lang="fr-CA" sz="2600" b="1" dirty="0" err="1">
-                <a:latin typeface="Arial" panose="020B0604020202020204" pitchFamily="34" charset="0"/>
-                <a:cs typeface="Arial" panose="020B0604020202020204" pitchFamily="34" charset="0"/>
-                <a:sym typeface="Overpass"/>
-              </a:rPr>
-              <a:t>Simio</a:t>
-            </a:r>
-            <a:r>
-              <a:rPr lang="fr-CA" sz="2600" b="1" dirty="0">
-                <a:latin typeface="Arial" panose="020B0604020202020204" pitchFamily="34" charset="0"/>
-                <a:cs typeface="Arial" panose="020B0604020202020204" pitchFamily="34" charset="0"/>
-                <a:sym typeface="Overpass"/>
-              </a:rPr>
-              <a:t> (</a:t>
-            </a:r>
-            <a:r>
-              <a:rPr lang="fr-CA" sz="2600" b="1" dirty="0">
-                <a:solidFill>
-                  <a:srgbClr val="FF0000"/>
-                </a:solidFill>
-                <a:latin typeface="Arial" panose="020B0604020202020204" pitchFamily="34" charset="0"/>
-                <a:cs typeface="Arial" panose="020B0604020202020204" pitchFamily="34" charset="0"/>
-                <a:sym typeface="Overpass"/>
-              </a:rPr>
-              <a:t>PDF partie I. Modélisation du scénario de base</a:t>
-            </a:r>
-            <a:r>
-              <a:rPr lang="fr-CA" sz="2600" b="1" dirty="0">
-                <a:latin typeface="Arial" panose="020B0604020202020204" pitchFamily="34" charset="0"/>
-                <a:cs typeface="Arial" panose="020B0604020202020204" pitchFamily="34" charset="0"/>
-                <a:sym typeface="Overpass"/>
-              </a:rPr>
-              <a:t>)</a:t>
-            </a:r>
-          </a:p>
-        </p:txBody>
-      </p:sp>
-      <p:sp>
-        <p:nvSpPr>
-          <p:cNvPr id="5" name="Google Shape;95;p2">
-            <a:extLst>
-              <a:ext uri="{FF2B5EF4-FFF2-40B4-BE49-F238E27FC236}">
-                <a16:creationId xmlns:a16="http://schemas.microsoft.com/office/drawing/2014/main" id="{98D96367-4E4D-4830-82D2-BF98CDD25061}"/>
-              </a:ext>
-            </a:extLst>
-          </p:cNvPr>
-          <p:cNvSpPr/>
-          <p:nvPr/>
-        </p:nvSpPr>
-        <p:spPr>
-          <a:xfrm>
-            <a:off x="0" y="6575116"/>
-            <a:ext cx="12192000" cy="282884"/>
-          </a:xfrm>
-          <a:prstGeom prst="rect">
-            <a:avLst/>
-          </a:prstGeom>
-          <a:solidFill>
-            <a:srgbClr val="4FBFA5"/>
-          </a:solidFill>
-          <a:ln>
-            <a:noFill/>
-          </a:ln>
-        </p:spPr>
-        <p:txBody>
-          <a:bodyPr spcFirstLastPara="1" wrap="square" lIns="60950" tIns="60950" rIns="60950" bIns="60950" anchor="ctr" anchorCtr="0">
-            <a:noAutofit/>
-          </a:bodyPr>
-          <a:lstStyle/>
-          <a:p>
-            <a:endParaRPr sz="1200"/>
-          </a:p>
-        </p:txBody>
-      </p:sp>
-      <p:sp>
-        <p:nvSpPr>
-          <p:cNvPr id="6" name="Google Shape;96;p2">
-            <a:extLst>
-              <a:ext uri="{FF2B5EF4-FFF2-40B4-BE49-F238E27FC236}">
-                <a16:creationId xmlns:a16="http://schemas.microsoft.com/office/drawing/2014/main" id="{F1F357E9-15B3-4969-8033-A28AF374608D}"/>
-              </a:ext>
-            </a:extLst>
-          </p:cNvPr>
-          <p:cNvSpPr txBox="1"/>
-          <p:nvPr/>
-        </p:nvSpPr>
-        <p:spPr>
-          <a:xfrm>
-            <a:off x="4707650" y="6642889"/>
-            <a:ext cx="2776701" cy="172420"/>
-          </a:xfrm>
-          <a:prstGeom prst="rect">
-            <a:avLst/>
-          </a:prstGeom>
-          <a:noFill/>
-          <a:ln>
-            <a:noFill/>
-          </a:ln>
-        </p:spPr>
-        <p:txBody>
-          <a:bodyPr spcFirstLastPara="1" wrap="square" lIns="0" tIns="0" rIns="0" bIns="0" anchor="t" anchorCtr="0">
-            <a:spAutoFit/>
-          </a:bodyPr>
-          <a:lstStyle/>
-          <a:p>
-            <a:pPr>
-              <a:lnSpc>
-                <a:spcPct val="104996"/>
-              </a:lnSpc>
-            </a:pPr>
-            <a:r>
-              <a:rPr lang="en-US" sz="1067" b="1">
-                <a:solidFill>
-                  <a:srgbClr val="41403C"/>
-                </a:solidFill>
-                <a:latin typeface="Arial"/>
-                <a:ea typeface="Arial"/>
-                <a:cs typeface="Arial"/>
-                <a:sym typeface="Arial"/>
-              </a:rPr>
-              <a:t>Ecole d’été - IA &amp; Alimentation durable</a:t>
-            </a:r>
-            <a:endParaRPr sz="1200"/>
-          </a:p>
-        </p:txBody>
-      </p:sp>
-    </p:spTree>
-    <p:extLst>
-      <p:ext uri="{BB962C8B-B14F-4D97-AF65-F5344CB8AC3E}">
-        <p14:creationId xmlns:p14="http://schemas.microsoft.com/office/powerpoint/2010/main" val="160507144"/>
-      </p:ext>
-    </p:extLst>
-  </p:cSld>
-  <p:clrMapOvr>
-    <a:masterClrMapping/>
-  </p:clrMapOvr>
-</p:sld>
-</file>
-
-<file path=ppt/slides/slide11.xml><?xml version="1.0" encoding="utf-8"?>
-<p:sld xmlns:a="http://schemas.openxmlformats.org/drawingml/2006/main" xmlns:r="http://schemas.openxmlformats.org/officeDocument/2006/relationships" xmlns:p="http://schemas.openxmlformats.org/presentationml/2006/main">
-  <p:cSld>
-    <p:spTree>
-      <p:nvGrpSpPr>
-        <p:cNvPr id="1" name=""/>
-        <p:cNvGrpSpPr/>
-        <p:nvPr/>
-      </p:nvGrpSpPr>
-      <p:grpSpPr>
-        <a:xfrm>
-          <a:off x="0" y="0"/>
-          <a:ext cx="0" cy="0"/>
-          <a:chOff x="0" y="0"/>
-          <a:chExt cx="0" cy="0"/>
-        </a:xfrm>
-      </p:grpSpPr>
-      <p:sp>
-        <p:nvSpPr>
-          <p:cNvPr id="4" name="Google Shape;156;p20">
-            <a:extLst>
-              <a:ext uri="{FF2B5EF4-FFF2-40B4-BE49-F238E27FC236}">
-                <a16:creationId xmlns:a16="http://schemas.microsoft.com/office/drawing/2014/main" id="{37FE4FD6-0443-49A3-9139-FB2446389BE8}"/>
-              </a:ext>
-            </a:extLst>
-          </p:cNvPr>
-          <p:cNvSpPr txBox="1">
-            <a:spLocks/>
-          </p:cNvSpPr>
-          <p:nvPr>
-            <p:custDataLst>
-              <p:tags r:id="rId1"/>
-            </p:custDataLst>
-          </p:nvPr>
-        </p:nvSpPr>
-        <p:spPr>
-          <a:xfrm>
-            <a:off x="972600" y="807900"/>
-            <a:ext cx="10660076" cy="713600"/>
-          </a:xfrm>
-          <a:prstGeom prst="rect">
-            <a:avLst/>
-          </a:prstGeom>
-          <a:noFill/>
-          <a:ln>
-            <a:noFill/>
-          </a:ln>
-        </p:spPr>
-        <p:txBody>
-          <a:bodyPr spcFirstLastPara="1" wrap="square" lIns="121900" tIns="121900" rIns="121900" bIns="121900" anchor="t" anchorCtr="0">
-            <a:normAutofit fontScale="97500"/>
-          </a:bodyPr>
-          <a:lstStyle>
-            <a:defPPr marR="0" lvl="0" algn="l" rtl="0">
-              <a:lnSpc>
-                <a:spcPct val="100000"/>
-              </a:lnSpc>
-              <a:spcBef>
-                <a:spcPts val="0"/>
-              </a:spcBef>
-              <a:spcAft>
-                <a:spcPts val="0"/>
-              </a:spcAft>
-            </a:defPPr>
-            <a:lvl1pPr marR="0" lvl="0" algn="l" rtl="0">
-              <a:lnSpc>
-                <a:spcPct val="100000"/>
-              </a:lnSpc>
-              <a:spcBef>
-                <a:spcPts val="0"/>
-              </a:spcBef>
-              <a:spcAft>
-                <a:spcPts val="0"/>
-              </a:spcAft>
-              <a:buClr>
-                <a:schemeClr val="dk2"/>
-              </a:buClr>
-              <a:buSzPts val="2600"/>
-              <a:buFont typeface="Raleway"/>
-              <a:buNone/>
-              <a:defRPr sz="2600" b="1" i="0" u="none" strike="noStrike" cap="none">
-                <a:solidFill>
-                  <a:schemeClr val="dk2"/>
-                </a:solidFill>
-                <a:latin typeface="Raleway"/>
-                <a:ea typeface="Raleway"/>
-                <a:cs typeface="Raleway"/>
-                <a:sym typeface="Raleway"/>
-              </a:defRPr>
-            </a:lvl1pPr>
-            <a:lvl2pPr marR="0" lvl="1" algn="l" rtl="0">
-              <a:lnSpc>
-                <a:spcPct val="100000"/>
-              </a:lnSpc>
-              <a:spcBef>
-                <a:spcPts val="0"/>
-              </a:spcBef>
-              <a:spcAft>
-                <a:spcPts val="0"/>
-              </a:spcAft>
-              <a:buClr>
-                <a:schemeClr val="dk2"/>
-              </a:buClr>
-              <a:buSzPts val="2600"/>
-              <a:buFont typeface="Raleway"/>
-              <a:buNone/>
-              <a:defRPr sz="2600" b="1" i="0" u="none" strike="noStrike" cap="none">
-                <a:solidFill>
-                  <a:schemeClr val="dk2"/>
-                </a:solidFill>
-                <a:latin typeface="Raleway"/>
-                <a:ea typeface="Raleway"/>
-                <a:cs typeface="Raleway"/>
-                <a:sym typeface="Raleway"/>
-              </a:defRPr>
-            </a:lvl2pPr>
-            <a:lvl3pPr marR="0" lvl="2" algn="l" rtl="0">
-              <a:lnSpc>
-                <a:spcPct val="100000"/>
-              </a:lnSpc>
-              <a:spcBef>
-                <a:spcPts val="0"/>
-              </a:spcBef>
-              <a:spcAft>
-                <a:spcPts val="0"/>
-              </a:spcAft>
-              <a:buClr>
-                <a:schemeClr val="dk2"/>
-              </a:buClr>
-              <a:buSzPts val="2600"/>
-              <a:buFont typeface="Raleway"/>
-              <a:buNone/>
-              <a:defRPr sz="2600" b="1" i="0" u="none" strike="noStrike" cap="none">
-                <a:solidFill>
-                  <a:schemeClr val="dk2"/>
-                </a:solidFill>
-                <a:latin typeface="Raleway"/>
-                <a:ea typeface="Raleway"/>
-                <a:cs typeface="Raleway"/>
-                <a:sym typeface="Raleway"/>
-              </a:defRPr>
-            </a:lvl3pPr>
-            <a:lvl4pPr marR="0" lvl="3" algn="l" rtl="0">
-              <a:lnSpc>
-                <a:spcPct val="100000"/>
-              </a:lnSpc>
-              <a:spcBef>
-                <a:spcPts val="0"/>
-              </a:spcBef>
-              <a:spcAft>
-                <a:spcPts val="0"/>
-              </a:spcAft>
-              <a:buClr>
-                <a:schemeClr val="dk2"/>
-              </a:buClr>
-              <a:buSzPts val="2600"/>
-              <a:buFont typeface="Raleway"/>
-              <a:buNone/>
-              <a:defRPr sz="2600" b="1" i="0" u="none" strike="noStrike" cap="none">
-                <a:solidFill>
-                  <a:schemeClr val="dk2"/>
-                </a:solidFill>
-                <a:latin typeface="Raleway"/>
-                <a:ea typeface="Raleway"/>
-                <a:cs typeface="Raleway"/>
-                <a:sym typeface="Raleway"/>
-              </a:defRPr>
-            </a:lvl4pPr>
-            <a:lvl5pPr marR="0" lvl="4" algn="l" rtl="0">
-              <a:lnSpc>
-                <a:spcPct val="100000"/>
-              </a:lnSpc>
-              <a:spcBef>
-                <a:spcPts val="0"/>
-              </a:spcBef>
-              <a:spcAft>
-                <a:spcPts val="0"/>
-              </a:spcAft>
-              <a:buClr>
-                <a:schemeClr val="dk2"/>
-              </a:buClr>
-              <a:buSzPts val="2600"/>
-              <a:buFont typeface="Raleway"/>
-              <a:buNone/>
-              <a:defRPr sz="2600" b="1" i="0" u="none" strike="noStrike" cap="none">
-                <a:solidFill>
-                  <a:schemeClr val="dk2"/>
-                </a:solidFill>
-                <a:latin typeface="Raleway"/>
-                <a:ea typeface="Raleway"/>
-                <a:cs typeface="Raleway"/>
-                <a:sym typeface="Raleway"/>
-              </a:defRPr>
-            </a:lvl5pPr>
-            <a:lvl6pPr marR="0" lvl="5" algn="l" rtl="0">
-              <a:lnSpc>
-                <a:spcPct val="100000"/>
-              </a:lnSpc>
-              <a:spcBef>
-                <a:spcPts val="0"/>
-              </a:spcBef>
-              <a:spcAft>
-                <a:spcPts val="0"/>
-              </a:spcAft>
-              <a:buClr>
-                <a:schemeClr val="dk2"/>
-              </a:buClr>
-              <a:buSzPts val="2600"/>
-              <a:buFont typeface="Raleway"/>
-              <a:buNone/>
-              <a:defRPr sz="2600" b="1" i="0" u="none" strike="noStrike" cap="none">
-                <a:solidFill>
-                  <a:schemeClr val="dk2"/>
-                </a:solidFill>
-                <a:latin typeface="Raleway"/>
-                <a:ea typeface="Raleway"/>
-                <a:cs typeface="Raleway"/>
-                <a:sym typeface="Raleway"/>
-              </a:defRPr>
-            </a:lvl6pPr>
-            <a:lvl7pPr marR="0" lvl="6" algn="l" rtl="0">
-              <a:lnSpc>
-                <a:spcPct val="100000"/>
-              </a:lnSpc>
-              <a:spcBef>
-                <a:spcPts val="0"/>
-              </a:spcBef>
-              <a:spcAft>
-                <a:spcPts val="0"/>
-              </a:spcAft>
-              <a:buClr>
-                <a:schemeClr val="dk2"/>
-              </a:buClr>
-              <a:buSzPts val="2600"/>
-              <a:buFont typeface="Raleway"/>
-              <a:buNone/>
-              <a:defRPr sz="2600" b="1" i="0" u="none" strike="noStrike" cap="none">
-                <a:solidFill>
-                  <a:schemeClr val="dk2"/>
-                </a:solidFill>
-                <a:latin typeface="Raleway"/>
-                <a:ea typeface="Raleway"/>
-                <a:cs typeface="Raleway"/>
-                <a:sym typeface="Raleway"/>
-              </a:defRPr>
-            </a:lvl7pPr>
-            <a:lvl8pPr marR="0" lvl="7" algn="l" rtl="0">
-              <a:lnSpc>
-                <a:spcPct val="100000"/>
-              </a:lnSpc>
-              <a:spcBef>
-                <a:spcPts val="0"/>
-              </a:spcBef>
-              <a:spcAft>
-                <a:spcPts val="0"/>
-              </a:spcAft>
-              <a:buClr>
-                <a:schemeClr val="dk2"/>
-              </a:buClr>
-              <a:buSzPts val="2600"/>
-              <a:buFont typeface="Raleway"/>
-              <a:buNone/>
-              <a:defRPr sz="2600" b="1" i="0" u="none" strike="noStrike" cap="none">
-                <a:solidFill>
-                  <a:schemeClr val="dk2"/>
-                </a:solidFill>
-                <a:latin typeface="Raleway"/>
-                <a:ea typeface="Raleway"/>
-                <a:cs typeface="Raleway"/>
-                <a:sym typeface="Raleway"/>
-              </a:defRPr>
-            </a:lvl8pPr>
-            <a:lvl9pPr marR="0" lvl="8" algn="l" rtl="0">
-              <a:lnSpc>
-                <a:spcPct val="100000"/>
-              </a:lnSpc>
-              <a:spcBef>
-                <a:spcPts val="0"/>
-              </a:spcBef>
-              <a:spcAft>
-                <a:spcPts val="0"/>
-              </a:spcAft>
-              <a:buClr>
-                <a:schemeClr val="dk2"/>
-              </a:buClr>
-              <a:buSzPts val="2600"/>
-              <a:buFont typeface="Raleway"/>
-              <a:buNone/>
-              <a:defRPr sz="2600" b="1" i="0" u="none" strike="noStrike" cap="none">
-                <a:solidFill>
-                  <a:schemeClr val="dk2"/>
-                </a:solidFill>
-                <a:latin typeface="Raleway"/>
-                <a:ea typeface="Raleway"/>
-                <a:cs typeface="Raleway"/>
-                <a:sym typeface="Raleway"/>
-              </a:defRPr>
-            </a:lvl9pPr>
-          </a:lstStyle>
-          <a:p>
-            <a:r>
-              <a:rPr lang="fr-CA" sz="2800" dirty="0">
-                <a:solidFill>
-                  <a:schemeClr val="tx1"/>
-                </a:solidFill>
-                <a:latin typeface="Arial" panose="020B0604020202020204" pitchFamily="34" charset="0"/>
-                <a:cs typeface="Arial" panose="020B0604020202020204" pitchFamily="34" charset="0"/>
-              </a:rPr>
               <a:t>Résultats</a:t>
             </a:r>
             <a:endParaRPr lang="fr-FR" sz="2800" dirty="0">
@@ -13199,52 +12110,6 @@
                 <a:sym typeface="Overpass"/>
               </a:rPr>
               <a:t>Pourquoi?</a:t>
-            </a:r>
-          </a:p>
-          <a:p>
-            <a:pPr marL="1143000" lvl="1" indent="-457200">
-              <a:spcBef>
-                <a:spcPts val="1067"/>
-              </a:spcBef>
-            </a:pPr>
-            <a:r>
-              <a:rPr lang="fr-CA" sz="2200" dirty="0">
-                <a:latin typeface="Arial" panose="020B0604020202020204" pitchFamily="34" charset="0"/>
-                <a:cs typeface="Arial" panose="020B0604020202020204" pitchFamily="34" charset="0"/>
-                <a:sym typeface="Overpass"/>
-              </a:rPr>
-              <a:t>On décide d’aller sur le plancher pour réaliser des observations. </a:t>
-            </a:r>
-          </a:p>
-          <a:p>
-            <a:pPr marL="1143000" lvl="1" indent="-457200">
-              <a:spcBef>
-                <a:spcPts val="1067"/>
-              </a:spcBef>
-            </a:pPr>
-            <a:r>
-              <a:rPr lang="fr-CA" sz="2200" dirty="0">
-                <a:latin typeface="Arial" panose="020B0604020202020204" pitchFamily="34" charset="0"/>
-                <a:cs typeface="Arial" panose="020B0604020202020204" pitchFamily="34" charset="0"/>
-                <a:sym typeface="Overpass"/>
-              </a:rPr>
-              <a:t>On travaille effectivement au rythme d’une unité par 37 secondes </a:t>
-            </a:r>
-            <a:r>
-              <a:rPr lang="fr-CA" sz="2200" b="1" dirty="0">
-                <a:latin typeface="Arial" panose="020B0604020202020204" pitchFamily="34" charset="0"/>
-                <a:cs typeface="Arial" panose="020B0604020202020204" pitchFamily="34" charset="0"/>
-                <a:sym typeface="Overpass"/>
-              </a:rPr>
-              <a:t>en moyenne</a:t>
-            </a:r>
-            <a:r>
-              <a:rPr lang="fr-CA" sz="2200" dirty="0">
-                <a:latin typeface="Arial" panose="020B0604020202020204" pitchFamily="34" charset="0"/>
-                <a:cs typeface="Arial" panose="020B0604020202020204" pitchFamily="34" charset="0"/>
-                <a:sym typeface="Overpass"/>
-              </a:rPr>
-              <a:t>, avec une variation allant de 34 secondes à 45 secondes.</a:t>
             </a:r>
           </a:p>
         </p:txBody>
@@ -13342,6 +12207,693 @@
     <p:extLst>
       <p:ext uri="{BB962C8B-B14F-4D97-AF65-F5344CB8AC3E}">
         <p14:creationId xmlns:p14="http://schemas.microsoft.com/office/powerpoint/2010/main" val="1036771127"/>
+      </p:ext>
+    </p:extLst>
+  </p:cSld>
+  <p:clrMapOvr>
+    <a:masterClrMapping/>
+  </p:clrMapOvr>
+</p:sld>
+</file>
+
+<file path=ppt/slides/slide11.xml><?xml version="1.0" encoding="utf-8"?>
+<p:sld xmlns:a="http://schemas.openxmlformats.org/drawingml/2006/main" xmlns:r="http://schemas.openxmlformats.org/officeDocument/2006/relationships" xmlns:p="http://schemas.openxmlformats.org/presentationml/2006/main">
+  <p:cSld>
+    <p:spTree>
+      <p:nvGrpSpPr>
+        <p:cNvPr id="1" name="">
+          <a:extLst>
+            <a:ext uri="{FF2B5EF4-FFF2-40B4-BE49-F238E27FC236}">
+              <a16:creationId xmlns:a16="http://schemas.microsoft.com/office/drawing/2014/main" id="{AF67751A-5B6D-EDBB-F8F7-AF0242B13D8A}"/>
+            </a:ext>
+          </a:extLst>
+        </p:cNvPr>
+        <p:cNvGrpSpPr/>
+        <p:nvPr/>
+      </p:nvGrpSpPr>
+      <p:grpSpPr>
+        <a:xfrm>
+          <a:off x="0" y="0"/>
+          <a:ext cx="0" cy="0"/>
+          <a:chOff x="0" y="0"/>
+          <a:chExt cx="0" cy="0"/>
+        </a:xfrm>
+      </p:grpSpPr>
+      <p:sp>
+        <p:nvSpPr>
+          <p:cNvPr id="4" name="Google Shape;156;p20">
+            <a:extLst>
+              <a:ext uri="{FF2B5EF4-FFF2-40B4-BE49-F238E27FC236}">
+                <a16:creationId xmlns:a16="http://schemas.microsoft.com/office/drawing/2014/main" id="{E4BE9886-AC53-13B4-1FB7-9C5912B06A63}"/>
+              </a:ext>
+            </a:extLst>
+          </p:cNvPr>
+          <p:cNvSpPr txBox="1">
+            <a:spLocks/>
+          </p:cNvSpPr>
+          <p:nvPr>
+            <p:custDataLst>
+              <p:tags r:id="rId1"/>
+            </p:custDataLst>
+          </p:nvPr>
+        </p:nvSpPr>
+        <p:spPr>
+          <a:xfrm>
+            <a:off x="972600" y="807900"/>
+            <a:ext cx="10660076" cy="713600"/>
+          </a:xfrm>
+          <a:prstGeom prst="rect">
+            <a:avLst/>
+          </a:prstGeom>
+          <a:noFill/>
+          <a:ln>
+            <a:noFill/>
+          </a:ln>
+        </p:spPr>
+        <p:txBody>
+          <a:bodyPr spcFirstLastPara="1" wrap="square" lIns="121900" tIns="121900" rIns="121900" bIns="121900" anchor="t" anchorCtr="0">
+            <a:normAutofit fontScale="97500"/>
+          </a:bodyPr>
+          <a:lstStyle>
+            <a:defPPr marR="0" lvl="0" algn="l" rtl="0">
+              <a:lnSpc>
+                <a:spcPct val="100000"/>
+              </a:lnSpc>
+              <a:spcBef>
+                <a:spcPts val="0"/>
+              </a:spcBef>
+              <a:spcAft>
+                <a:spcPts val="0"/>
+              </a:spcAft>
+            </a:defPPr>
+            <a:lvl1pPr marR="0" lvl="0" algn="l" rtl="0">
+              <a:lnSpc>
+                <a:spcPct val="100000"/>
+              </a:lnSpc>
+              <a:spcBef>
+                <a:spcPts val="0"/>
+              </a:spcBef>
+              <a:spcAft>
+                <a:spcPts val="0"/>
+              </a:spcAft>
+              <a:buClr>
+                <a:schemeClr val="dk2"/>
+              </a:buClr>
+              <a:buSzPts val="2600"/>
+              <a:buFont typeface="Raleway"/>
+              <a:buNone/>
+              <a:defRPr sz="2600" b="1" i="0" u="none" strike="noStrike" cap="none">
+                <a:solidFill>
+                  <a:schemeClr val="dk2"/>
+                </a:solidFill>
+                <a:latin typeface="Raleway"/>
+                <a:ea typeface="Raleway"/>
+                <a:cs typeface="Raleway"/>
+                <a:sym typeface="Raleway"/>
+              </a:defRPr>
+            </a:lvl1pPr>
+            <a:lvl2pPr marR="0" lvl="1" algn="l" rtl="0">
+              <a:lnSpc>
+                <a:spcPct val="100000"/>
+              </a:lnSpc>
+              <a:spcBef>
+                <a:spcPts val="0"/>
+              </a:spcBef>
+              <a:spcAft>
+                <a:spcPts val="0"/>
+              </a:spcAft>
+              <a:buClr>
+                <a:schemeClr val="dk2"/>
+              </a:buClr>
+              <a:buSzPts val="2600"/>
+              <a:buFont typeface="Raleway"/>
+              <a:buNone/>
+              <a:defRPr sz="2600" b="1" i="0" u="none" strike="noStrike" cap="none">
+                <a:solidFill>
+                  <a:schemeClr val="dk2"/>
+                </a:solidFill>
+                <a:latin typeface="Raleway"/>
+                <a:ea typeface="Raleway"/>
+                <a:cs typeface="Raleway"/>
+                <a:sym typeface="Raleway"/>
+              </a:defRPr>
+            </a:lvl2pPr>
+            <a:lvl3pPr marR="0" lvl="2" algn="l" rtl="0">
+              <a:lnSpc>
+                <a:spcPct val="100000"/>
+              </a:lnSpc>
+              <a:spcBef>
+                <a:spcPts val="0"/>
+              </a:spcBef>
+              <a:spcAft>
+                <a:spcPts val="0"/>
+              </a:spcAft>
+              <a:buClr>
+                <a:schemeClr val="dk2"/>
+              </a:buClr>
+              <a:buSzPts val="2600"/>
+              <a:buFont typeface="Raleway"/>
+              <a:buNone/>
+              <a:defRPr sz="2600" b="1" i="0" u="none" strike="noStrike" cap="none">
+                <a:solidFill>
+                  <a:schemeClr val="dk2"/>
+                </a:solidFill>
+                <a:latin typeface="Raleway"/>
+                <a:ea typeface="Raleway"/>
+                <a:cs typeface="Raleway"/>
+                <a:sym typeface="Raleway"/>
+              </a:defRPr>
+            </a:lvl3pPr>
+            <a:lvl4pPr marR="0" lvl="3" algn="l" rtl="0">
+              <a:lnSpc>
+                <a:spcPct val="100000"/>
+              </a:lnSpc>
+              <a:spcBef>
+                <a:spcPts val="0"/>
+              </a:spcBef>
+              <a:spcAft>
+                <a:spcPts val="0"/>
+              </a:spcAft>
+              <a:buClr>
+                <a:schemeClr val="dk2"/>
+              </a:buClr>
+              <a:buSzPts val="2600"/>
+              <a:buFont typeface="Raleway"/>
+              <a:buNone/>
+              <a:defRPr sz="2600" b="1" i="0" u="none" strike="noStrike" cap="none">
+                <a:solidFill>
+                  <a:schemeClr val="dk2"/>
+                </a:solidFill>
+                <a:latin typeface="Raleway"/>
+                <a:ea typeface="Raleway"/>
+                <a:cs typeface="Raleway"/>
+                <a:sym typeface="Raleway"/>
+              </a:defRPr>
+            </a:lvl4pPr>
+            <a:lvl5pPr marR="0" lvl="4" algn="l" rtl="0">
+              <a:lnSpc>
+                <a:spcPct val="100000"/>
+              </a:lnSpc>
+              <a:spcBef>
+                <a:spcPts val="0"/>
+              </a:spcBef>
+              <a:spcAft>
+                <a:spcPts val="0"/>
+              </a:spcAft>
+              <a:buClr>
+                <a:schemeClr val="dk2"/>
+              </a:buClr>
+              <a:buSzPts val="2600"/>
+              <a:buFont typeface="Raleway"/>
+              <a:buNone/>
+              <a:defRPr sz="2600" b="1" i="0" u="none" strike="noStrike" cap="none">
+                <a:solidFill>
+                  <a:schemeClr val="dk2"/>
+                </a:solidFill>
+                <a:latin typeface="Raleway"/>
+                <a:ea typeface="Raleway"/>
+                <a:cs typeface="Raleway"/>
+                <a:sym typeface="Raleway"/>
+              </a:defRPr>
+            </a:lvl5pPr>
+            <a:lvl6pPr marR="0" lvl="5" algn="l" rtl="0">
+              <a:lnSpc>
+                <a:spcPct val="100000"/>
+              </a:lnSpc>
+              <a:spcBef>
+                <a:spcPts val="0"/>
+              </a:spcBef>
+              <a:spcAft>
+                <a:spcPts val="0"/>
+              </a:spcAft>
+              <a:buClr>
+                <a:schemeClr val="dk2"/>
+              </a:buClr>
+              <a:buSzPts val="2600"/>
+              <a:buFont typeface="Raleway"/>
+              <a:buNone/>
+              <a:defRPr sz="2600" b="1" i="0" u="none" strike="noStrike" cap="none">
+                <a:solidFill>
+                  <a:schemeClr val="dk2"/>
+                </a:solidFill>
+                <a:latin typeface="Raleway"/>
+                <a:ea typeface="Raleway"/>
+                <a:cs typeface="Raleway"/>
+                <a:sym typeface="Raleway"/>
+              </a:defRPr>
+            </a:lvl6pPr>
+            <a:lvl7pPr marR="0" lvl="6" algn="l" rtl="0">
+              <a:lnSpc>
+                <a:spcPct val="100000"/>
+              </a:lnSpc>
+              <a:spcBef>
+                <a:spcPts val="0"/>
+              </a:spcBef>
+              <a:spcAft>
+                <a:spcPts val="0"/>
+              </a:spcAft>
+              <a:buClr>
+                <a:schemeClr val="dk2"/>
+              </a:buClr>
+              <a:buSzPts val="2600"/>
+              <a:buFont typeface="Raleway"/>
+              <a:buNone/>
+              <a:defRPr sz="2600" b="1" i="0" u="none" strike="noStrike" cap="none">
+                <a:solidFill>
+                  <a:schemeClr val="dk2"/>
+                </a:solidFill>
+                <a:latin typeface="Raleway"/>
+                <a:ea typeface="Raleway"/>
+                <a:cs typeface="Raleway"/>
+                <a:sym typeface="Raleway"/>
+              </a:defRPr>
+            </a:lvl7pPr>
+            <a:lvl8pPr marR="0" lvl="7" algn="l" rtl="0">
+              <a:lnSpc>
+                <a:spcPct val="100000"/>
+              </a:lnSpc>
+              <a:spcBef>
+                <a:spcPts val="0"/>
+              </a:spcBef>
+              <a:spcAft>
+                <a:spcPts val="0"/>
+              </a:spcAft>
+              <a:buClr>
+                <a:schemeClr val="dk2"/>
+              </a:buClr>
+              <a:buSzPts val="2600"/>
+              <a:buFont typeface="Raleway"/>
+              <a:buNone/>
+              <a:defRPr sz="2600" b="1" i="0" u="none" strike="noStrike" cap="none">
+                <a:solidFill>
+                  <a:schemeClr val="dk2"/>
+                </a:solidFill>
+                <a:latin typeface="Raleway"/>
+                <a:ea typeface="Raleway"/>
+                <a:cs typeface="Raleway"/>
+                <a:sym typeface="Raleway"/>
+              </a:defRPr>
+            </a:lvl8pPr>
+            <a:lvl9pPr marR="0" lvl="8" algn="l" rtl="0">
+              <a:lnSpc>
+                <a:spcPct val="100000"/>
+              </a:lnSpc>
+              <a:spcBef>
+                <a:spcPts val="0"/>
+              </a:spcBef>
+              <a:spcAft>
+                <a:spcPts val="0"/>
+              </a:spcAft>
+              <a:buClr>
+                <a:schemeClr val="dk2"/>
+              </a:buClr>
+              <a:buSzPts val="2600"/>
+              <a:buFont typeface="Raleway"/>
+              <a:buNone/>
+              <a:defRPr sz="2600" b="1" i="0" u="none" strike="noStrike" cap="none">
+                <a:solidFill>
+                  <a:schemeClr val="dk2"/>
+                </a:solidFill>
+                <a:latin typeface="Raleway"/>
+                <a:ea typeface="Raleway"/>
+                <a:cs typeface="Raleway"/>
+                <a:sym typeface="Raleway"/>
+              </a:defRPr>
+            </a:lvl9pPr>
+          </a:lstStyle>
+          <a:p>
+            <a:r>
+              <a:rPr lang="fr-CA" sz="2800" dirty="0">
+                <a:solidFill>
+                  <a:schemeClr val="tx1"/>
+                </a:solidFill>
+                <a:latin typeface="Arial" panose="020B0604020202020204" pitchFamily="34" charset="0"/>
+                <a:cs typeface="Arial" panose="020B0604020202020204" pitchFamily="34" charset="0"/>
+              </a:rPr>
+              <a:t>Résultats</a:t>
+            </a:r>
+            <a:endParaRPr lang="fr-FR" sz="2800" dirty="0">
+              <a:solidFill>
+                <a:schemeClr val="tx1"/>
+              </a:solidFill>
+              <a:latin typeface="Arial" panose="020B0604020202020204" pitchFamily="34" charset="0"/>
+              <a:cs typeface="Arial" panose="020B0604020202020204" pitchFamily="34" charset="0"/>
+            </a:endParaRPr>
+          </a:p>
+        </p:txBody>
+      </p:sp>
+      <p:sp>
+        <p:nvSpPr>
+          <p:cNvPr id="11" name="Google Shape;309;p23">
+            <a:extLst>
+              <a:ext uri="{FF2B5EF4-FFF2-40B4-BE49-F238E27FC236}">
+                <a16:creationId xmlns:a16="http://schemas.microsoft.com/office/drawing/2014/main" id="{4A6A2322-A2CF-5C6E-96E8-C9782CA6146A}"/>
+              </a:ext>
+            </a:extLst>
+          </p:cNvPr>
+          <p:cNvSpPr txBox="1">
+            <a:spLocks/>
+          </p:cNvSpPr>
+          <p:nvPr/>
+        </p:nvSpPr>
+        <p:spPr>
+          <a:xfrm>
+            <a:off x="1083825" y="1993324"/>
+            <a:ext cx="9342220" cy="3889002"/>
+          </a:xfrm>
+          <a:prstGeom prst="rect">
+            <a:avLst/>
+          </a:prstGeom>
+          <a:noFill/>
+        </p:spPr>
+        <p:txBody>
+          <a:bodyPr spcFirstLastPara="1" vert="horz" wrap="square" lIns="0" tIns="0" rIns="0" bIns="0" rtlCol="0" anchor="t" anchorCtr="0">
+            <a:normAutofit/>
+          </a:bodyPr>
+          <a:lstStyle>
+            <a:lvl1pPr marL="0" indent="0" algn="l" defTabSz="914400" rtl="0" eaLnBrk="1" latinLnBrk="0" hangingPunct="1">
+              <a:lnSpc>
+                <a:spcPct val="90000"/>
+              </a:lnSpc>
+              <a:spcBef>
+                <a:spcPts val="1000"/>
+              </a:spcBef>
+              <a:buClr>
+                <a:schemeClr val="tx2"/>
+              </a:buClr>
+              <a:buFont typeface="Arial" panose="020B0604020202020204" pitchFamily="34" charset="0"/>
+              <a:buNone/>
+              <a:defRPr sz="4000" b="0" i="0" kern="1200">
+                <a:solidFill>
+                  <a:schemeClr val="tx1"/>
+                </a:solidFill>
+                <a:latin typeface="Overpass Light" pitchFamily="2" charset="77"/>
+                <a:ea typeface="+mn-ea"/>
+                <a:cs typeface="+mn-cs"/>
+              </a:defRPr>
+            </a:lvl1pPr>
+            <a:lvl2pPr marL="685800" indent="-228600" algn="l" defTabSz="914400" rtl="0" eaLnBrk="1" latinLnBrk="0" hangingPunct="1">
+              <a:lnSpc>
+                <a:spcPct val="90000"/>
+              </a:lnSpc>
+              <a:spcBef>
+                <a:spcPts val="1000"/>
+              </a:spcBef>
+              <a:buClr>
+                <a:schemeClr val="tx2"/>
+              </a:buClr>
+              <a:buFont typeface="Arial" panose="020B0604020202020204" pitchFamily="34" charset="0"/>
+              <a:buChar char="•"/>
+              <a:defRPr sz="3600" b="0" i="0" kern="1200">
+                <a:solidFill>
+                  <a:schemeClr val="tx1"/>
+                </a:solidFill>
+                <a:latin typeface="Overpass Light" pitchFamily="2" charset="77"/>
+                <a:ea typeface="+mn-ea"/>
+                <a:cs typeface="+mn-cs"/>
+              </a:defRPr>
+            </a:lvl2pPr>
+            <a:lvl3pPr marL="1143000" indent="-228600" algn="l" defTabSz="914400" rtl="0" eaLnBrk="1" latinLnBrk="0" hangingPunct="1">
+              <a:lnSpc>
+                <a:spcPct val="90000"/>
+              </a:lnSpc>
+              <a:spcBef>
+                <a:spcPts val="600"/>
+              </a:spcBef>
+              <a:buClr>
+                <a:schemeClr val="tx2"/>
+              </a:buClr>
+              <a:buFont typeface="Arial" panose="020B0604020202020204" pitchFamily="34" charset="0"/>
+              <a:buChar char="•"/>
+              <a:defRPr sz="3200" b="0" i="0" kern="1200">
+                <a:solidFill>
+                  <a:schemeClr val="tx1"/>
+                </a:solidFill>
+                <a:latin typeface="Overpass Light" pitchFamily="2" charset="77"/>
+                <a:ea typeface="+mn-ea"/>
+                <a:cs typeface="+mn-cs"/>
+              </a:defRPr>
+            </a:lvl3pPr>
+            <a:lvl4pPr marL="1600200" indent="-228600" algn="l" defTabSz="914400" rtl="0" eaLnBrk="1" latinLnBrk="0" hangingPunct="1">
+              <a:lnSpc>
+                <a:spcPct val="90000"/>
+              </a:lnSpc>
+              <a:spcBef>
+                <a:spcPts val="300"/>
+              </a:spcBef>
+              <a:buClr>
+                <a:schemeClr val="tx2"/>
+              </a:buClr>
+              <a:buFont typeface="Arial" panose="020B0604020202020204" pitchFamily="34" charset="0"/>
+              <a:buChar char="•"/>
+              <a:defRPr sz="2400" b="0" i="0" kern="1200">
+                <a:solidFill>
+                  <a:schemeClr val="tx1"/>
+                </a:solidFill>
+                <a:latin typeface="Overpass Light" pitchFamily="2" charset="77"/>
+                <a:ea typeface="+mn-ea"/>
+                <a:cs typeface="+mn-cs"/>
+              </a:defRPr>
+            </a:lvl4pPr>
+            <a:lvl5pPr marL="2057400" indent="-228600" algn="l" defTabSz="914400" rtl="0" eaLnBrk="1" latinLnBrk="0" hangingPunct="1">
+              <a:lnSpc>
+                <a:spcPct val="90000"/>
+              </a:lnSpc>
+              <a:spcBef>
+                <a:spcPts val="500"/>
+              </a:spcBef>
+              <a:buClr>
+                <a:schemeClr val="tx2"/>
+              </a:buClr>
+              <a:buFont typeface="Arial" panose="020B0604020202020204" pitchFamily="34" charset="0"/>
+              <a:buChar char="•"/>
+              <a:defRPr sz="2000" b="0" i="0" kern="1200">
+                <a:solidFill>
+                  <a:schemeClr val="tx1"/>
+                </a:solidFill>
+                <a:latin typeface="Overpass Light" pitchFamily="2" charset="77"/>
+                <a:ea typeface="+mn-ea"/>
+                <a:cs typeface="+mn-cs"/>
+              </a:defRPr>
+            </a:lvl5pPr>
+            <a:lvl6pPr marL="2514600" indent="-228600" algn="l" defTabSz="914400" rtl="0" eaLnBrk="1" latinLnBrk="0" hangingPunct="1">
+              <a:lnSpc>
+                <a:spcPct val="90000"/>
+              </a:lnSpc>
+              <a:spcBef>
+                <a:spcPts val="500"/>
+              </a:spcBef>
+              <a:buFont typeface="Arial" panose="020B0604020202020204" pitchFamily="34" charset="0"/>
+              <a:buChar char="•"/>
+              <a:defRPr sz="1800" kern="1200">
+                <a:solidFill>
+                  <a:schemeClr val="tx1"/>
+                </a:solidFill>
+                <a:latin typeface="+mn-lt"/>
+                <a:ea typeface="+mn-ea"/>
+                <a:cs typeface="+mn-cs"/>
+              </a:defRPr>
+            </a:lvl6pPr>
+            <a:lvl7pPr marL="2971800" indent="-228600" algn="l" defTabSz="914400" rtl="0" eaLnBrk="1" latinLnBrk="0" hangingPunct="1">
+              <a:lnSpc>
+                <a:spcPct val="90000"/>
+              </a:lnSpc>
+              <a:spcBef>
+                <a:spcPts val="500"/>
+              </a:spcBef>
+              <a:buFont typeface="Arial" panose="020B0604020202020204" pitchFamily="34" charset="0"/>
+              <a:buChar char="•"/>
+              <a:defRPr sz="1800" kern="1200">
+                <a:solidFill>
+                  <a:schemeClr val="tx1"/>
+                </a:solidFill>
+                <a:latin typeface="+mn-lt"/>
+                <a:ea typeface="+mn-ea"/>
+                <a:cs typeface="+mn-cs"/>
+              </a:defRPr>
+            </a:lvl7pPr>
+            <a:lvl8pPr marL="3429000" indent="-228600" algn="l" defTabSz="914400" rtl="0" eaLnBrk="1" latinLnBrk="0" hangingPunct="1">
+              <a:lnSpc>
+                <a:spcPct val="90000"/>
+              </a:lnSpc>
+              <a:spcBef>
+                <a:spcPts val="500"/>
+              </a:spcBef>
+              <a:buFont typeface="Arial" panose="020B0604020202020204" pitchFamily="34" charset="0"/>
+              <a:buChar char="•"/>
+              <a:defRPr sz="1800" kern="1200">
+                <a:solidFill>
+                  <a:schemeClr val="tx1"/>
+                </a:solidFill>
+                <a:latin typeface="+mn-lt"/>
+                <a:ea typeface="+mn-ea"/>
+                <a:cs typeface="+mn-cs"/>
+              </a:defRPr>
+            </a:lvl8pPr>
+            <a:lvl9pPr marL="3886200" indent="-228600" algn="l" defTabSz="914400" rtl="0" eaLnBrk="1" latinLnBrk="0" hangingPunct="1">
+              <a:lnSpc>
+                <a:spcPct val="90000"/>
+              </a:lnSpc>
+              <a:spcBef>
+                <a:spcPts val="500"/>
+              </a:spcBef>
+              <a:buFont typeface="Arial" panose="020B0604020202020204" pitchFamily="34" charset="0"/>
+              <a:buChar char="•"/>
+              <a:defRPr sz="1800" kern="1200">
+                <a:solidFill>
+                  <a:schemeClr val="tx1"/>
+                </a:solidFill>
+                <a:latin typeface="+mn-lt"/>
+                <a:ea typeface="+mn-ea"/>
+                <a:cs typeface="+mn-cs"/>
+              </a:defRPr>
+            </a:lvl9pPr>
+          </a:lstStyle>
+          <a:p>
+            <a:pPr marL="457200" indent="-457200">
+              <a:spcBef>
+                <a:spcPts val="1067"/>
+              </a:spcBef>
+              <a:buFont typeface="Arial" panose="020B0604020202020204" pitchFamily="34" charset="0"/>
+              <a:buChar char="•"/>
+            </a:pPr>
+            <a:r>
+              <a:rPr lang="fr-CA" sz="2600" dirty="0">
+                <a:latin typeface="Arial" panose="020B0604020202020204" pitchFamily="34" charset="0"/>
+                <a:cs typeface="Arial" panose="020B0604020202020204" pitchFamily="34" charset="0"/>
+                <a:sym typeface="Overpass"/>
+              </a:rPr>
+              <a:t>On décide d’aller sur le plancher pour réaliser des observations. </a:t>
+            </a:r>
+          </a:p>
+          <a:p>
+            <a:pPr marL="457200" indent="-457200">
+              <a:spcBef>
+                <a:spcPts val="1067"/>
+              </a:spcBef>
+              <a:buFont typeface="Arial" panose="020B0604020202020204" pitchFamily="34" charset="0"/>
+              <a:buChar char="•"/>
+            </a:pPr>
+            <a:r>
+              <a:rPr lang="fr-CA" sz="2600" dirty="0">
+                <a:latin typeface="Arial" panose="020B0604020202020204" pitchFamily="34" charset="0"/>
+                <a:cs typeface="Arial" panose="020B0604020202020204" pitchFamily="34" charset="0"/>
+                <a:sym typeface="Overpass"/>
+              </a:rPr>
+              <a:t>On travaille effectivement au rythme d’une unité par 37 secondes </a:t>
+            </a:r>
+            <a:r>
+              <a:rPr lang="fr-CA" sz="2600" b="1" dirty="0">
+                <a:latin typeface="Arial" panose="020B0604020202020204" pitchFamily="34" charset="0"/>
+                <a:cs typeface="Arial" panose="020B0604020202020204" pitchFamily="34" charset="0"/>
+                <a:sym typeface="Overpass"/>
+              </a:rPr>
+              <a:t>en moyenne</a:t>
+            </a:r>
+            <a:r>
+              <a:rPr lang="fr-CA" sz="2600" dirty="0">
+                <a:latin typeface="Arial" panose="020B0604020202020204" pitchFamily="34" charset="0"/>
+                <a:cs typeface="Arial" panose="020B0604020202020204" pitchFamily="34" charset="0"/>
+                <a:sym typeface="Overpass"/>
+              </a:rPr>
+              <a:t>, MAIS avec des variations allant de 34 secondes à 45 secondes.</a:t>
+            </a:r>
+          </a:p>
+        </p:txBody>
+      </p:sp>
+      <p:sp>
+        <p:nvSpPr>
+          <p:cNvPr id="5" name="Google Shape;95;p2">
+            <a:extLst>
+              <a:ext uri="{FF2B5EF4-FFF2-40B4-BE49-F238E27FC236}">
+                <a16:creationId xmlns:a16="http://schemas.microsoft.com/office/drawing/2014/main" id="{04647624-EF9F-7CEA-E4AC-44E1B77356ED}"/>
+              </a:ext>
+            </a:extLst>
+          </p:cNvPr>
+          <p:cNvSpPr/>
+          <p:nvPr/>
+        </p:nvSpPr>
+        <p:spPr>
+          <a:xfrm>
+            <a:off x="0" y="6575116"/>
+            <a:ext cx="12192000" cy="282884"/>
+          </a:xfrm>
+          <a:prstGeom prst="rect">
+            <a:avLst/>
+          </a:prstGeom>
+          <a:solidFill>
+            <a:srgbClr val="4FBFA5"/>
+          </a:solidFill>
+          <a:ln>
+            <a:noFill/>
+          </a:ln>
+        </p:spPr>
+        <p:txBody>
+          <a:bodyPr spcFirstLastPara="1" wrap="square" lIns="60950" tIns="60950" rIns="60950" bIns="60950" anchor="ctr" anchorCtr="0">
+            <a:noAutofit/>
+          </a:bodyPr>
+          <a:lstStyle/>
+          <a:p>
+            <a:endParaRPr sz="1200"/>
+          </a:p>
+        </p:txBody>
+      </p:sp>
+      <p:sp>
+        <p:nvSpPr>
+          <p:cNvPr id="6" name="Google Shape;96;p2">
+            <a:extLst>
+              <a:ext uri="{FF2B5EF4-FFF2-40B4-BE49-F238E27FC236}">
+                <a16:creationId xmlns:a16="http://schemas.microsoft.com/office/drawing/2014/main" id="{B10680CE-F82B-90A8-8F2C-536B7CB7BFA8}"/>
+              </a:ext>
+            </a:extLst>
+          </p:cNvPr>
+          <p:cNvSpPr txBox="1"/>
+          <p:nvPr/>
+        </p:nvSpPr>
+        <p:spPr>
+          <a:xfrm>
+            <a:off x="4707650" y="6642889"/>
+            <a:ext cx="2776701" cy="172420"/>
+          </a:xfrm>
+          <a:prstGeom prst="rect">
+            <a:avLst/>
+          </a:prstGeom>
+          <a:noFill/>
+          <a:ln>
+            <a:noFill/>
+          </a:ln>
+        </p:spPr>
+        <p:txBody>
+          <a:bodyPr spcFirstLastPara="1" wrap="square" lIns="0" tIns="0" rIns="0" bIns="0" anchor="t" anchorCtr="0">
+            <a:spAutoFit/>
+          </a:bodyPr>
+          <a:lstStyle/>
+          <a:p>
+            <a:pPr>
+              <a:lnSpc>
+                <a:spcPct val="104996"/>
+              </a:lnSpc>
+            </a:pPr>
+            <a:r>
+              <a:rPr lang="en-US" sz="1067" b="1">
+                <a:solidFill>
+                  <a:srgbClr val="41403C"/>
+                </a:solidFill>
+                <a:latin typeface="Arial"/>
+                <a:ea typeface="Arial"/>
+                <a:cs typeface="Arial"/>
+                <a:sym typeface="Arial"/>
+              </a:rPr>
+              <a:t>Ecole d’été - IA &amp; Alimentation durable</a:t>
+            </a:r>
+            <a:endParaRPr sz="1200"/>
+          </a:p>
+        </p:txBody>
+      </p:sp>
+    </p:spTree>
+    <p:extLst>
+      <p:ext uri="{BB962C8B-B14F-4D97-AF65-F5344CB8AC3E}">
+        <p14:creationId xmlns:p14="http://schemas.microsoft.com/office/powerpoint/2010/main" val="743993845"/>
       </p:ext>
     </p:extLst>
   </p:cSld>
@@ -16147,7 +15699,7 @@
         </p:spPr>
         <p:txBody>
           <a:bodyPr spcFirstLastPara="1" vert="horz" wrap="square" lIns="0" tIns="0" rIns="0" bIns="0" rtlCol="0" anchor="t" anchorCtr="0">
-            <a:normAutofit fontScale="85000" lnSpcReduction="20000"/>
+            <a:normAutofit fontScale="77500" lnSpcReduction="20000"/>
           </a:bodyPr>
           <a:lstStyle>
             <a:lvl1pPr marL="0" indent="0" algn="l" defTabSz="914400" rtl="0" eaLnBrk="1" latinLnBrk="0" hangingPunct="1">
@@ -16330,6 +15882,9 @@
           </a:lstStyle>
           <a:p>
             <a:pPr marL="457200" indent="-457200">
+              <a:lnSpc>
+                <a:spcPct val="120000"/>
+              </a:lnSpc>
               <a:spcBef>
                 <a:spcPts val="1067"/>
               </a:spcBef>
@@ -17967,13 +17522,8 @@
           <a:p>
             <a:r>
               <a:rPr lang="en-CA" dirty="0"/>
-              <a:t>Revue de </a:t>
+              <a:t>Un peu de lecture</a:t>
             </a:r>
-            <a:r>
-              <a:rPr lang="en-CA" dirty="0" err="1"/>
-              <a:t>littérature</a:t>
-            </a:r>
-            <a:endParaRPr lang="en-CA" dirty="0"/>
           </a:p>
         </p:txBody>
       </p:sp>
@@ -19120,6 +18670,12 @@
           </a:bodyPr>
           <a:lstStyle/>
           <a:p>
+            <a:r>
+              <a:rPr lang="fr-CA" dirty="0"/>
+              <a:t>La simulation consiste à créer un modèle numérique d'un système réel et à utiliser ce modèle pour effectuer des expériences virtuelles. Cela permet de tester différents scénarios et d'observer les résultats sans avoir à intervenir directement sur le système</a:t>
+            </a:r>
+          </a:p>
+          <a:p>
             <a:endParaRPr lang="fr-CA" dirty="0"/>
           </a:p>
         </p:txBody>
@@ -19299,86 +18855,17 @@
           <a:lstStyle/>
           <a:p>
             <a:r>
-              <a:rPr lang="fr-CA" dirty="0"/>
-              <a:t>Qui nous sommes?</a:t>
+              <a:rPr lang="fr-FR" dirty="0"/>
+              <a:t>Simulation</a:t>
             </a:r>
+            <a:endParaRPr lang="fr-CA" dirty="0"/>
           </a:p>
         </p:txBody>
       </p:sp>
-      <p:pic>
-        <p:nvPicPr>
-          <p:cNvPr id="5" name="Image 6" descr="Une image contenant texte, Visage humain, personne, habits&#10;&#10;Description générée automatiquement">
-            <a:extLst>
-              <a:ext uri="{FF2B5EF4-FFF2-40B4-BE49-F238E27FC236}">
-                <a16:creationId xmlns:a16="http://schemas.microsoft.com/office/drawing/2014/main" id="{BF993DDF-B8A4-4EC0-A27D-73A42C3EBE3A}"/>
-              </a:ext>
-            </a:extLst>
-          </p:cNvPr>
-          <p:cNvPicPr>
-            <a:picLocks noChangeAspect="1"/>
-          </p:cNvPicPr>
-          <p:nvPr/>
-        </p:nvPicPr>
-        <p:blipFill rotWithShape="1">
-          <a:blip r:embed="rId2">
-            <a:extLst>
-              <a:ext uri="{28A0092B-C50C-407E-A947-70E740481C1C}">
-                <a14:useLocalDpi xmlns:a14="http://schemas.microsoft.com/office/drawing/2010/main" val="0"/>
-              </a:ext>
-            </a:extLst>
-          </a:blip>
-          <a:srcRect l="50451" r="25332" b="41191"/>
-          <a:stretch/>
-        </p:blipFill>
-        <p:spPr>
-          <a:xfrm>
-            <a:off x="7351684" y="1985203"/>
-            <a:ext cx="2466108" cy="2581224"/>
-          </a:xfrm>
-          <a:prstGeom prst="rect">
-            <a:avLst/>
-          </a:prstGeom>
-        </p:spPr>
-      </p:pic>
-      <p:pic>
-        <p:nvPicPr>
-          <p:cNvPr id="6" name="Image 6" descr="Une image contenant texte, Visage humain, personne, habits&#10;&#10;Description générée automatiquement">
-            <a:extLst>
-              <a:ext uri="{FF2B5EF4-FFF2-40B4-BE49-F238E27FC236}">
-                <a16:creationId xmlns:a16="http://schemas.microsoft.com/office/drawing/2014/main" id="{69D6EBC4-5232-4187-89A4-BEB3C9182837}"/>
-              </a:ext>
-            </a:extLst>
-          </p:cNvPr>
-          <p:cNvPicPr>
-            <a:picLocks noChangeAspect="1"/>
-          </p:cNvPicPr>
-          <p:nvPr/>
-        </p:nvPicPr>
-        <p:blipFill rotWithShape="1">
-          <a:blip r:embed="rId2">
-            <a:extLst>
-              <a:ext uri="{28A0092B-C50C-407E-A947-70E740481C1C}">
-                <a14:useLocalDpi xmlns:a14="http://schemas.microsoft.com/office/drawing/2010/main" val="0"/>
-              </a:ext>
-            </a:extLst>
-          </a:blip>
-          <a:srcRect l="1566" t="-6245" r="73401" b="41552"/>
-          <a:stretch/>
-        </p:blipFill>
-        <p:spPr>
-          <a:xfrm>
-            <a:off x="2291082" y="1726927"/>
-            <a:ext cx="2549236" cy="2839500"/>
-          </a:xfrm>
-          <a:prstGeom prst="rect">
-            <a:avLst/>
-          </a:prstGeom>
-        </p:spPr>
-      </p:pic>
     </p:spTree>
     <p:extLst>
       <p:ext uri="{BB962C8B-B14F-4D97-AF65-F5344CB8AC3E}">
-        <p14:creationId xmlns:p14="http://schemas.microsoft.com/office/powerpoint/2010/main" val="1655460658"/>
+        <p14:creationId xmlns:p14="http://schemas.microsoft.com/office/powerpoint/2010/main" val="2299026213"/>
       </p:ext>
     </p:extLst>
   </p:cSld>
@@ -29286,13 +28773,7 @@
   <p:cSld>
     <p:spTree>
       <p:nvGrpSpPr>
-        <p:cNvPr id="1" name="">
-          <a:extLst>
-            <a:ext uri="{FF2B5EF4-FFF2-40B4-BE49-F238E27FC236}">
-              <a16:creationId xmlns:a16="http://schemas.microsoft.com/office/drawing/2014/main" id="{0BA8DC0A-D646-C2D0-6F54-958E9C286DF3}"/>
-            </a:ext>
-          </a:extLst>
-        </p:cNvPr>
+        <p:cNvPr id="1" name=""/>
         <p:cNvGrpSpPr/>
         <p:nvPr/>
       </p:nvGrpSpPr>
@@ -29306,86 +28787,461 @@
       </p:grpSpPr>
       <p:sp>
         <p:nvSpPr>
-          <p:cNvPr id="2" name="Espace réservé du contenu 1">
+          <p:cNvPr id="4" name="Google Shape;156;p20">
             <a:extLst>
               <a:ext uri="{FF2B5EF4-FFF2-40B4-BE49-F238E27FC236}">
-                <a16:creationId xmlns:a16="http://schemas.microsoft.com/office/drawing/2014/main" id="{0038B08B-9B9D-A55B-4824-03B704863E76}"/>
+                <a16:creationId xmlns:a16="http://schemas.microsoft.com/office/drawing/2014/main" id="{37FE4FD6-0443-49A3-9139-FB2446389BE8}"/>
               </a:ext>
             </a:extLst>
           </p:cNvPr>
-          <p:cNvSpPr>
-            <a:spLocks noGrp="1"/>
+          <p:cNvSpPr txBox="1">
+            <a:spLocks/>
           </p:cNvSpPr>
           <p:nvPr>
-            <p:ph idx="1"/>
+            <p:custDataLst>
+              <p:tags r:id="rId1"/>
+            </p:custDataLst>
           </p:nvPr>
         </p:nvSpPr>
         <p:spPr>
           <a:xfrm>
-            <a:off x="838200" y="1113936"/>
-            <a:ext cx="10515600" cy="4715774"/>
+            <a:off x="972600" y="807900"/>
+            <a:ext cx="10660076" cy="713600"/>
           </a:xfrm>
+          <a:prstGeom prst="rect">
+            <a:avLst/>
+          </a:prstGeom>
+          <a:noFill/>
+          <a:ln>
+            <a:noFill/>
+          </a:ln>
         </p:spPr>
         <p:txBody>
-          <a:bodyPr>
-            <a:normAutofit/>
+          <a:bodyPr spcFirstLastPara="1" wrap="square" lIns="121900" tIns="121900" rIns="121900" bIns="121900" anchor="t" anchorCtr="0">
+            <a:normAutofit fontScale="97500"/>
           </a:bodyPr>
-          <a:lstStyle/>
+          <a:lstStyle>
+            <a:defPPr marR="0" lvl="0" algn="l" rtl="0">
+              <a:lnSpc>
+                <a:spcPct val="100000"/>
+              </a:lnSpc>
+              <a:spcBef>
+                <a:spcPts val="0"/>
+              </a:spcBef>
+              <a:spcAft>
+                <a:spcPts val="0"/>
+              </a:spcAft>
+            </a:defPPr>
+            <a:lvl1pPr marR="0" lvl="0" algn="l" rtl="0">
+              <a:lnSpc>
+                <a:spcPct val="100000"/>
+              </a:lnSpc>
+              <a:spcBef>
+                <a:spcPts val="0"/>
+              </a:spcBef>
+              <a:spcAft>
+                <a:spcPts val="0"/>
+              </a:spcAft>
+              <a:buClr>
+                <a:schemeClr val="dk2"/>
+              </a:buClr>
+              <a:buSzPts val="2600"/>
+              <a:buFont typeface="Raleway"/>
+              <a:buNone/>
+              <a:defRPr sz="2600" b="1" i="0" u="none" strike="noStrike" cap="none">
+                <a:solidFill>
+                  <a:schemeClr val="dk2"/>
+                </a:solidFill>
+                <a:latin typeface="Raleway"/>
+                <a:ea typeface="Raleway"/>
+                <a:cs typeface="Raleway"/>
+                <a:sym typeface="Raleway"/>
+              </a:defRPr>
+            </a:lvl1pPr>
+            <a:lvl2pPr marR="0" lvl="1" algn="l" rtl="0">
+              <a:lnSpc>
+                <a:spcPct val="100000"/>
+              </a:lnSpc>
+              <a:spcBef>
+                <a:spcPts val="0"/>
+              </a:spcBef>
+              <a:spcAft>
+                <a:spcPts val="0"/>
+              </a:spcAft>
+              <a:buClr>
+                <a:schemeClr val="dk2"/>
+              </a:buClr>
+              <a:buSzPts val="2600"/>
+              <a:buFont typeface="Raleway"/>
+              <a:buNone/>
+              <a:defRPr sz="2600" b="1" i="0" u="none" strike="noStrike" cap="none">
+                <a:solidFill>
+                  <a:schemeClr val="dk2"/>
+                </a:solidFill>
+                <a:latin typeface="Raleway"/>
+                <a:ea typeface="Raleway"/>
+                <a:cs typeface="Raleway"/>
+                <a:sym typeface="Raleway"/>
+              </a:defRPr>
+            </a:lvl2pPr>
+            <a:lvl3pPr marR="0" lvl="2" algn="l" rtl="0">
+              <a:lnSpc>
+                <a:spcPct val="100000"/>
+              </a:lnSpc>
+              <a:spcBef>
+                <a:spcPts val="0"/>
+              </a:spcBef>
+              <a:spcAft>
+                <a:spcPts val="0"/>
+              </a:spcAft>
+              <a:buClr>
+                <a:schemeClr val="dk2"/>
+              </a:buClr>
+              <a:buSzPts val="2600"/>
+              <a:buFont typeface="Raleway"/>
+              <a:buNone/>
+              <a:defRPr sz="2600" b="1" i="0" u="none" strike="noStrike" cap="none">
+                <a:solidFill>
+                  <a:schemeClr val="dk2"/>
+                </a:solidFill>
+                <a:latin typeface="Raleway"/>
+                <a:ea typeface="Raleway"/>
+                <a:cs typeface="Raleway"/>
+                <a:sym typeface="Raleway"/>
+              </a:defRPr>
+            </a:lvl3pPr>
+            <a:lvl4pPr marR="0" lvl="3" algn="l" rtl="0">
+              <a:lnSpc>
+                <a:spcPct val="100000"/>
+              </a:lnSpc>
+              <a:spcBef>
+                <a:spcPts val="0"/>
+              </a:spcBef>
+              <a:spcAft>
+                <a:spcPts val="0"/>
+              </a:spcAft>
+              <a:buClr>
+                <a:schemeClr val="dk2"/>
+              </a:buClr>
+              <a:buSzPts val="2600"/>
+              <a:buFont typeface="Raleway"/>
+              <a:buNone/>
+              <a:defRPr sz="2600" b="1" i="0" u="none" strike="noStrike" cap="none">
+                <a:solidFill>
+                  <a:schemeClr val="dk2"/>
+                </a:solidFill>
+                <a:latin typeface="Raleway"/>
+                <a:ea typeface="Raleway"/>
+                <a:cs typeface="Raleway"/>
+                <a:sym typeface="Raleway"/>
+              </a:defRPr>
+            </a:lvl4pPr>
+            <a:lvl5pPr marR="0" lvl="4" algn="l" rtl="0">
+              <a:lnSpc>
+                <a:spcPct val="100000"/>
+              </a:lnSpc>
+              <a:spcBef>
+                <a:spcPts val="0"/>
+              </a:spcBef>
+              <a:spcAft>
+                <a:spcPts val="0"/>
+              </a:spcAft>
+              <a:buClr>
+                <a:schemeClr val="dk2"/>
+              </a:buClr>
+              <a:buSzPts val="2600"/>
+              <a:buFont typeface="Raleway"/>
+              <a:buNone/>
+              <a:defRPr sz="2600" b="1" i="0" u="none" strike="noStrike" cap="none">
+                <a:solidFill>
+                  <a:schemeClr val="dk2"/>
+                </a:solidFill>
+                <a:latin typeface="Raleway"/>
+                <a:ea typeface="Raleway"/>
+                <a:cs typeface="Raleway"/>
+                <a:sym typeface="Raleway"/>
+              </a:defRPr>
+            </a:lvl5pPr>
+            <a:lvl6pPr marR="0" lvl="5" algn="l" rtl="0">
+              <a:lnSpc>
+                <a:spcPct val="100000"/>
+              </a:lnSpc>
+              <a:spcBef>
+                <a:spcPts val="0"/>
+              </a:spcBef>
+              <a:spcAft>
+                <a:spcPts val="0"/>
+              </a:spcAft>
+              <a:buClr>
+                <a:schemeClr val="dk2"/>
+              </a:buClr>
+              <a:buSzPts val="2600"/>
+              <a:buFont typeface="Raleway"/>
+              <a:buNone/>
+              <a:defRPr sz="2600" b="1" i="0" u="none" strike="noStrike" cap="none">
+                <a:solidFill>
+                  <a:schemeClr val="dk2"/>
+                </a:solidFill>
+                <a:latin typeface="Raleway"/>
+                <a:ea typeface="Raleway"/>
+                <a:cs typeface="Raleway"/>
+                <a:sym typeface="Raleway"/>
+              </a:defRPr>
+            </a:lvl6pPr>
+            <a:lvl7pPr marR="0" lvl="6" algn="l" rtl="0">
+              <a:lnSpc>
+                <a:spcPct val="100000"/>
+              </a:lnSpc>
+              <a:spcBef>
+                <a:spcPts val="0"/>
+              </a:spcBef>
+              <a:spcAft>
+                <a:spcPts val="0"/>
+              </a:spcAft>
+              <a:buClr>
+                <a:schemeClr val="dk2"/>
+              </a:buClr>
+              <a:buSzPts val="2600"/>
+              <a:buFont typeface="Raleway"/>
+              <a:buNone/>
+              <a:defRPr sz="2600" b="1" i="0" u="none" strike="noStrike" cap="none">
+                <a:solidFill>
+                  <a:schemeClr val="dk2"/>
+                </a:solidFill>
+                <a:latin typeface="Raleway"/>
+                <a:ea typeface="Raleway"/>
+                <a:cs typeface="Raleway"/>
+                <a:sym typeface="Raleway"/>
+              </a:defRPr>
+            </a:lvl7pPr>
+            <a:lvl8pPr marR="0" lvl="7" algn="l" rtl="0">
+              <a:lnSpc>
+                <a:spcPct val="100000"/>
+              </a:lnSpc>
+              <a:spcBef>
+                <a:spcPts val="0"/>
+              </a:spcBef>
+              <a:spcAft>
+                <a:spcPts val="0"/>
+              </a:spcAft>
+              <a:buClr>
+                <a:schemeClr val="dk2"/>
+              </a:buClr>
+              <a:buSzPts val="2600"/>
+              <a:buFont typeface="Raleway"/>
+              <a:buNone/>
+              <a:defRPr sz="2600" b="1" i="0" u="none" strike="noStrike" cap="none">
+                <a:solidFill>
+                  <a:schemeClr val="dk2"/>
+                </a:solidFill>
+                <a:latin typeface="Raleway"/>
+                <a:ea typeface="Raleway"/>
+                <a:cs typeface="Raleway"/>
+                <a:sym typeface="Raleway"/>
+              </a:defRPr>
+            </a:lvl8pPr>
+            <a:lvl9pPr marR="0" lvl="8" algn="l" rtl="0">
+              <a:lnSpc>
+                <a:spcPct val="100000"/>
+              </a:lnSpc>
+              <a:spcBef>
+                <a:spcPts val="0"/>
+              </a:spcBef>
+              <a:spcAft>
+                <a:spcPts val="0"/>
+              </a:spcAft>
+              <a:buClr>
+                <a:schemeClr val="dk2"/>
+              </a:buClr>
+              <a:buSzPts val="2600"/>
+              <a:buFont typeface="Raleway"/>
+              <a:buNone/>
+              <a:defRPr sz="2600" b="1" i="0" u="none" strike="noStrike" cap="none">
+                <a:solidFill>
+                  <a:schemeClr val="dk2"/>
+                </a:solidFill>
+                <a:latin typeface="Raleway"/>
+                <a:ea typeface="Raleway"/>
+                <a:cs typeface="Raleway"/>
+                <a:sym typeface="Raleway"/>
+              </a:defRPr>
+            </a:lvl9pPr>
+          </a:lstStyle>
           <a:p>
             <a:r>
-              <a:rPr lang="fr-CA" dirty="0"/>
-              <a:t>La simulation consiste à créer un modèle numérique d'un système réel et à utiliser ce modèle pour effectuer des expériences virtuelles. Cela permet de tester différents scénarios et d'observer les résultats sans avoir à intervenir directement sur le système</a:t>
+              <a:rPr lang="fr-FR" sz="2800" dirty="0">
+                <a:solidFill>
+                  <a:schemeClr val="tx1"/>
+                </a:solidFill>
+                <a:latin typeface="Arial" panose="020B0604020202020204" pitchFamily="34" charset="0"/>
+                <a:cs typeface="Arial" panose="020B0604020202020204" pitchFamily="34" charset="0"/>
+              </a:rPr>
+              <a:t>Pourquoi simuler?</a:t>
             </a:r>
-          </a:p>
-          <a:p>
-            <a:endParaRPr lang="fr-CA" dirty="0"/>
           </a:p>
         </p:txBody>
       </p:sp>
       <p:sp>
         <p:nvSpPr>
-          <p:cNvPr id="3" name="Espace réservé du numéro de diapositive 2">
+          <p:cNvPr id="11" name="Google Shape;309;p23">
             <a:extLst>
               <a:ext uri="{FF2B5EF4-FFF2-40B4-BE49-F238E27FC236}">
-                <a16:creationId xmlns:a16="http://schemas.microsoft.com/office/drawing/2014/main" id="{7E8DA8F2-11C0-E104-A74F-81E09577988D}"/>
+                <a16:creationId xmlns:a16="http://schemas.microsoft.com/office/drawing/2014/main" id="{58B2142D-6FB6-4419-9CEA-26BD662700E4}"/>
               </a:ext>
             </a:extLst>
           </p:cNvPr>
-          <p:cNvSpPr>
-            <a:spLocks noGrp="1"/>
+          <p:cNvSpPr txBox="1">
+            <a:spLocks/>
           </p:cNvSpPr>
-          <p:nvPr>
-            <p:ph type="sldNum" sz="quarter" idx="4294967295"/>
-          </p:nvPr>
+          <p:nvPr/>
         </p:nvSpPr>
         <p:spPr>
           <a:xfrm>
-            <a:off x="10414200" y="6333045"/>
-            <a:ext cx="939600" cy="365125"/>
+            <a:off x="1083825" y="1645852"/>
+            <a:ext cx="9266806" cy="3889002"/>
           </a:xfrm>
           <a:prstGeom prst="rect">
             <a:avLst/>
           </a:prstGeom>
+          <a:noFill/>
         </p:spPr>
         <p:txBody>
-          <a:bodyPr vert="horz" lIns="91440" tIns="45720" rIns="91440" bIns="45720" rtlCol="0" anchor="ctr"/>
+          <a:bodyPr spcFirstLastPara="1" vert="horz" wrap="square" lIns="0" tIns="0" rIns="0" bIns="0" rtlCol="0" anchor="t" anchorCtr="0">
+            <a:noAutofit/>
+          </a:bodyPr>
           <a:lstStyle>
-            <a:defPPr>
-              <a:defRPr lang="fr-FR"/>
-            </a:defPPr>
-            <a:lvl1pPr marL="0" algn="r" defTabSz="914446" rtl="0" eaLnBrk="1" latinLnBrk="0" hangingPunct="1">
-              <a:defRPr sz="1050" kern="1200">
-                <a:solidFill>
-                  <a:schemeClr val="tx1">
-                    <a:tint val="75000"/>
-                  </a:schemeClr>
+            <a:lvl1pPr marL="0" indent="0" algn="l" defTabSz="914400" rtl="0" eaLnBrk="1" latinLnBrk="0" hangingPunct="1">
+              <a:lnSpc>
+                <a:spcPct val="90000"/>
+              </a:lnSpc>
+              <a:spcBef>
+                <a:spcPts val="1000"/>
+              </a:spcBef>
+              <a:buClr>
+                <a:schemeClr val="tx2"/>
+              </a:buClr>
+              <a:buFont typeface="Arial" panose="020B0604020202020204" pitchFamily="34" charset="0"/>
+              <a:buNone/>
+              <a:defRPr sz="4000" b="0" i="0" kern="1200">
+                <a:solidFill>
+                  <a:schemeClr val="tx1"/>
+                </a:solidFill>
+                <a:latin typeface="Overpass Light" pitchFamily="2" charset="77"/>
+                <a:ea typeface="+mn-ea"/>
+                <a:cs typeface="+mn-cs"/>
+              </a:defRPr>
+            </a:lvl1pPr>
+            <a:lvl2pPr marL="685800" indent="-228600" algn="l" defTabSz="914400" rtl="0" eaLnBrk="1" latinLnBrk="0" hangingPunct="1">
+              <a:lnSpc>
+                <a:spcPct val="90000"/>
+              </a:lnSpc>
+              <a:spcBef>
+                <a:spcPts val="1000"/>
+              </a:spcBef>
+              <a:buClr>
+                <a:schemeClr val="tx2"/>
+              </a:buClr>
+              <a:buFont typeface="Arial" panose="020B0604020202020204" pitchFamily="34" charset="0"/>
+              <a:buChar char="•"/>
+              <a:defRPr sz="3600" b="0" i="0" kern="1200">
+                <a:solidFill>
+                  <a:schemeClr val="tx1"/>
+                </a:solidFill>
+                <a:latin typeface="Overpass Light" pitchFamily="2" charset="77"/>
+                <a:ea typeface="+mn-ea"/>
+                <a:cs typeface="+mn-cs"/>
+              </a:defRPr>
+            </a:lvl2pPr>
+            <a:lvl3pPr marL="1143000" indent="-228600" algn="l" defTabSz="914400" rtl="0" eaLnBrk="1" latinLnBrk="0" hangingPunct="1">
+              <a:lnSpc>
+                <a:spcPct val="90000"/>
+              </a:lnSpc>
+              <a:spcBef>
+                <a:spcPts val="600"/>
+              </a:spcBef>
+              <a:buClr>
+                <a:schemeClr val="tx2"/>
+              </a:buClr>
+              <a:buFont typeface="Arial" panose="020B0604020202020204" pitchFamily="34" charset="0"/>
+              <a:buChar char="•"/>
+              <a:defRPr sz="3200" b="0" i="0" kern="1200">
+                <a:solidFill>
+                  <a:schemeClr val="tx1"/>
+                </a:solidFill>
+                <a:latin typeface="Overpass Light" pitchFamily="2" charset="77"/>
+                <a:ea typeface="+mn-ea"/>
+                <a:cs typeface="+mn-cs"/>
+              </a:defRPr>
+            </a:lvl3pPr>
+            <a:lvl4pPr marL="1600200" indent="-228600" algn="l" defTabSz="914400" rtl="0" eaLnBrk="1" latinLnBrk="0" hangingPunct="1">
+              <a:lnSpc>
+                <a:spcPct val="90000"/>
+              </a:lnSpc>
+              <a:spcBef>
+                <a:spcPts val="300"/>
+              </a:spcBef>
+              <a:buClr>
+                <a:schemeClr val="tx2"/>
+              </a:buClr>
+              <a:buFont typeface="Arial" panose="020B0604020202020204" pitchFamily="34" charset="0"/>
+              <a:buChar char="•"/>
+              <a:defRPr sz="2400" b="0" i="0" kern="1200">
+                <a:solidFill>
+                  <a:schemeClr val="tx1"/>
+                </a:solidFill>
+                <a:latin typeface="Overpass Light" pitchFamily="2" charset="77"/>
+                <a:ea typeface="+mn-ea"/>
+                <a:cs typeface="+mn-cs"/>
+              </a:defRPr>
+            </a:lvl4pPr>
+            <a:lvl5pPr marL="2057400" indent="-228600" algn="l" defTabSz="914400" rtl="0" eaLnBrk="1" latinLnBrk="0" hangingPunct="1">
+              <a:lnSpc>
+                <a:spcPct val="90000"/>
+              </a:lnSpc>
+              <a:spcBef>
+                <a:spcPts val="500"/>
+              </a:spcBef>
+              <a:buClr>
+                <a:schemeClr val="tx2"/>
+              </a:buClr>
+              <a:buFont typeface="Arial" panose="020B0604020202020204" pitchFamily="34" charset="0"/>
+              <a:buChar char="•"/>
+              <a:defRPr sz="2000" b="0" i="0" kern="1200">
+                <a:solidFill>
+                  <a:schemeClr val="tx1"/>
+                </a:solidFill>
+                <a:latin typeface="Overpass Light" pitchFamily="2" charset="77"/>
+                <a:ea typeface="+mn-ea"/>
+                <a:cs typeface="+mn-cs"/>
+              </a:defRPr>
+            </a:lvl5pPr>
+            <a:lvl6pPr marL="2514600" indent="-228600" algn="l" defTabSz="914400" rtl="0" eaLnBrk="1" latinLnBrk="0" hangingPunct="1">
+              <a:lnSpc>
+                <a:spcPct val="90000"/>
+              </a:lnSpc>
+              <a:spcBef>
+                <a:spcPts val="500"/>
+              </a:spcBef>
+              <a:buFont typeface="Arial" panose="020B0604020202020204" pitchFamily="34" charset="0"/>
+              <a:buChar char="•"/>
+              <a:defRPr sz="1800" kern="1200">
+                <a:solidFill>
+                  <a:schemeClr val="tx1"/>
                 </a:solidFill>
                 <a:latin typeface="+mn-lt"/>
                 <a:ea typeface="+mn-ea"/>
                 <a:cs typeface="+mn-cs"/>
               </a:defRPr>
-            </a:lvl1pPr>
-            <a:lvl2pPr marL="457223" algn="l" defTabSz="914446" rtl="0" eaLnBrk="1" latinLnBrk="0" hangingPunct="1">
+            </a:lvl6pPr>
+            <a:lvl7pPr marL="2971800" indent="-228600" algn="l" defTabSz="914400" rtl="0" eaLnBrk="1" latinLnBrk="0" hangingPunct="1">
+              <a:lnSpc>
+                <a:spcPct val="90000"/>
+              </a:lnSpc>
+              <a:spcBef>
+                <a:spcPts val="500"/>
+              </a:spcBef>
+              <a:buFont typeface="Arial" panose="020B0604020202020204" pitchFamily="34" charset="0"/>
+              <a:buChar char="•"/>
               <a:defRPr sz="1800" kern="1200">
                 <a:solidFill>
                   <a:schemeClr val="tx1"/>
@@ -29394,8 +29250,16 @@
                 <a:ea typeface="+mn-ea"/>
                 <a:cs typeface="+mn-cs"/>
               </a:defRPr>
-            </a:lvl2pPr>
-            <a:lvl3pPr marL="914446" algn="l" defTabSz="914446" rtl="0" eaLnBrk="1" latinLnBrk="0" hangingPunct="1">
+            </a:lvl7pPr>
+            <a:lvl8pPr marL="3429000" indent="-228600" algn="l" defTabSz="914400" rtl="0" eaLnBrk="1" latinLnBrk="0" hangingPunct="1">
+              <a:lnSpc>
+                <a:spcPct val="90000"/>
+              </a:lnSpc>
+              <a:spcBef>
+                <a:spcPts val="500"/>
+              </a:spcBef>
+              <a:buFont typeface="Arial" panose="020B0604020202020204" pitchFamily="34" charset="0"/>
+              <a:buChar char="•"/>
               <a:defRPr sz="1800" kern="1200">
                 <a:solidFill>
                   <a:schemeClr val="tx1"/>
@@ -29404,8 +29268,16 @@
                 <a:ea typeface="+mn-ea"/>
                 <a:cs typeface="+mn-cs"/>
               </a:defRPr>
-            </a:lvl3pPr>
-            <a:lvl4pPr marL="1371669" algn="l" defTabSz="914446" rtl="0" eaLnBrk="1" latinLnBrk="0" hangingPunct="1">
+            </a:lvl8pPr>
+            <a:lvl9pPr marL="3886200" indent="-228600" algn="l" defTabSz="914400" rtl="0" eaLnBrk="1" latinLnBrk="0" hangingPunct="1">
+              <a:lnSpc>
+                <a:spcPct val="90000"/>
+              </a:lnSpc>
+              <a:spcBef>
+                <a:spcPts val="500"/>
+              </a:spcBef>
+              <a:buFont typeface="Arial" panose="020B0604020202020204" pitchFamily="34" charset="0"/>
+              <a:buChar char="•"/>
               <a:defRPr sz="1800" kern="1200">
                 <a:solidFill>
                   <a:schemeClr val="tx1"/>
@@ -29414,120 +29286,309 @@
                 <a:ea typeface="+mn-ea"/>
                 <a:cs typeface="+mn-cs"/>
               </a:defRPr>
-            </a:lvl4pPr>
-            <a:lvl5pPr marL="1828891" algn="l" defTabSz="914446" rtl="0" eaLnBrk="1" latinLnBrk="0" hangingPunct="1">
-              <a:defRPr sz="1800" kern="1200">
-                <a:solidFill>
-                  <a:schemeClr val="tx1"/>
-                </a:solidFill>
-                <a:latin typeface="+mn-lt"/>
-                <a:ea typeface="+mn-ea"/>
-                <a:cs typeface="+mn-cs"/>
-              </a:defRPr>
-            </a:lvl5pPr>
-            <a:lvl6pPr marL="2286114" algn="l" defTabSz="914446" rtl="0" eaLnBrk="1" latinLnBrk="0" hangingPunct="1">
-              <a:defRPr sz="1800" kern="1200">
-                <a:solidFill>
-                  <a:schemeClr val="tx1"/>
-                </a:solidFill>
-                <a:latin typeface="+mn-lt"/>
-                <a:ea typeface="+mn-ea"/>
-                <a:cs typeface="+mn-cs"/>
-              </a:defRPr>
-            </a:lvl6pPr>
-            <a:lvl7pPr marL="2743337" algn="l" defTabSz="914446" rtl="0" eaLnBrk="1" latinLnBrk="0" hangingPunct="1">
-              <a:defRPr sz="1800" kern="1200">
-                <a:solidFill>
-                  <a:schemeClr val="tx1"/>
-                </a:solidFill>
-                <a:latin typeface="+mn-lt"/>
-                <a:ea typeface="+mn-ea"/>
-                <a:cs typeface="+mn-cs"/>
-              </a:defRPr>
-            </a:lvl7pPr>
-            <a:lvl8pPr marL="3200560" algn="l" defTabSz="914446" rtl="0" eaLnBrk="1" latinLnBrk="0" hangingPunct="1">
-              <a:defRPr sz="1800" kern="1200">
-                <a:solidFill>
-                  <a:schemeClr val="tx1"/>
-                </a:solidFill>
-                <a:latin typeface="+mn-lt"/>
-                <a:ea typeface="+mn-ea"/>
-                <a:cs typeface="+mn-cs"/>
-              </a:defRPr>
-            </a:lvl8pPr>
-            <a:lvl9pPr marL="3657783" algn="l" defTabSz="914446" rtl="0" eaLnBrk="1" latinLnBrk="0" hangingPunct="1">
-              <a:defRPr sz="1800" kern="1200">
-                <a:solidFill>
-                  <a:schemeClr val="tx1"/>
-                </a:solidFill>
-                <a:latin typeface="+mn-lt"/>
-                <a:ea typeface="+mn-ea"/>
-                <a:cs typeface="+mn-cs"/>
-              </a:defRPr>
             </a:lvl9pPr>
           </a:lstStyle>
           <a:p>
-            <a:pPr>
-              <a:buClrTx/>
+            <a:pPr marL="457200" indent="-457200">
+              <a:spcBef>
+                <a:spcPts val="1067"/>
+              </a:spcBef>
+              <a:buFont typeface="Arial" panose="020B0604020202020204" pitchFamily="34" charset="0"/>
+              <a:buChar char="•"/>
             </a:pPr>
-            <a:fld id="{732F205A-19AD-45CC-8F0F-8018D4A05921}" type="slidenum">
-              <a:rPr lang="fr-CA">
-                <a:solidFill>
-                  <a:srgbClr val="242625">
-                    <a:tint val="75000"/>
-                  </a:srgbClr>
-                </a:solidFill>
-                <a:latin typeface="Calibri" panose="020F0502020204030204"/>
+            <a:r>
+              <a:rPr lang="fr-CA" sz="2400" dirty="0">
+                <a:latin typeface="Arial" panose="020B0604020202020204" pitchFamily="34" charset="0"/>
+                <a:cs typeface="Arial" panose="020B0604020202020204" pitchFamily="34" charset="0"/>
+                <a:sym typeface="Overpass"/>
               </a:rPr>
-              <a:pPr>
-                <a:buClrTx/>
-              </a:pPr>
-              <a:t>3</a:t>
-            </a:fld>
-            <a:endParaRPr lang="fr-CA" dirty="0">
+              <a:t>Évaluer un </a:t>
+            </a:r>
+            <a:r>
+              <a:rPr lang="fr-CA" sz="2400" b="1" dirty="0">
+                <a:latin typeface="Arial" panose="020B0604020202020204" pitchFamily="34" charset="0"/>
+                <a:cs typeface="Arial" panose="020B0604020202020204" pitchFamily="34" charset="0"/>
+                <a:sym typeface="Overpass"/>
+              </a:rPr>
+              <a:t>système complexe avant sa construction </a:t>
+            </a:r>
+            <a:r>
+              <a:rPr lang="fr-CA" sz="2400" dirty="0">
+                <a:latin typeface="Arial" panose="020B0604020202020204" pitchFamily="34" charset="0"/>
+                <a:cs typeface="Arial" panose="020B0604020202020204" pitchFamily="34" charset="0"/>
+                <a:sym typeface="Overpass"/>
+              </a:rPr>
+              <a:t>(ex: une usine) et comparer différentes alternatives dans le but de faire le bon choix</a:t>
+            </a:r>
+          </a:p>
+          <a:p>
+            <a:pPr marL="457200" indent="-457200">
+              <a:spcBef>
+                <a:spcPts val="1067"/>
+              </a:spcBef>
+              <a:buFont typeface="Arial" panose="020B0604020202020204" pitchFamily="34" charset="0"/>
+              <a:buChar char="•"/>
+            </a:pPr>
+            <a:r>
+              <a:rPr lang="fr-CA" sz="2400" dirty="0">
+                <a:latin typeface="Arial" panose="020B0604020202020204" pitchFamily="34" charset="0"/>
+                <a:cs typeface="Arial" panose="020B0604020202020204" pitchFamily="34" charset="0"/>
+                <a:sym typeface="Overpass"/>
+              </a:rPr>
+              <a:t>Évaluer différentes </a:t>
+            </a:r>
+            <a:r>
+              <a:rPr lang="fr-CA" sz="2400" b="1" dirty="0">
+                <a:latin typeface="Arial" panose="020B0604020202020204" pitchFamily="34" charset="0"/>
+                <a:cs typeface="Arial" panose="020B0604020202020204" pitchFamily="34" charset="0"/>
+                <a:sym typeface="Overpass"/>
+              </a:rPr>
+              <a:t>modifications</a:t>
+            </a:r>
+            <a:r>
+              <a:rPr lang="fr-CA" sz="2400" dirty="0">
+                <a:latin typeface="Arial" panose="020B0604020202020204" pitchFamily="34" charset="0"/>
+                <a:cs typeface="Arial" panose="020B0604020202020204" pitchFamily="34" charset="0"/>
+                <a:sym typeface="Overpass"/>
+              </a:rPr>
+              <a:t> qui pourraient être apportées à un système</a:t>
+            </a:r>
+          </a:p>
+          <a:p>
+            <a:pPr marL="457200" indent="-457200">
+              <a:spcBef>
+                <a:spcPts val="1067"/>
+              </a:spcBef>
+              <a:buFont typeface="Arial" panose="020B0604020202020204" pitchFamily="34" charset="0"/>
+              <a:buChar char="•"/>
+            </a:pPr>
+            <a:r>
+              <a:rPr lang="fr-CA" sz="2400" dirty="0">
+                <a:latin typeface="Arial" panose="020B0604020202020204" pitchFamily="34" charset="0"/>
+                <a:cs typeface="Arial" panose="020B0604020202020204" pitchFamily="34" charset="0"/>
+                <a:sym typeface="Overpass"/>
+              </a:rPr>
+              <a:t>Évaluer différentes </a:t>
+            </a:r>
+            <a:r>
+              <a:rPr lang="fr-CA" sz="2400" b="1" dirty="0">
+                <a:latin typeface="Arial" panose="020B0604020202020204" pitchFamily="34" charset="0"/>
+                <a:cs typeface="Arial" panose="020B0604020202020204" pitchFamily="34" charset="0"/>
+                <a:sym typeface="Overpass"/>
+              </a:rPr>
+              <a:t>politiques pour l’opération d’un système </a:t>
+            </a:r>
+            <a:r>
+              <a:rPr lang="fr-CA" sz="2400" dirty="0">
+                <a:latin typeface="Arial" panose="020B0604020202020204" pitchFamily="34" charset="0"/>
+                <a:cs typeface="Arial" panose="020B0604020202020204" pitchFamily="34" charset="0"/>
+                <a:sym typeface="Overpass"/>
+              </a:rPr>
+              <a:t>(e.g. règles pour le pilotage d’un système manufacturier)</a:t>
+            </a:r>
+          </a:p>
+          <a:p>
+            <a:pPr marL="457200" indent="-457200">
+              <a:spcBef>
+                <a:spcPts val="1067"/>
+              </a:spcBef>
+              <a:buFont typeface="Arial" panose="020B0604020202020204" pitchFamily="34" charset="0"/>
+              <a:buChar char="•"/>
+            </a:pPr>
+            <a:r>
+              <a:rPr lang="fr-CA" sz="2400" dirty="0">
+                <a:latin typeface="Arial" panose="020B0604020202020204" pitchFamily="34" charset="0"/>
+                <a:cs typeface="Arial" panose="020B0604020202020204" pitchFamily="34" charset="0"/>
+                <a:sym typeface="Overpass"/>
+              </a:rPr>
+              <a:t>Apprendre sur un </a:t>
+            </a:r>
+            <a:r>
+              <a:rPr lang="fr-CA" sz="2400" b="1" dirty="0">
+                <a:latin typeface="Arial" panose="020B0604020202020204" pitchFamily="34" charset="0"/>
+                <a:cs typeface="Arial" panose="020B0604020202020204" pitchFamily="34" charset="0"/>
+                <a:sym typeface="Overpass"/>
+              </a:rPr>
+              <a:t>phénomène</a:t>
+            </a:r>
+            <a:r>
+              <a:rPr lang="fr-CA" sz="2400" dirty="0">
+                <a:latin typeface="Arial" panose="020B0604020202020204" pitchFamily="34" charset="0"/>
+                <a:cs typeface="Arial" panose="020B0604020202020204" pitchFamily="34" charset="0"/>
+                <a:sym typeface="Overpass"/>
+              </a:rPr>
+              <a:t> mal compris (ex: reproduire un incident)</a:t>
+            </a:r>
+          </a:p>
+          <a:p>
+            <a:pPr marL="457200" indent="-457200">
+              <a:spcBef>
+                <a:spcPts val="1067"/>
+              </a:spcBef>
+              <a:buFont typeface="Arial" panose="020B0604020202020204" pitchFamily="34" charset="0"/>
+              <a:buChar char="•"/>
+            </a:pPr>
+            <a:r>
+              <a:rPr lang="fr-CA" sz="2400" dirty="0">
+                <a:latin typeface="Arial" panose="020B0604020202020204" pitchFamily="34" charset="0"/>
+                <a:cs typeface="Arial" panose="020B0604020202020204" pitchFamily="34" charset="0"/>
+                <a:sym typeface="Overpass"/>
+              </a:rPr>
+              <a:t>Évaluer l’impact d’un </a:t>
+            </a:r>
+            <a:r>
+              <a:rPr lang="fr-CA" sz="2400" b="1" dirty="0">
+                <a:latin typeface="Arial" panose="020B0604020202020204" pitchFamily="34" charset="0"/>
+                <a:cs typeface="Arial" panose="020B0604020202020204" pitchFamily="34" charset="0"/>
+                <a:sym typeface="Overpass"/>
+              </a:rPr>
+              <a:t>événement</a:t>
+            </a:r>
+            <a:r>
+              <a:rPr lang="fr-CA" sz="2400" dirty="0">
+                <a:latin typeface="Arial" panose="020B0604020202020204" pitchFamily="34" charset="0"/>
+                <a:cs typeface="Arial" panose="020B0604020202020204" pitchFamily="34" charset="0"/>
+                <a:sym typeface="Overpass"/>
+              </a:rPr>
+              <a:t> potentiel</a:t>
+            </a:r>
+          </a:p>
+          <a:p>
+            <a:pPr marL="457200" indent="-457200">
+              <a:spcBef>
+                <a:spcPts val="1067"/>
+              </a:spcBef>
+              <a:buFont typeface="Arial" panose="020B0604020202020204" pitchFamily="34" charset="0"/>
+              <a:buChar char="•"/>
+            </a:pPr>
+            <a:r>
+              <a:rPr lang="fr-CA" sz="2400" dirty="0">
+                <a:latin typeface="Arial" panose="020B0604020202020204" pitchFamily="34" charset="0"/>
+                <a:cs typeface="Arial" panose="020B0604020202020204" pitchFamily="34" charset="0"/>
+                <a:sym typeface="Overpass"/>
+              </a:rPr>
+              <a:t>Génération de </a:t>
+            </a:r>
+            <a:r>
+              <a:rPr lang="fr-CA" sz="2400" b="1" dirty="0">
+                <a:latin typeface="Arial" panose="020B0604020202020204" pitchFamily="34" charset="0"/>
+                <a:cs typeface="Arial" panose="020B0604020202020204" pitchFamily="34" charset="0"/>
+                <a:sym typeface="Overpass"/>
+              </a:rPr>
+              <a:t>données synthétiques</a:t>
+            </a:r>
+          </a:p>
+          <a:p>
+            <a:pPr lvl="1" indent="0">
+              <a:spcBef>
+                <a:spcPts val="1067"/>
+              </a:spcBef>
+              <a:buNone/>
+            </a:pPr>
+            <a:endParaRPr lang="fr-FR" sz="2400" i="1" dirty="0">
               <a:solidFill>
-                <a:srgbClr val="242625">
-                  <a:tint val="75000"/>
-                </a:srgbClr>
+                <a:schemeClr val="accent1"/>
               </a:solidFill>
-              <a:latin typeface="Calibri" panose="020F0502020204030204"/>
+              <a:latin typeface="Arial" panose="020B0604020202020204" pitchFamily="34" charset="0"/>
+              <a:cs typeface="Arial" panose="020B0604020202020204" pitchFamily="34" charset="0"/>
+              <a:sym typeface="Overpass"/>
             </a:endParaRPr>
           </a:p>
         </p:txBody>
       </p:sp>
       <p:sp>
         <p:nvSpPr>
-          <p:cNvPr id="4" name="Titre 3">
+          <p:cNvPr id="6" name="Google Shape;95;p2">
             <a:extLst>
               <a:ext uri="{FF2B5EF4-FFF2-40B4-BE49-F238E27FC236}">
-                <a16:creationId xmlns:a16="http://schemas.microsoft.com/office/drawing/2014/main" id="{798B114A-7065-AA3D-0295-B13664BF360B}"/>
+                <a16:creationId xmlns:a16="http://schemas.microsoft.com/office/drawing/2014/main" id="{BA570C38-B221-43C7-82A1-F0D688BC15C3}"/>
               </a:ext>
             </a:extLst>
           </p:cNvPr>
-          <p:cNvSpPr>
-            <a:spLocks noGrp="1"/>
-          </p:cNvSpPr>
-          <p:nvPr>
-            <p:ph type="title"/>
-          </p:nvPr>
+          <p:cNvSpPr/>
+          <p:nvPr/>
         </p:nvSpPr>
-        <p:spPr/>
+        <p:spPr>
+          <a:xfrm>
+            <a:off x="0" y="6575116"/>
+            <a:ext cx="12192000" cy="282884"/>
+          </a:xfrm>
+          <a:prstGeom prst="rect">
+            <a:avLst/>
+          </a:prstGeom>
+          <a:solidFill>
+            <a:srgbClr val="4FBFA5"/>
+          </a:solidFill>
+          <a:ln>
+            <a:noFill/>
+          </a:ln>
+        </p:spPr>
         <p:txBody>
-          <a:bodyPr/>
+          <a:bodyPr spcFirstLastPara="1" wrap="square" lIns="60950" tIns="60950" rIns="60950" bIns="60950" anchor="ctr" anchorCtr="0">
+            <a:noAutofit/>
+          </a:bodyPr>
           <a:lstStyle/>
           <a:p>
+            <a:endParaRPr sz="1200"/>
+          </a:p>
+        </p:txBody>
+      </p:sp>
+      <p:sp>
+        <p:nvSpPr>
+          <p:cNvPr id="7" name="Google Shape;96;p2">
+            <a:extLst>
+              <a:ext uri="{FF2B5EF4-FFF2-40B4-BE49-F238E27FC236}">
+                <a16:creationId xmlns:a16="http://schemas.microsoft.com/office/drawing/2014/main" id="{A0FD21B8-0AF3-4C63-B01F-1DD0EB3966AE}"/>
+              </a:ext>
+            </a:extLst>
+          </p:cNvPr>
+          <p:cNvSpPr txBox="1"/>
+          <p:nvPr/>
+        </p:nvSpPr>
+        <p:spPr>
+          <a:xfrm>
+            <a:off x="4707650" y="6642889"/>
+            <a:ext cx="2776701" cy="172420"/>
+          </a:xfrm>
+          <a:prstGeom prst="rect">
+            <a:avLst/>
+          </a:prstGeom>
+          <a:noFill/>
+          <a:ln>
+            <a:noFill/>
+          </a:ln>
+        </p:spPr>
+        <p:txBody>
+          <a:bodyPr spcFirstLastPara="1" wrap="square" lIns="0" tIns="0" rIns="0" bIns="0" anchor="t" anchorCtr="0">
+            <a:spAutoFit/>
+          </a:bodyPr>
+          <a:lstStyle/>
+          <a:p>
+            <a:pPr>
+              <a:lnSpc>
+                <a:spcPct val="104996"/>
+              </a:lnSpc>
+            </a:pPr>
             <a:r>
-              <a:rPr lang="fr-FR" dirty="0"/>
-              <a:t>Simulation</a:t>
+              <a:rPr lang="en-US" sz="1067" b="1">
+                <a:solidFill>
+                  <a:srgbClr val="41403C"/>
+                </a:solidFill>
+                <a:latin typeface="Arial"/>
+                <a:ea typeface="Arial"/>
+                <a:cs typeface="Arial"/>
+                <a:sym typeface="Arial"/>
+              </a:rPr>
+              <a:t>Ecole d’été - IA &amp; Alimentation durable</a:t>
             </a:r>
-            <a:endParaRPr lang="fr-CA" dirty="0"/>
+            <a:endParaRPr sz="1200"/>
           </a:p>
         </p:txBody>
       </p:sp>
     </p:spTree>
     <p:extLst>
       <p:ext uri="{BB962C8B-B14F-4D97-AF65-F5344CB8AC3E}">
-        <p14:creationId xmlns:p14="http://schemas.microsoft.com/office/powerpoint/2010/main" val="2299026213"/>
+        <p14:creationId xmlns:p14="http://schemas.microsoft.com/office/powerpoint/2010/main" val="2054663758"/>
       </p:ext>
     </p:extLst>
   </p:cSld>
@@ -39498,808 +39559,269 @@
       </p:grpSpPr>
       <p:sp>
         <p:nvSpPr>
-          <p:cNvPr id="4" name="Google Shape;156;p20">
+          <p:cNvPr id="2" name="Espace réservé du contenu 1">
             <a:extLst>
               <a:ext uri="{FF2B5EF4-FFF2-40B4-BE49-F238E27FC236}">
-                <a16:creationId xmlns:a16="http://schemas.microsoft.com/office/drawing/2014/main" id="{37FE4FD6-0443-49A3-9139-FB2446389BE8}"/>
+                <a16:creationId xmlns:a16="http://schemas.microsoft.com/office/drawing/2014/main" id="{A3D7AA23-9422-47E4-A875-451C2C110AA2}"/>
               </a:ext>
             </a:extLst>
           </p:cNvPr>
-          <p:cNvSpPr txBox="1">
-            <a:spLocks/>
+          <p:cNvSpPr>
+            <a:spLocks noGrp="1"/>
           </p:cNvSpPr>
           <p:nvPr>
-            <p:custDataLst>
-              <p:tags r:id="rId1"/>
-            </p:custDataLst>
+            <p:ph idx="1"/>
           </p:nvPr>
         </p:nvSpPr>
-        <p:spPr>
-          <a:xfrm>
-            <a:off x="972600" y="807900"/>
-            <a:ext cx="10660076" cy="713600"/>
-          </a:xfrm>
-          <a:prstGeom prst="rect">
-            <a:avLst/>
-          </a:prstGeom>
-          <a:noFill/>
-          <a:ln>
-            <a:noFill/>
-          </a:ln>
-        </p:spPr>
+        <p:spPr/>
         <p:txBody>
-          <a:bodyPr spcFirstLastPara="1" wrap="square" lIns="121900" tIns="121900" rIns="121900" bIns="121900" anchor="t" anchorCtr="0">
-            <a:normAutofit fontScale="97500"/>
+          <a:bodyPr>
+            <a:normAutofit fontScale="62500" lnSpcReduction="20000"/>
           </a:bodyPr>
-          <a:lstStyle>
-            <a:defPPr marR="0" lvl="0" algn="l" rtl="0">
-              <a:lnSpc>
-                <a:spcPct val="100000"/>
-              </a:lnSpc>
-              <a:spcBef>
-                <a:spcPts val="0"/>
-              </a:spcBef>
-              <a:spcAft>
-                <a:spcPts val="0"/>
-              </a:spcAft>
-            </a:defPPr>
-            <a:lvl1pPr marR="0" lvl="0" algn="l" rtl="0">
-              <a:lnSpc>
-                <a:spcPct val="100000"/>
-              </a:lnSpc>
-              <a:spcBef>
-                <a:spcPts val="0"/>
-              </a:spcBef>
-              <a:spcAft>
-                <a:spcPts val="0"/>
-              </a:spcAft>
-              <a:buClr>
-                <a:schemeClr val="dk2"/>
-              </a:buClr>
-              <a:buSzPts val="2600"/>
-              <a:buFont typeface="Raleway"/>
-              <a:buNone/>
-              <a:defRPr sz="2600" b="1" i="0" u="none" strike="noStrike" cap="none">
-                <a:solidFill>
-                  <a:schemeClr val="dk2"/>
-                </a:solidFill>
-                <a:latin typeface="Raleway"/>
-                <a:ea typeface="Raleway"/>
-                <a:cs typeface="Raleway"/>
-                <a:sym typeface="Raleway"/>
-              </a:defRPr>
-            </a:lvl1pPr>
-            <a:lvl2pPr marR="0" lvl="1" algn="l" rtl="0">
-              <a:lnSpc>
-                <a:spcPct val="100000"/>
-              </a:lnSpc>
-              <a:spcBef>
-                <a:spcPts val="0"/>
-              </a:spcBef>
-              <a:spcAft>
-                <a:spcPts val="0"/>
-              </a:spcAft>
-              <a:buClr>
-                <a:schemeClr val="dk2"/>
-              </a:buClr>
-              <a:buSzPts val="2600"/>
-              <a:buFont typeface="Raleway"/>
-              <a:buNone/>
-              <a:defRPr sz="2600" b="1" i="0" u="none" strike="noStrike" cap="none">
-                <a:solidFill>
-                  <a:schemeClr val="dk2"/>
-                </a:solidFill>
-                <a:latin typeface="Raleway"/>
-                <a:ea typeface="Raleway"/>
-                <a:cs typeface="Raleway"/>
-                <a:sym typeface="Raleway"/>
-              </a:defRPr>
-            </a:lvl2pPr>
-            <a:lvl3pPr marR="0" lvl="2" algn="l" rtl="0">
-              <a:lnSpc>
-                <a:spcPct val="100000"/>
-              </a:lnSpc>
-              <a:spcBef>
-                <a:spcPts val="0"/>
-              </a:spcBef>
-              <a:spcAft>
-                <a:spcPts val="0"/>
-              </a:spcAft>
-              <a:buClr>
-                <a:schemeClr val="dk2"/>
-              </a:buClr>
-              <a:buSzPts val="2600"/>
-              <a:buFont typeface="Raleway"/>
-              <a:buNone/>
-              <a:defRPr sz="2600" b="1" i="0" u="none" strike="noStrike" cap="none">
-                <a:solidFill>
-                  <a:schemeClr val="dk2"/>
-                </a:solidFill>
-                <a:latin typeface="Raleway"/>
-                <a:ea typeface="Raleway"/>
-                <a:cs typeface="Raleway"/>
-                <a:sym typeface="Raleway"/>
-              </a:defRPr>
-            </a:lvl3pPr>
-            <a:lvl4pPr marR="0" lvl="3" algn="l" rtl="0">
-              <a:lnSpc>
-                <a:spcPct val="100000"/>
-              </a:lnSpc>
-              <a:spcBef>
-                <a:spcPts val="0"/>
-              </a:spcBef>
-              <a:spcAft>
-                <a:spcPts val="0"/>
-              </a:spcAft>
-              <a:buClr>
-                <a:schemeClr val="dk2"/>
-              </a:buClr>
-              <a:buSzPts val="2600"/>
-              <a:buFont typeface="Raleway"/>
-              <a:buNone/>
-              <a:defRPr sz="2600" b="1" i="0" u="none" strike="noStrike" cap="none">
-                <a:solidFill>
-                  <a:schemeClr val="dk2"/>
-                </a:solidFill>
-                <a:latin typeface="Raleway"/>
-                <a:ea typeface="Raleway"/>
-                <a:cs typeface="Raleway"/>
-                <a:sym typeface="Raleway"/>
-              </a:defRPr>
-            </a:lvl4pPr>
-            <a:lvl5pPr marR="0" lvl="4" algn="l" rtl="0">
-              <a:lnSpc>
-                <a:spcPct val="100000"/>
-              </a:lnSpc>
-              <a:spcBef>
-                <a:spcPts val="0"/>
-              </a:spcBef>
-              <a:spcAft>
-                <a:spcPts val="0"/>
-              </a:spcAft>
-              <a:buClr>
-                <a:schemeClr val="dk2"/>
-              </a:buClr>
-              <a:buSzPts val="2600"/>
-              <a:buFont typeface="Raleway"/>
-              <a:buNone/>
-              <a:defRPr sz="2600" b="1" i="0" u="none" strike="noStrike" cap="none">
-                <a:solidFill>
-                  <a:schemeClr val="dk2"/>
-                </a:solidFill>
-                <a:latin typeface="Raleway"/>
-                <a:ea typeface="Raleway"/>
-                <a:cs typeface="Raleway"/>
-                <a:sym typeface="Raleway"/>
-              </a:defRPr>
-            </a:lvl5pPr>
-            <a:lvl6pPr marR="0" lvl="5" algn="l" rtl="0">
-              <a:lnSpc>
-                <a:spcPct val="100000"/>
-              </a:lnSpc>
-              <a:spcBef>
-                <a:spcPts val="0"/>
-              </a:spcBef>
-              <a:spcAft>
-                <a:spcPts val="0"/>
-              </a:spcAft>
-              <a:buClr>
-                <a:schemeClr val="dk2"/>
-              </a:buClr>
-              <a:buSzPts val="2600"/>
-              <a:buFont typeface="Raleway"/>
-              <a:buNone/>
-              <a:defRPr sz="2600" b="1" i="0" u="none" strike="noStrike" cap="none">
-                <a:solidFill>
-                  <a:schemeClr val="dk2"/>
-                </a:solidFill>
-                <a:latin typeface="Raleway"/>
-                <a:ea typeface="Raleway"/>
-                <a:cs typeface="Raleway"/>
-                <a:sym typeface="Raleway"/>
-              </a:defRPr>
-            </a:lvl6pPr>
-            <a:lvl7pPr marR="0" lvl="6" algn="l" rtl="0">
-              <a:lnSpc>
-                <a:spcPct val="100000"/>
-              </a:lnSpc>
-              <a:spcBef>
-                <a:spcPts val="0"/>
-              </a:spcBef>
-              <a:spcAft>
-                <a:spcPts val="0"/>
-              </a:spcAft>
-              <a:buClr>
-                <a:schemeClr val="dk2"/>
-              </a:buClr>
-              <a:buSzPts val="2600"/>
-              <a:buFont typeface="Raleway"/>
-              <a:buNone/>
-              <a:defRPr sz="2600" b="1" i="0" u="none" strike="noStrike" cap="none">
-                <a:solidFill>
-                  <a:schemeClr val="dk2"/>
-                </a:solidFill>
-                <a:latin typeface="Raleway"/>
-                <a:ea typeface="Raleway"/>
-                <a:cs typeface="Raleway"/>
-                <a:sym typeface="Raleway"/>
-              </a:defRPr>
-            </a:lvl7pPr>
-            <a:lvl8pPr marR="0" lvl="7" algn="l" rtl="0">
-              <a:lnSpc>
-                <a:spcPct val="100000"/>
-              </a:lnSpc>
-              <a:spcBef>
-                <a:spcPts val="0"/>
-              </a:spcBef>
-              <a:spcAft>
-                <a:spcPts val="0"/>
-              </a:spcAft>
-              <a:buClr>
-                <a:schemeClr val="dk2"/>
-              </a:buClr>
-              <a:buSzPts val="2600"/>
-              <a:buFont typeface="Raleway"/>
-              <a:buNone/>
-              <a:defRPr sz="2600" b="1" i="0" u="none" strike="noStrike" cap="none">
-                <a:solidFill>
-                  <a:schemeClr val="dk2"/>
-                </a:solidFill>
-                <a:latin typeface="Raleway"/>
-                <a:ea typeface="Raleway"/>
-                <a:cs typeface="Raleway"/>
-                <a:sym typeface="Raleway"/>
-              </a:defRPr>
-            </a:lvl8pPr>
-            <a:lvl9pPr marR="0" lvl="8" algn="l" rtl="0">
-              <a:lnSpc>
-                <a:spcPct val="100000"/>
-              </a:lnSpc>
-              <a:spcBef>
-                <a:spcPts val="0"/>
-              </a:spcBef>
-              <a:spcAft>
-                <a:spcPts val="0"/>
-              </a:spcAft>
-              <a:buClr>
-                <a:schemeClr val="dk2"/>
-              </a:buClr>
-              <a:buSzPts val="2600"/>
-              <a:buFont typeface="Raleway"/>
-              <a:buNone/>
-              <a:defRPr sz="2600" b="1" i="0" u="none" strike="noStrike" cap="none">
-                <a:solidFill>
-                  <a:schemeClr val="dk2"/>
-                </a:solidFill>
-                <a:latin typeface="Raleway"/>
-                <a:ea typeface="Raleway"/>
-                <a:cs typeface="Raleway"/>
-                <a:sym typeface="Raleway"/>
-              </a:defRPr>
-            </a:lvl9pPr>
-          </a:lstStyle>
+          <a:lstStyle/>
+          <a:p>
+            <a:pPr>
+              <a:spcBef>
+                <a:spcPts val="300"/>
+              </a:spcBef>
+            </a:pPr>
+            <a:r>
+              <a:rPr lang="fr-CA" sz="2600" dirty="0"/>
+              <a:t>Tableurs (ex: Excel)</a:t>
+            </a:r>
+          </a:p>
+          <a:p>
+            <a:pPr lvl="1">
+              <a:spcBef>
+                <a:spcPts val="300"/>
+              </a:spcBef>
+            </a:pPr>
+            <a:r>
+              <a:rPr lang="fr-CA" sz="2600" dirty="0"/>
+              <a:t>Pour modèles statiques seulement (ou bien modèles dynamiques très simples)</a:t>
+            </a:r>
+          </a:p>
+          <a:p>
+            <a:pPr lvl="1">
+              <a:spcBef>
+                <a:spcPts val="300"/>
+              </a:spcBef>
+            </a:pPr>
+            <a:r>
+              <a:rPr lang="fr-CA" sz="2600" dirty="0"/>
+              <a:t>En pratique, plusieurs problèmes peuvent être utilisés de cette façon</a:t>
+            </a:r>
+          </a:p>
+          <a:p>
+            <a:pPr lvl="1">
+              <a:spcBef>
+                <a:spcPts val="300"/>
+              </a:spcBef>
+            </a:pPr>
+            <a:r>
+              <a:rPr lang="fr-CA" sz="2600" dirty="0"/>
+              <a:t>Modules complémentaires disponibles (@RISK, Crystal Ball)</a:t>
+            </a:r>
+          </a:p>
+          <a:p>
+            <a:pPr lvl="1">
+              <a:spcBef>
+                <a:spcPts val="300"/>
+              </a:spcBef>
+            </a:pPr>
+            <a:endParaRPr lang="fr-CA" sz="2600" dirty="0"/>
+          </a:p>
+          <a:p>
+            <a:pPr>
+              <a:spcBef>
+                <a:spcPts val="300"/>
+              </a:spcBef>
+            </a:pPr>
+            <a:r>
+              <a:rPr lang="fr-CA" sz="2600" dirty="0"/>
+              <a:t>Langages de programmation génériques (C++, C#, Java, VB, Matlab, autres)</a:t>
+            </a:r>
+          </a:p>
+          <a:p>
+            <a:pPr lvl="1">
+              <a:spcBef>
+                <a:spcPts val="300"/>
+              </a:spcBef>
+            </a:pPr>
+            <a:r>
+              <a:rPr lang="fr-CA" sz="2600" dirty="0"/>
+              <a:t>Développement de bas niveau; risque d’erreurs élevé</a:t>
+            </a:r>
+          </a:p>
+          <a:p>
+            <a:pPr lvl="1">
+              <a:spcBef>
+                <a:spcPts val="300"/>
+              </a:spcBef>
+            </a:pPr>
+            <a:r>
+              <a:rPr lang="fr-CA" sz="2600" dirty="0"/>
+              <a:t>Mais très flexible (aucune limite)</a:t>
+            </a:r>
+          </a:p>
+          <a:p>
+            <a:endParaRPr lang="fr-CA" dirty="0"/>
+          </a:p>
           <a:p>
             <a:r>
-              <a:rPr lang="fr-FR" sz="2800" dirty="0">
-                <a:solidFill>
-                  <a:schemeClr val="tx1"/>
-                </a:solidFill>
-                <a:latin typeface="Arial" panose="020B0604020202020204" pitchFamily="34" charset="0"/>
-                <a:cs typeface="Arial" panose="020B0604020202020204" pitchFamily="34" charset="0"/>
+              <a:rPr lang="fr-CA" dirty="0"/>
+              <a:t>Librairies de programmation</a:t>
+            </a:r>
+          </a:p>
+          <a:p>
+            <a:pPr lvl="1"/>
+            <a:r>
+              <a:rPr lang="fr-CA" dirty="0" err="1">
+                <a:highlight>
+                  <a:srgbClr val="FFFF00"/>
+                </a:highlight>
               </a:rPr>
-              <a:t>Pourquoi simuler?</a:t>
+              <a:t>SimPy</a:t>
             </a:r>
+            <a:r>
+              <a:rPr lang="fr-CA" dirty="0"/>
+              <a:t>, </a:t>
+            </a:r>
+            <a:r>
+              <a:rPr lang="fr-CA" dirty="0" err="1"/>
+              <a:t>Simnet</a:t>
+            </a:r>
+            <a:r>
+              <a:rPr lang="fr-CA" dirty="0"/>
+              <a:t>, </a:t>
+            </a:r>
+            <a:r>
+              <a:rPr lang="fr-CA" dirty="0" err="1"/>
+              <a:t>GoNan</a:t>
+            </a:r>
+            <a:r>
+              <a:rPr lang="fr-CA" dirty="0"/>
+              <a:t>, etc..</a:t>
+            </a:r>
+          </a:p>
+          <a:p>
+            <a:pPr>
+              <a:spcBef>
+                <a:spcPts val="300"/>
+              </a:spcBef>
+            </a:pPr>
+            <a:endParaRPr lang="fr-CA" sz="3400" dirty="0"/>
+          </a:p>
+          <a:p>
+            <a:pPr eaLnBrk="1" hangingPunct="1"/>
+            <a:r>
+              <a:rPr lang="fr-CA" dirty="0"/>
+              <a:t>Langages de simulation</a:t>
+            </a:r>
+          </a:p>
+          <a:p>
+            <a:pPr lvl="1" eaLnBrk="1" hangingPunct="1"/>
+            <a:r>
+              <a:rPr lang="fr-CA" dirty="0"/>
+              <a:t>GPSS, SLX, SIMAN…</a:t>
+            </a:r>
+          </a:p>
+          <a:p>
+            <a:pPr lvl="1"/>
+            <a:endParaRPr lang="fr-CA" dirty="0"/>
+          </a:p>
+          <a:p>
+            <a:pPr eaLnBrk="1" hangingPunct="1"/>
+            <a:r>
+              <a:rPr lang="fr-CA" dirty="0"/>
+              <a:t>Logiciels spécialisés (ex: </a:t>
+            </a:r>
+            <a:r>
+              <a:rPr lang="fr-CA" dirty="0" err="1">
+                <a:highlight>
+                  <a:srgbClr val="FFFF00"/>
+                </a:highlight>
+              </a:rPr>
+              <a:t>Simio</a:t>
+            </a:r>
+            <a:r>
+              <a:rPr lang="fr-CA" dirty="0"/>
+              <a:t>, Arena, </a:t>
+            </a:r>
+            <a:r>
+              <a:rPr lang="fr-CA" dirty="0" err="1"/>
+              <a:t>FlexSim</a:t>
+            </a:r>
+            <a:r>
+              <a:rPr lang="fr-CA" dirty="0"/>
+              <a:t>)</a:t>
+            </a:r>
+          </a:p>
+          <a:p>
+            <a:pPr lvl="1" eaLnBrk="1" hangingPunct="1"/>
+            <a:r>
+              <a:rPr lang="fr-CA" dirty="0"/>
+              <a:t>La génération suivante</a:t>
+            </a:r>
+          </a:p>
+          <a:p>
+            <a:pPr lvl="1" eaLnBrk="1" hangingPunct="1"/>
+            <a:r>
+              <a:rPr lang="fr-CA" dirty="0"/>
+              <a:t>Programmation visuelle</a:t>
+            </a:r>
+          </a:p>
+          <a:p>
+            <a:pPr lvl="1" eaLnBrk="1" hangingPunct="1"/>
+            <a:r>
+              <a:rPr lang="fr-CA" dirty="0"/>
+              <a:t>Parfois des versions spécialisées pour certains domaines (ex: manufacturier)</a:t>
+            </a:r>
+          </a:p>
+          <a:p>
+            <a:pPr lvl="1" eaLnBrk="1" hangingPunct="1"/>
+            <a:r>
+              <a:rPr lang="fr-CA" dirty="0"/>
+              <a:t>Apprentissage rapide</a:t>
+            </a:r>
+          </a:p>
+          <a:p>
+            <a:endParaRPr lang="fr-CA" dirty="0"/>
           </a:p>
         </p:txBody>
       </p:sp>
       <p:sp>
         <p:nvSpPr>
-          <p:cNvPr id="11" name="Google Shape;309;p23">
+          <p:cNvPr id="3" name="Titre 2">
             <a:extLst>
               <a:ext uri="{FF2B5EF4-FFF2-40B4-BE49-F238E27FC236}">
-                <a16:creationId xmlns:a16="http://schemas.microsoft.com/office/drawing/2014/main" id="{58B2142D-6FB6-4419-9CEA-26BD662700E4}"/>
+                <a16:creationId xmlns:a16="http://schemas.microsoft.com/office/drawing/2014/main" id="{11698E20-7042-4531-86D2-5F631549AFDB}"/>
               </a:ext>
             </a:extLst>
           </p:cNvPr>
-          <p:cNvSpPr txBox="1">
-            <a:spLocks/>
+          <p:cNvSpPr>
+            <a:spLocks noGrp="1"/>
           </p:cNvSpPr>
-          <p:nvPr/>
+          <p:nvPr>
+            <p:ph type="title"/>
+          </p:nvPr>
         </p:nvSpPr>
-        <p:spPr>
-          <a:xfrm>
-            <a:off x="1083825" y="1993324"/>
-            <a:ext cx="9266806" cy="3889002"/>
-          </a:xfrm>
-          <a:prstGeom prst="rect">
-            <a:avLst/>
-          </a:prstGeom>
-          <a:noFill/>
-        </p:spPr>
+        <p:spPr/>
         <p:txBody>
-          <a:bodyPr spcFirstLastPara="1" vert="horz" wrap="square" lIns="0" tIns="0" rIns="0" bIns="0" rtlCol="0" anchor="t" anchorCtr="0">
-            <a:noAutofit/>
-          </a:bodyPr>
-          <a:lstStyle>
-            <a:lvl1pPr marL="0" indent="0" algn="l" defTabSz="914400" rtl="0" eaLnBrk="1" latinLnBrk="0" hangingPunct="1">
-              <a:lnSpc>
-                <a:spcPct val="90000"/>
-              </a:lnSpc>
-              <a:spcBef>
-                <a:spcPts val="1000"/>
-              </a:spcBef>
-              <a:buClr>
-                <a:schemeClr val="tx2"/>
-              </a:buClr>
-              <a:buFont typeface="Arial" panose="020B0604020202020204" pitchFamily="34" charset="0"/>
-              <a:buNone/>
-              <a:defRPr sz="4000" b="0" i="0" kern="1200">
-                <a:solidFill>
-                  <a:schemeClr val="tx1"/>
-                </a:solidFill>
-                <a:latin typeface="Overpass Light" pitchFamily="2" charset="77"/>
-                <a:ea typeface="+mn-ea"/>
-                <a:cs typeface="+mn-cs"/>
-              </a:defRPr>
-            </a:lvl1pPr>
-            <a:lvl2pPr marL="685800" indent="-228600" algn="l" defTabSz="914400" rtl="0" eaLnBrk="1" latinLnBrk="0" hangingPunct="1">
-              <a:lnSpc>
-                <a:spcPct val="90000"/>
-              </a:lnSpc>
-              <a:spcBef>
-                <a:spcPts val="1000"/>
-              </a:spcBef>
-              <a:buClr>
-                <a:schemeClr val="tx2"/>
-              </a:buClr>
-              <a:buFont typeface="Arial" panose="020B0604020202020204" pitchFamily="34" charset="0"/>
-              <a:buChar char="•"/>
-              <a:defRPr sz="3600" b="0" i="0" kern="1200">
-                <a:solidFill>
-                  <a:schemeClr val="tx1"/>
-                </a:solidFill>
-                <a:latin typeface="Overpass Light" pitchFamily="2" charset="77"/>
-                <a:ea typeface="+mn-ea"/>
-                <a:cs typeface="+mn-cs"/>
-              </a:defRPr>
-            </a:lvl2pPr>
-            <a:lvl3pPr marL="1143000" indent="-228600" algn="l" defTabSz="914400" rtl="0" eaLnBrk="1" latinLnBrk="0" hangingPunct="1">
-              <a:lnSpc>
-                <a:spcPct val="90000"/>
-              </a:lnSpc>
-              <a:spcBef>
-                <a:spcPts val="600"/>
-              </a:spcBef>
-              <a:buClr>
-                <a:schemeClr val="tx2"/>
-              </a:buClr>
-              <a:buFont typeface="Arial" panose="020B0604020202020204" pitchFamily="34" charset="0"/>
-              <a:buChar char="•"/>
-              <a:defRPr sz="3200" b="0" i="0" kern="1200">
-                <a:solidFill>
-                  <a:schemeClr val="tx1"/>
-                </a:solidFill>
-                <a:latin typeface="Overpass Light" pitchFamily="2" charset="77"/>
-                <a:ea typeface="+mn-ea"/>
-                <a:cs typeface="+mn-cs"/>
-              </a:defRPr>
-            </a:lvl3pPr>
-            <a:lvl4pPr marL="1600200" indent="-228600" algn="l" defTabSz="914400" rtl="0" eaLnBrk="1" latinLnBrk="0" hangingPunct="1">
-              <a:lnSpc>
-                <a:spcPct val="90000"/>
-              </a:lnSpc>
-              <a:spcBef>
-                <a:spcPts val="300"/>
-              </a:spcBef>
-              <a:buClr>
-                <a:schemeClr val="tx2"/>
-              </a:buClr>
-              <a:buFont typeface="Arial" panose="020B0604020202020204" pitchFamily="34" charset="0"/>
-              <a:buChar char="•"/>
-              <a:defRPr sz="2400" b="0" i="0" kern="1200">
-                <a:solidFill>
-                  <a:schemeClr val="tx1"/>
-                </a:solidFill>
-                <a:latin typeface="Overpass Light" pitchFamily="2" charset="77"/>
-                <a:ea typeface="+mn-ea"/>
-                <a:cs typeface="+mn-cs"/>
-              </a:defRPr>
-            </a:lvl4pPr>
-            <a:lvl5pPr marL="2057400" indent="-228600" algn="l" defTabSz="914400" rtl="0" eaLnBrk="1" latinLnBrk="0" hangingPunct="1">
-              <a:lnSpc>
-                <a:spcPct val="90000"/>
-              </a:lnSpc>
-              <a:spcBef>
-                <a:spcPts val="500"/>
-              </a:spcBef>
-              <a:buClr>
-                <a:schemeClr val="tx2"/>
-              </a:buClr>
-              <a:buFont typeface="Arial" panose="020B0604020202020204" pitchFamily="34" charset="0"/>
-              <a:buChar char="•"/>
-              <a:defRPr sz="2000" b="0" i="0" kern="1200">
-                <a:solidFill>
-                  <a:schemeClr val="tx1"/>
-                </a:solidFill>
-                <a:latin typeface="Overpass Light" pitchFamily="2" charset="77"/>
-                <a:ea typeface="+mn-ea"/>
-                <a:cs typeface="+mn-cs"/>
-              </a:defRPr>
-            </a:lvl5pPr>
-            <a:lvl6pPr marL="2514600" indent="-228600" algn="l" defTabSz="914400" rtl="0" eaLnBrk="1" latinLnBrk="0" hangingPunct="1">
-              <a:lnSpc>
-                <a:spcPct val="90000"/>
-              </a:lnSpc>
-              <a:spcBef>
-                <a:spcPts val="500"/>
-              </a:spcBef>
-              <a:buFont typeface="Arial" panose="020B0604020202020204" pitchFamily="34" charset="0"/>
-              <a:buChar char="•"/>
-              <a:defRPr sz="1800" kern="1200">
-                <a:solidFill>
-                  <a:schemeClr val="tx1"/>
-                </a:solidFill>
-                <a:latin typeface="+mn-lt"/>
-                <a:ea typeface="+mn-ea"/>
-                <a:cs typeface="+mn-cs"/>
-              </a:defRPr>
-            </a:lvl6pPr>
-            <a:lvl7pPr marL="2971800" indent="-228600" algn="l" defTabSz="914400" rtl="0" eaLnBrk="1" latinLnBrk="0" hangingPunct="1">
-              <a:lnSpc>
-                <a:spcPct val="90000"/>
-              </a:lnSpc>
-              <a:spcBef>
-                <a:spcPts val="500"/>
-              </a:spcBef>
-              <a:buFont typeface="Arial" panose="020B0604020202020204" pitchFamily="34" charset="0"/>
-              <a:buChar char="•"/>
-              <a:defRPr sz="1800" kern="1200">
-                <a:solidFill>
-                  <a:schemeClr val="tx1"/>
-                </a:solidFill>
-                <a:latin typeface="+mn-lt"/>
-                <a:ea typeface="+mn-ea"/>
-                <a:cs typeface="+mn-cs"/>
-              </a:defRPr>
-            </a:lvl7pPr>
-            <a:lvl8pPr marL="3429000" indent="-228600" algn="l" defTabSz="914400" rtl="0" eaLnBrk="1" latinLnBrk="0" hangingPunct="1">
-              <a:lnSpc>
-                <a:spcPct val="90000"/>
-              </a:lnSpc>
-              <a:spcBef>
-                <a:spcPts val="500"/>
-              </a:spcBef>
-              <a:buFont typeface="Arial" panose="020B0604020202020204" pitchFamily="34" charset="0"/>
-              <a:buChar char="•"/>
-              <a:defRPr sz="1800" kern="1200">
-                <a:solidFill>
-                  <a:schemeClr val="tx1"/>
-                </a:solidFill>
-                <a:latin typeface="+mn-lt"/>
-                <a:ea typeface="+mn-ea"/>
-                <a:cs typeface="+mn-cs"/>
-              </a:defRPr>
-            </a:lvl8pPr>
-            <a:lvl9pPr marL="3886200" indent="-228600" algn="l" defTabSz="914400" rtl="0" eaLnBrk="1" latinLnBrk="0" hangingPunct="1">
-              <a:lnSpc>
-                <a:spcPct val="90000"/>
-              </a:lnSpc>
-              <a:spcBef>
-                <a:spcPts val="500"/>
-              </a:spcBef>
-              <a:buFont typeface="Arial" panose="020B0604020202020204" pitchFamily="34" charset="0"/>
-              <a:buChar char="•"/>
-              <a:defRPr sz="1800" kern="1200">
-                <a:solidFill>
-                  <a:schemeClr val="tx1"/>
-                </a:solidFill>
-                <a:latin typeface="+mn-lt"/>
-                <a:ea typeface="+mn-ea"/>
-                <a:cs typeface="+mn-cs"/>
-              </a:defRPr>
-            </a:lvl9pPr>
-          </a:lstStyle>
-          <a:p>
-            <a:pPr marL="457200" indent="-457200">
-              <a:spcBef>
-                <a:spcPts val="1067"/>
-              </a:spcBef>
-              <a:buFont typeface="Arial" panose="020B0604020202020204" pitchFamily="34" charset="0"/>
-              <a:buChar char="•"/>
-            </a:pPr>
-            <a:r>
-              <a:rPr lang="fr-CA" sz="2400" dirty="0">
-                <a:latin typeface="Arial" panose="020B0604020202020204" pitchFamily="34" charset="0"/>
-                <a:cs typeface="Arial" panose="020B0604020202020204" pitchFamily="34" charset="0"/>
-                <a:sym typeface="Overpass"/>
-              </a:rPr>
-              <a:t>Évaluer un </a:t>
-            </a:r>
-            <a:r>
-              <a:rPr lang="fr-CA" sz="2400" b="1" dirty="0">
-                <a:latin typeface="Arial" panose="020B0604020202020204" pitchFamily="34" charset="0"/>
-                <a:cs typeface="Arial" panose="020B0604020202020204" pitchFamily="34" charset="0"/>
-                <a:sym typeface="Overpass"/>
-              </a:rPr>
-              <a:t>système complexe avant sa construction </a:t>
-            </a:r>
-            <a:r>
-              <a:rPr lang="fr-CA" sz="2400" dirty="0">
-                <a:latin typeface="Arial" panose="020B0604020202020204" pitchFamily="34" charset="0"/>
-                <a:cs typeface="Arial" panose="020B0604020202020204" pitchFamily="34" charset="0"/>
-                <a:sym typeface="Overpass"/>
-              </a:rPr>
-              <a:t>(ex: une usine) et comparer différentes alternatives dans le but de faire le bon choix</a:t>
-            </a:r>
-          </a:p>
-          <a:p>
-            <a:pPr marL="457200" indent="-457200">
-              <a:spcBef>
-                <a:spcPts val="1067"/>
-              </a:spcBef>
-              <a:buFont typeface="Arial" panose="020B0604020202020204" pitchFamily="34" charset="0"/>
-              <a:buChar char="•"/>
-            </a:pPr>
-            <a:r>
-              <a:rPr lang="fr-CA" sz="2400" dirty="0">
-                <a:latin typeface="Arial" panose="020B0604020202020204" pitchFamily="34" charset="0"/>
-                <a:cs typeface="Arial" panose="020B0604020202020204" pitchFamily="34" charset="0"/>
-                <a:sym typeface="Overpass"/>
-              </a:rPr>
-              <a:t>Évaluer différentes </a:t>
-            </a:r>
-            <a:r>
-              <a:rPr lang="fr-CA" sz="2400" b="1" dirty="0">
-                <a:latin typeface="Arial" panose="020B0604020202020204" pitchFamily="34" charset="0"/>
-                <a:cs typeface="Arial" panose="020B0604020202020204" pitchFamily="34" charset="0"/>
-                <a:sym typeface="Overpass"/>
-              </a:rPr>
-              <a:t>modifications</a:t>
-            </a:r>
-            <a:r>
-              <a:rPr lang="fr-CA" sz="2400" dirty="0">
-                <a:latin typeface="Arial" panose="020B0604020202020204" pitchFamily="34" charset="0"/>
-                <a:cs typeface="Arial" panose="020B0604020202020204" pitchFamily="34" charset="0"/>
-                <a:sym typeface="Overpass"/>
-              </a:rPr>
-              <a:t> qui pourraient être apportées à un système</a:t>
-            </a:r>
-          </a:p>
-          <a:p>
-            <a:pPr marL="457200" indent="-457200">
-              <a:spcBef>
-                <a:spcPts val="1067"/>
-              </a:spcBef>
-              <a:buFont typeface="Arial" panose="020B0604020202020204" pitchFamily="34" charset="0"/>
-              <a:buChar char="•"/>
-            </a:pPr>
-            <a:r>
-              <a:rPr lang="fr-CA" sz="2400" dirty="0">
-                <a:latin typeface="Arial" panose="020B0604020202020204" pitchFamily="34" charset="0"/>
-                <a:cs typeface="Arial" panose="020B0604020202020204" pitchFamily="34" charset="0"/>
-                <a:sym typeface="Overpass"/>
-              </a:rPr>
-              <a:t>Évaluer différentes </a:t>
-            </a:r>
-            <a:r>
-              <a:rPr lang="fr-CA" sz="2400" b="1" dirty="0">
-                <a:latin typeface="Arial" panose="020B0604020202020204" pitchFamily="34" charset="0"/>
-                <a:cs typeface="Arial" panose="020B0604020202020204" pitchFamily="34" charset="0"/>
-                <a:sym typeface="Overpass"/>
-              </a:rPr>
-              <a:t>politiques pour l’opération d’un système </a:t>
-            </a:r>
-            <a:r>
-              <a:rPr lang="fr-CA" sz="2400" dirty="0">
-                <a:latin typeface="Arial" panose="020B0604020202020204" pitchFamily="34" charset="0"/>
-                <a:cs typeface="Arial" panose="020B0604020202020204" pitchFamily="34" charset="0"/>
-                <a:sym typeface="Overpass"/>
-              </a:rPr>
-              <a:t>(e.g. règles pour le pilotage d’un système manufacturier)</a:t>
-            </a:r>
-          </a:p>
-          <a:p>
-            <a:pPr marL="457200" indent="-457200">
-              <a:spcBef>
-                <a:spcPts val="1067"/>
-              </a:spcBef>
-              <a:buFont typeface="Arial" panose="020B0604020202020204" pitchFamily="34" charset="0"/>
-              <a:buChar char="•"/>
-            </a:pPr>
-            <a:r>
-              <a:rPr lang="fr-CA" sz="2400" dirty="0">
-                <a:latin typeface="Arial" panose="020B0604020202020204" pitchFamily="34" charset="0"/>
-                <a:cs typeface="Arial" panose="020B0604020202020204" pitchFamily="34" charset="0"/>
-                <a:sym typeface="Overpass"/>
-              </a:rPr>
-              <a:t>Apprendre sur un </a:t>
-            </a:r>
-            <a:r>
-              <a:rPr lang="fr-CA" sz="2400" b="1" dirty="0">
-                <a:latin typeface="Arial" panose="020B0604020202020204" pitchFamily="34" charset="0"/>
-                <a:cs typeface="Arial" panose="020B0604020202020204" pitchFamily="34" charset="0"/>
-                <a:sym typeface="Overpass"/>
-              </a:rPr>
-              <a:t>phénomène</a:t>
-            </a:r>
-            <a:r>
-              <a:rPr lang="fr-CA" sz="2400" dirty="0">
-                <a:latin typeface="Arial" panose="020B0604020202020204" pitchFamily="34" charset="0"/>
-                <a:cs typeface="Arial" panose="020B0604020202020204" pitchFamily="34" charset="0"/>
-                <a:sym typeface="Overpass"/>
-              </a:rPr>
-              <a:t> mal compris (ex: reproduire un incident)</a:t>
-            </a:r>
-          </a:p>
-          <a:p>
-            <a:pPr marL="457200" indent="-457200">
-              <a:spcBef>
-                <a:spcPts val="1067"/>
-              </a:spcBef>
-              <a:buFont typeface="Arial" panose="020B0604020202020204" pitchFamily="34" charset="0"/>
-              <a:buChar char="•"/>
-            </a:pPr>
-            <a:r>
-              <a:rPr lang="fr-CA" sz="2400" dirty="0">
-                <a:latin typeface="Arial" panose="020B0604020202020204" pitchFamily="34" charset="0"/>
-                <a:cs typeface="Arial" panose="020B0604020202020204" pitchFamily="34" charset="0"/>
-                <a:sym typeface="Overpass"/>
-              </a:rPr>
-              <a:t>Évaluer l’impact d’un </a:t>
-            </a:r>
-            <a:r>
-              <a:rPr lang="fr-CA" sz="2400" b="1" dirty="0">
-                <a:latin typeface="Arial" panose="020B0604020202020204" pitchFamily="34" charset="0"/>
-                <a:cs typeface="Arial" panose="020B0604020202020204" pitchFamily="34" charset="0"/>
-                <a:sym typeface="Overpass"/>
-              </a:rPr>
-              <a:t>événement</a:t>
-            </a:r>
-            <a:r>
-              <a:rPr lang="fr-CA" sz="2400" dirty="0">
-                <a:latin typeface="Arial" panose="020B0604020202020204" pitchFamily="34" charset="0"/>
-                <a:cs typeface="Arial" panose="020B0604020202020204" pitchFamily="34" charset="0"/>
-                <a:sym typeface="Overpass"/>
-              </a:rPr>
-              <a:t> potentiel</a:t>
-            </a:r>
-          </a:p>
-          <a:p>
-            <a:pPr marL="457200" indent="-457200">
-              <a:spcBef>
-                <a:spcPts val="1067"/>
-              </a:spcBef>
-              <a:buFont typeface="Arial" panose="020B0604020202020204" pitchFamily="34" charset="0"/>
-              <a:buChar char="•"/>
-            </a:pPr>
-            <a:r>
-              <a:rPr lang="fr-CA" sz="2400" dirty="0">
-                <a:latin typeface="Arial" panose="020B0604020202020204" pitchFamily="34" charset="0"/>
-                <a:cs typeface="Arial" panose="020B0604020202020204" pitchFamily="34" charset="0"/>
-                <a:sym typeface="Overpass"/>
-              </a:rPr>
-              <a:t>Génération de </a:t>
-            </a:r>
-            <a:r>
-              <a:rPr lang="fr-CA" sz="2400" b="1" dirty="0">
-                <a:latin typeface="Arial" panose="020B0604020202020204" pitchFamily="34" charset="0"/>
-                <a:cs typeface="Arial" panose="020B0604020202020204" pitchFamily="34" charset="0"/>
-                <a:sym typeface="Overpass"/>
-              </a:rPr>
-              <a:t>données synthétiques</a:t>
-            </a:r>
-          </a:p>
-          <a:p>
-            <a:pPr lvl="1" indent="0">
-              <a:spcBef>
-                <a:spcPts val="1067"/>
-              </a:spcBef>
-              <a:buNone/>
-            </a:pPr>
-            <a:endParaRPr lang="fr-FR" sz="2400" i="1" dirty="0">
-              <a:solidFill>
-                <a:schemeClr val="accent1"/>
-              </a:solidFill>
-              <a:latin typeface="Arial" panose="020B0604020202020204" pitchFamily="34" charset="0"/>
-              <a:cs typeface="Arial" panose="020B0604020202020204" pitchFamily="34" charset="0"/>
-              <a:sym typeface="Overpass"/>
-            </a:endParaRPr>
-          </a:p>
-        </p:txBody>
-      </p:sp>
-      <p:sp>
-        <p:nvSpPr>
-          <p:cNvPr id="6" name="Google Shape;95;p2">
-            <a:extLst>
-              <a:ext uri="{FF2B5EF4-FFF2-40B4-BE49-F238E27FC236}">
-                <a16:creationId xmlns:a16="http://schemas.microsoft.com/office/drawing/2014/main" id="{BA570C38-B221-43C7-82A1-F0D688BC15C3}"/>
-              </a:ext>
-            </a:extLst>
-          </p:cNvPr>
-          <p:cNvSpPr/>
-          <p:nvPr/>
-        </p:nvSpPr>
-        <p:spPr>
-          <a:xfrm>
-            <a:off x="0" y="6575116"/>
-            <a:ext cx="12192000" cy="282884"/>
-          </a:xfrm>
-          <a:prstGeom prst="rect">
-            <a:avLst/>
-          </a:prstGeom>
-          <a:solidFill>
-            <a:srgbClr val="4FBFA5"/>
-          </a:solidFill>
-          <a:ln>
-            <a:noFill/>
-          </a:ln>
-        </p:spPr>
-        <p:txBody>
-          <a:bodyPr spcFirstLastPara="1" wrap="square" lIns="60950" tIns="60950" rIns="60950" bIns="60950" anchor="ctr" anchorCtr="0">
-            <a:noAutofit/>
-          </a:bodyPr>
+          <a:bodyPr/>
           <a:lstStyle/>
           <a:p>
-            <a:endParaRPr sz="1200"/>
-          </a:p>
-        </p:txBody>
-      </p:sp>
-      <p:sp>
-        <p:nvSpPr>
-          <p:cNvPr id="7" name="Google Shape;96;p2">
-            <a:extLst>
-              <a:ext uri="{FF2B5EF4-FFF2-40B4-BE49-F238E27FC236}">
-                <a16:creationId xmlns:a16="http://schemas.microsoft.com/office/drawing/2014/main" id="{A0FD21B8-0AF3-4C63-B01F-1DD0EB3966AE}"/>
-              </a:ext>
-            </a:extLst>
-          </p:cNvPr>
-          <p:cNvSpPr txBox="1"/>
-          <p:nvPr/>
-        </p:nvSpPr>
-        <p:spPr>
-          <a:xfrm>
-            <a:off x="4707650" y="6642889"/>
-            <a:ext cx="2776701" cy="172420"/>
-          </a:xfrm>
-          <a:prstGeom prst="rect">
-            <a:avLst/>
-          </a:prstGeom>
-          <a:noFill/>
-          <a:ln>
-            <a:noFill/>
-          </a:ln>
-        </p:spPr>
-        <p:txBody>
-          <a:bodyPr spcFirstLastPara="1" wrap="square" lIns="0" tIns="0" rIns="0" bIns="0" anchor="t" anchorCtr="0">
-            <a:spAutoFit/>
-          </a:bodyPr>
-          <a:lstStyle/>
-          <a:p>
-            <a:pPr>
-              <a:lnSpc>
-                <a:spcPct val="104996"/>
-              </a:lnSpc>
-            </a:pPr>
             <a:r>
-              <a:rPr lang="en-US" sz="1067" b="1">
-                <a:solidFill>
-                  <a:srgbClr val="41403C"/>
-                </a:solidFill>
-                <a:latin typeface="Arial"/>
-                <a:ea typeface="Arial"/>
-                <a:cs typeface="Arial"/>
-                <a:sym typeface="Arial"/>
-              </a:rPr>
-              <a:t>Ecole d’été - IA &amp; Alimentation durable</a:t>
+              <a:rPr lang="fr-CA" dirty="0"/>
+              <a:t>Implémentation d’un modèle de simulation</a:t>
             </a:r>
-            <a:endParaRPr sz="1200"/>
           </a:p>
         </p:txBody>
       </p:sp>
     </p:spTree>
     <p:extLst>
       <p:ext uri="{BB962C8B-B14F-4D97-AF65-F5344CB8AC3E}">
-        <p14:creationId xmlns:p14="http://schemas.microsoft.com/office/powerpoint/2010/main" val="2054663758"/>
+        <p14:creationId xmlns:p14="http://schemas.microsoft.com/office/powerpoint/2010/main" val="1781477153"/>
       </p:ext>
     </p:extLst>
   </p:cSld>
@@ -43744,1245 +43266,6 @@
           </a:lstStyle>
           <a:p>
             <a:r>
-              <a:rPr lang="fr-FR" sz="2800" dirty="0">
-                <a:solidFill>
-                  <a:schemeClr val="tx1"/>
-                </a:solidFill>
-                <a:latin typeface="Arial" panose="020B0604020202020204" pitchFamily="34" charset="0"/>
-                <a:cs typeface="Arial" panose="020B0604020202020204" pitchFamily="34" charset="0"/>
-              </a:rPr>
-              <a:t>Type d’outils de simulation</a:t>
-            </a:r>
-          </a:p>
-        </p:txBody>
-      </p:sp>
-      <p:sp>
-        <p:nvSpPr>
-          <p:cNvPr id="11" name="Google Shape;309;p23">
-            <a:extLst>
-              <a:ext uri="{FF2B5EF4-FFF2-40B4-BE49-F238E27FC236}">
-                <a16:creationId xmlns:a16="http://schemas.microsoft.com/office/drawing/2014/main" id="{58B2142D-6FB6-4419-9CEA-26BD662700E4}"/>
-              </a:ext>
-            </a:extLst>
-          </p:cNvPr>
-          <p:cNvSpPr txBox="1">
-            <a:spLocks/>
-          </p:cNvSpPr>
-          <p:nvPr/>
-        </p:nvSpPr>
-        <p:spPr>
-          <a:xfrm>
-            <a:off x="1083825" y="1993324"/>
-            <a:ext cx="9266806" cy="3889002"/>
-          </a:xfrm>
-          <a:prstGeom prst="rect">
-            <a:avLst/>
-          </a:prstGeom>
-          <a:noFill/>
-        </p:spPr>
-        <p:txBody>
-          <a:bodyPr spcFirstLastPara="1" vert="horz" wrap="square" lIns="0" tIns="0" rIns="0" bIns="0" rtlCol="0" anchor="t" anchorCtr="0">
-            <a:normAutofit/>
-          </a:bodyPr>
-          <a:lstStyle>
-            <a:lvl1pPr marL="0" indent="0" algn="l" defTabSz="914400" rtl="0" eaLnBrk="1" latinLnBrk="0" hangingPunct="1">
-              <a:lnSpc>
-                <a:spcPct val="90000"/>
-              </a:lnSpc>
-              <a:spcBef>
-                <a:spcPts val="1000"/>
-              </a:spcBef>
-              <a:buClr>
-                <a:schemeClr val="tx2"/>
-              </a:buClr>
-              <a:buFont typeface="Arial" panose="020B0604020202020204" pitchFamily="34" charset="0"/>
-              <a:buNone/>
-              <a:defRPr sz="4000" b="0" i="0" kern="1200">
-                <a:solidFill>
-                  <a:schemeClr val="tx1"/>
-                </a:solidFill>
-                <a:latin typeface="Overpass Light" pitchFamily="2" charset="77"/>
-                <a:ea typeface="+mn-ea"/>
-                <a:cs typeface="+mn-cs"/>
-              </a:defRPr>
-            </a:lvl1pPr>
-            <a:lvl2pPr marL="685800" indent="-228600" algn="l" defTabSz="914400" rtl="0" eaLnBrk="1" latinLnBrk="0" hangingPunct="1">
-              <a:lnSpc>
-                <a:spcPct val="90000"/>
-              </a:lnSpc>
-              <a:spcBef>
-                <a:spcPts val="1000"/>
-              </a:spcBef>
-              <a:buClr>
-                <a:schemeClr val="tx2"/>
-              </a:buClr>
-              <a:buFont typeface="Arial" panose="020B0604020202020204" pitchFamily="34" charset="0"/>
-              <a:buChar char="•"/>
-              <a:defRPr sz="3600" b="0" i="0" kern="1200">
-                <a:solidFill>
-                  <a:schemeClr val="tx1"/>
-                </a:solidFill>
-                <a:latin typeface="Overpass Light" pitchFamily="2" charset="77"/>
-                <a:ea typeface="+mn-ea"/>
-                <a:cs typeface="+mn-cs"/>
-              </a:defRPr>
-            </a:lvl2pPr>
-            <a:lvl3pPr marL="1143000" indent="-228600" algn="l" defTabSz="914400" rtl="0" eaLnBrk="1" latinLnBrk="0" hangingPunct="1">
-              <a:lnSpc>
-                <a:spcPct val="90000"/>
-              </a:lnSpc>
-              <a:spcBef>
-                <a:spcPts val="600"/>
-              </a:spcBef>
-              <a:buClr>
-                <a:schemeClr val="tx2"/>
-              </a:buClr>
-              <a:buFont typeface="Arial" panose="020B0604020202020204" pitchFamily="34" charset="0"/>
-              <a:buChar char="•"/>
-              <a:defRPr sz="3200" b="0" i="0" kern="1200">
-                <a:solidFill>
-                  <a:schemeClr val="tx1"/>
-                </a:solidFill>
-                <a:latin typeface="Overpass Light" pitchFamily="2" charset="77"/>
-                <a:ea typeface="+mn-ea"/>
-                <a:cs typeface="+mn-cs"/>
-              </a:defRPr>
-            </a:lvl3pPr>
-            <a:lvl4pPr marL="1600200" indent="-228600" algn="l" defTabSz="914400" rtl="0" eaLnBrk="1" latinLnBrk="0" hangingPunct="1">
-              <a:lnSpc>
-                <a:spcPct val="90000"/>
-              </a:lnSpc>
-              <a:spcBef>
-                <a:spcPts val="300"/>
-              </a:spcBef>
-              <a:buClr>
-                <a:schemeClr val="tx2"/>
-              </a:buClr>
-              <a:buFont typeface="Arial" panose="020B0604020202020204" pitchFamily="34" charset="0"/>
-              <a:buChar char="•"/>
-              <a:defRPr sz="2400" b="0" i="0" kern="1200">
-                <a:solidFill>
-                  <a:schemeClr val="tx1"/>
-                </a:solidFill>
-                <a:latin typeface="Overpass Light" pitchFamily="2" charset="77"/>
-                <a:ea typeface="+mn-ea"/>
-                <a:cs typeface="+mn-cs"/>
-              </a:defRPr>
-            </a:lvl4pPr>
-            <a:lvl5pPr marL="2057400" indent="-228600" algn="l" defTabSz="914400" rtl="0" eaLnBrk="1" latinLnBrk="0" hangingPunct="1">
-              <a:lnSpc>
-                <a:spcPct val="90000"/>
-              </a:lnSpc>
-              <a:spcBef>
-                <a:spcPts val="500"/>
-              </a:spcBef>
-              <a:buClr>
-                <a:schemeClr val="tx2"/>
-              </a:buClr>
-              <a:buFont typeface="Arial" panose="020B0604020202020204" pitchFamily="34" charset="0"/>
-              <a:buChar char="•"/>
-              <a:defRPr sz="2000" b="0" i="0" kern="1200">
-                <a:solidFill>
-                  <a:schemeClr val="tx1"/>
-                </a:solidFill>
-                <a:latin typeface="Overpass Light" pitchFamily="2" charset="77"/>
-                <a:ea typeface="+mn-ea"/>
-                <a:cs typeface="+mn-cs"/>
-              </a:defRPr>
-            </a:lvl5pPr>
-            <a:lvl6pPr marL="2514600" indent="-228600" algn="l" defTabSz="914400" rtl="0" eaLnBrk="1" latinLnBrk="0" hangingPunct="1">
-              <a:lnSpc>
-                <a:spcPct val="90000"/>
-              </a:lnSpc>
-              <a:spcBef>
-                <a:spcPts val="500"/>
-              </a:spcBef>
-              <a:buFont typeface="Arial" panose="020B0604020202020204" pitchFamily="34" charset="0"/>
-              <a:buChar char="•"/>
-              <a:defRPr sz="1800" kern="1200">
-                <a:solidFill>
-                  <a:schemeClr val="tx1"/>
-                </a:solidFill>
-                <a:latin typeface="+mn-lt"/>
-                <a:ea typeface="+mn-ea"/>
-                <a:cs typeface="+mn-cs"/>
-              </a:defRPr>
-            </a:lvl6pPr>
-            <a:lvl7pPr marL="2971800" indent="-228600" algn="l" defTabSz="914400" rtl="0" eaLnBrk="1" latinLnBrk="0" hangingPunct="1">
-              <a:lnSpc>
-                <a:spcPct val="90000"/>
-              </a:lnSpc>
-              <a:spcBef>
-                <a:spcPts val="500"/>
-              </a:spcBef>
-              <a:buFont typeface="Arial" panose="020B0604020202020204" pitchFamily="34" charset="0"/>
-              <a:buChar char="•"/>
-              <a:defRPr sz="1800" kern="1200">
-                <a:solidFill>
-                  <a:schemeClr val="tx1"/>
-                </a:solidFill>
-                <a:latin typeface="+mn-lt"/>
-                <a:ea typeface="+mn-ea"/>
-                <a:cs typeface="+mn-cs"/>
-              </a:defRPr>
-            </a:lvl7pPr>
-            <a:lvl8pPr marL="3429000" indent="-228600" algn="l" defTabSz="914400" rtl="0" eaLnBrk="1" latinLnBrk="0" hangingPunct="1">
-              <a:lnSpc>
-                <a:spcPct val="90000"/>
-              </a:lnSpc>
-              <a:spcBef>
-                <a:spcPts val="500"/>
-              </a:spcBef>
-              <a:buFont typeface="Arial" panose="020B0604020202020204" pitchFamily="34" charset="0"/>
-              <a:buChar char="•"/>
-              <a:defRPr sz="1800" kern="1200">
-                <a:solidFill>
-                  <a:schemeClr val="tx1"/>
-                </a:solidFill>
-                <a:latin typeface="+mn-lt"/>
-                <a:ea typeface="+mn-ea"/>
-                <a:cs typeface="+mn-cs"/>
-              </a:defRPr>
-            </a:lvl8pPr>
-            <a:lvl9pPr marL="3886200" indent="-228600" algn="l" defTabSz="914400" rtl="0" eaLnBrk="1" latinLnBrk="0" hangingPunct="1">
-              <a:lnSpc>
-                <a:spcPct val="90000"/>
-              </a:lnSpc>
-              <a:spcBef>
-                <a:spcPts val="500"/>
-              </a:spcBef>
-              <a:buFont typeface="Arial" panose="020B0604020202020204" pitchFamily="34" charset="0"/>
-              <a:buChar char="•"/>
-              <a:defRPr sz="1800" kern="1200">
-                <a:solidFill>
-                  <a:schemeClr val="tx1"/>
-                </a:solidFill>
-                <a:latin typeface="+mn-lt"/>
-                <a:ea typeface="+mn-ea"/>
-                <a:cs typeface="+mn-cs"/>
-              </a:defRPr>
-            </a:lvl9pPr>
-          </a:lstStyle>
-          <a:p>
-            <a:pPr lvl="1" indent="0">
-              <a:spcBef>
-                <a:spcPts val="1067"/>
-              </a:spcBef>
-              <a:buNone/>
-            </a:pPr>
-            <a:endParaRPr lang="fr-FR" sz="2000" i="1" dirty="0">
-              <a:solidFill>
-                <a:schemeClr val="accent1"/>
-              </a:solidFill>
-              <a:sym typeface="Overpass"/>
-            </a:endParaRPr>
-          </a:p>
-        </p:txBody>
-      </p:sp>
-      <p:sp>
-        <p:nvSpPr>
-          <p:cNvPr id="5" name="Google Shape;95;p2">
-            <a:extLst>
-              <a:ext uri="{FF2B5EF4-FFF2-40B4-BE49-F238E27FC236}">
-                <a16:creationId xmlns:a16="http://schemas.microsoft.com/office/drawing/2014/main" id="{D06B2927-3C60-483F-8AC3-0556A7E69EBA}"/>
-              </a:ext>
-            </a:extLst>
-          </p:cNvPr>
-          <p:cNvSpPr/>
-          <p:nvPr/>
-        </p:nvSpPr>
-        <p:spPr>
-          <a:xfrm>
-            <a:off x="0" y="6575116"/>
-            <a:ext cx="12192000" cy="282884"/>
-          </a:xfrm>
-          <a:prstGeom prst="rect">
-            <a:avLst/>
-          </a:prstGeom>
-          <a:solidFill>
-            <a:srgbClr val="4FBFA5"/>
-          </a:solidFill>
-          <a:ln>
-            <a:noFill/>
-          </a:ln>
-        </p:spPr>
-        <p:txBody>
-          <a:bodyPr spcFirstLastPara="1" wrap="square" lIns="60950" tIns="60950" rIns="60950" bIns="60950" anchor="ctr" anchorCtr="0">
-            <a:noAutofit/>
-          </a:bodyPr>
-          <a:lstStyle/>
-          <a:p>
-            <a:endParaRPr sz="1200"/>
-          </a:p>
-        </p:txBody>
-      </p:sp>
-      <p:sp>
-        <p:nvSpPr>
-          <p:cNvPr id="6" name="Google Shape;96;p2">
-            <a:extLst>
-              <a:ext uri="{FF2B5EF4-FFF2-40B4-BE49-F238E27FC236}">
-                <a16:creationId xmlns:a16="http://schemas.microsoft.com/office/drawing/2014/main" id="{D77B86BD-0849-4CAC-B12B-494DA3CE1E03}"/>
-              </a:ext>
-            </a:extLst>
-          </p:cNvPr>
-          <p:cNvSpPr txBox="1"/>
-          <p:nvPr/>
-        </p:nvSpPr>
-        <p:spPr>
-          <a:xfrm>
-            <a:off x="4707650" y="6642889"/>
-            <a:ext cx="2776701" cy="172420"/>
-          </a:xfrm>
-          <a:prstGeom prst="rect">
-            <a:avLst/>
-          </a:prstGeom>
-          <a:noFill/>
-          <a:ln>
-            <a:noFill/>
-          </a:ln>
-        </p:spPr>
-        <p:txBody>
-          <a:bodyPr spcFirstLastPara="1" wrap="square" lIns="0" tIns="0" rIns="0" bIns="0" anchor="t" anchorCtr="0">
-            <a:spAutoFit/>
-          </a:bodyPr>
-          <a:lstStyle/>
-          <a:p>
-            <a:pPr>
-              <a:lnSpc>
-                <a:spcPct val="104996"/>
-              </a:lnSpc>
-            </a:pPr>
-            <a:r>
-              <a:rPr lang="en-US" sz="1067" b="1">
-                <a:solidFill>
-                  <a:srgbClr val="41403C"/>
-                </a:solidFill>
-                <a:latin typeface="Arial"/>
-                <a:ea typeface="Arial"/>
-                <a:cs typeface="Arial"/>
-                <a:sym typeface="Arial"/>
-              </a:rPr>
-              <a:t>Ecole d’été - IA &amp; Alimentation durable</a:t>
-            </a:r>
-            <a:endParaRPr sz="1200"/>
-          </a:p>
-        </p:txBody>
-      </p:sp>
-      <p:sp>
-        <p:nvSpPr>
-          <p:cNvPr id="7" name="Google Shape;309;p23">
-            <a:extLst>
-              <a:ext uri="{FF2B5EF4-FFF2-40B4-BE49-F238E27FC236}">
-                <a16:creationId xmlns:a16="http://schemas.microsoft.com/office/drawing/2014/main" id="{9BC6974F-6B26-4114-8A40-960DDDBB3696}"/>
-              </a:ext>
-            </a:extLst>
-          </p:cNvPr>
-          <p:cNvSpPr txBox="1">
-            <a:spLocks/>
-          </p:cNvSpPr>
-          <p:nvPr/>
-        </p:nvSpPr>
-        <p:spPr>
-          <a:xfrm>
-            <a:off x="1236225" y="2145724"/>
-            <a:ext cx="9266806" cy="3889002"/>
-          </a:xfrm>
-          <a:prstGeom prst="rect">
-            <a:avLst/>
-          </a:prstGeom>
-          <a:noFill/>
-        </p:spPr>
-        <p:txBody>
-          <a:bodyPr spcFirstLastPara="1" vert="horz" wrap="square" lIns="0" tIns="0" rIns="0" bIns="0" rtlCol="0" anchor="t" anchorCtr="0">
-            <a:noAutofit/>
-          </a:bodyPr>
-          <a:lstStyle>
-            <a:lvl1pPr marL="0" indent="0" algn="l" defTabSz="914400" rtl="0" eaLnBrk="1" latinLnBrk="0" hangingPunct="1">
-              <a:lnSpc>
-                <a:spcPct val="90000"/>
-              </a:lnSpc>
-              <a:spcBef>
-                <a:spcPts val="1000"/>
-              </a:spcBef>
-              <a:buClr>
-                <a:schemeClr val="tx2"/>
-              </a:buClr>
-              <a:buFont typeface="Arial" panose="020B0604020202020204" pitchFamily="34" charset="0"/>
-              <a:buNone/>
-              <a:defRPr sz="4000" b="0" i="0" kern="1200">
-                <a:solidFill>
-                  <a:schemeClr val="tx1"/>
-                </a:solidFill>
-                <a:latin typeface="Overpass Light" pitchFamily="2" charset="77"/>
-                <a:ea typeface="+mn-ea"/>
-                <a:cs typeface="+mn-cs"/>
-              </a:defRPr>
-            </a:lvl1pPr>
-            <a:lvl2pPr marL="685800" indent="-228600" algn="l" defTabSz="914400" rtl="0" eaLnBrk="1" latinLnBrk="0" hangingPunct="1">
-              <a:lnSpc>
-                <a:spcPct val="90000"/>
-              </a:lnSpc>
-              <a:spcBef>
-                <a:spcPts val="1000"/>
-              </a:spcBef>
-              <a:buClr>
-                <a:schemeClr val="tx2"/>
-              </a:buClr>
-              <a:buFont typeface="Arial" panose="020B0604020202020204" pitchFamily="34" charset="0"/>
-              <a:buChar char="•"/>
-              <a:defRPr sz="3600" b="0" i="0" kern="1200">
-                <a:solidFill>
-                  <a:schemeClr val="tx1"/>
-                </a:solidFill>
-                <a:latin typeface="Overpass Light" pitchFamily="2" charset="77"/>
-                <a:ea typeface="+mn-ea"/>
-                <a:cs typeface="+mn-cs"/>
-              </a:defRPr>
-            </a:lvl2pPr>
-            <a:lvl3pPr marL="1143000" indent="-228600" algn="l" defTabSz="914400" rtl="0" eaLnBrk="1" latinLnBrk="0" hangingPunct="1">
-              <a:lnSpc>
-                <a:spcPct val="90000"/>
-              </a:lnSpc>
-              <a:spcBef>
-                <a:spcPts val="600"/>
-              </a:spcBef>
-              <a:buClr>
-                <a:schemeClr val="tx2"/>
-              </a:buClr>
-              <a:buFont typeface="Arial" panose="020B0604020202020204" pitchFamily="34" charset="0"/>
-              <a:buChar char="•"/>
-              <a:defRPr sz="3200" b="0" i="0" kern="1200">
-                <a:solidFill>
-                  <a:schemeClr val="tx1"/>
-                </a:solidFill>
-                <a:latin typeface="Overpass Light" pitchFamily="2" charset="77"/>
-                <a:ea typeface="+mn-ea"/>
-                <a:cs typeface="+mn-cs"/>
-              </a:defRPr>
-            </a:lvl3pPr>
-            <a:lvl4pPr marL="1600200" indent="-228600" algn="l" defTabSz="914400" rtl="0" eaLnBrk="1" latinLnBrk="0" hangingPunct="1">
-              <a:lnSpc>
-                <a:spcPct val="90000"/>
-              </a:lnSpc>
-              <a:spcBef>
-                <a:spcPts val="300"/>
-              </a:spcBef>
-              <a:buClr>
-                <a:schemeClr val="tx2"/>
-              </a:buClr>
-              <a:buFont typeface="Arial" panose="020B0604020202020204" pitchFamily="34" charset="0"/>
-              <a:buChar char="•"/>
-              <a:defRPr sz="2400" b="0" i="0" kern="1200">
-                <a:solidFill>
-                  <a:schemeClr val="tx1"/>
-                </a:solidFill>
-                <a:latin typeface="Overpass Light" pitchFamily="2" charset="77"/>
-                <a:ea typeface="+mn-ea"/>
-                <a:cs typeface="+mn-cs"/>
-              </a:defRPr>
-            </a:lvl4pPr>
-            <a:lvl5pPr marL="2057400" indent="-228600" algn="l" defTabSz="914400" rtl="0" eaLnBrk="1" latinLnBrk="0" hangingPunct="1">
-              <a:lnSpc>
-                <a:spcPct val="90000"/>
-              </a:lnSpc>
-              <a:spcBef>
-                <a:spcPts val="500"/>
-              </a:spcBef>
-              <a:buClr>
-                <a:schemeClr val="tx2"/>
-              </a:buClr>
-              <a:buFont typeface="Arial" panose="020B0604020202020204" pitchFamily="34" charset="0"/>
-              <a:buChar char="•"/>
-              <a:defRPr sz="2000" b="0" i="0" kern="1200">
-                <a:solidFill>
-                  <a:schemeClr val="tx1"/>
-                </a:solidFill>
-                <a:latin typeface="Overpass Light" pitchFamily="2" charset="77"/>
-                <a:ea typeface="+mn-ea"/>
-                <a:cs typeface="+mn-cs"/>
-              </a:defRPr>
-            </a:lvl5pPr>
-            <a:lvl6pPr marL="2514600" indent="-228600" algn="l" defTabSz="914400" rtl="0" eaLnBrk="1" latinLnBrk="0" hangingPunct="1">
-              <a:lnSpc>
-                <a:spcPct val="90000"/>
-              </a:lnSpc>
-              <a:spcBef>
-                <a:spcPts val="500"/>
-              </a:spcBef>
-              <a:buFont typeface="Arial" panose="020B0604020202020204" pitchFamily="34" charset="0"/>
-              <a:buChar char="•"/>
-              <a:defRPr sz="1800" kern="1200">
-                <a:solidFill>
-                  <a:schemeClr val="tx1"/>
-                </a:solidFill>
-                <a:latin typeface="+mn-lt"/>
-                <a:ea typeface="+mn-ea"/>
-                <a:cs typeface="+mn-cs"/>
-              </a:defRPr>
-            </a:lvl6pPr>
-            <a:lvl7pPr marL="2971800" indent="-228600" algn="l" defTabSz="914400" rtl="0" eaLnBrk="1" latinLnBrk="0" hangingPunct="1">
-              <a:lnSpc>
-                <a:spcPct val="90000"/>
-              </a:lnSpc>
-              <a:spcBef>
-                <a:spcPts val="500"/>
-              </a:spcBef>
-              <a:buFont typeface="Arial" panose="020B0604020202020204" pitchFamily="34" charset="0"/>
-              <a:buChar char="•"/>
-              <a:defRPr sz="1800" kern="1200">
-                <a:solidFill>
-                  <a:schemeClr val="tx1"/>
-                </a:solidFill>
-                <a:latin typeface="+mn-lt"/>
-                <a:ea typeface="+mn-ea"/>
-                <a:cs typeface="+mn-cs"/>
-              </a:defRPr>
-            </a:lvl7pPr>
-            <a:lvl8pPr marL="3429000" indent="-228600" algn="l" defTabSz="914400" rtl="0" eaLnBrk="1" latinLnBrk="0" hangingPunct="1">
-              <a:lnSpc>
-                <a:spcPct val="90000"/>
-              </a:lnSpc>
-              <a:spcBef>
-                <a:spcPts val="500"/>
-              </a:spcBef>
-              <a:buFont typeface="Arial" panose="020B0604020202020204" pitchFamily="34" charset="0"/>
-              <a:buChar char="•"/>
-              <a:defRPr sz="1800" kern="1200">
-                <a:solidFill>
-                  <a:schemeClr val="tx1"/>
-                </a:solidFill>
-                <a:latin typeface="+mn-lt"/>
-                <a:ea typeface="+mn-ea"/>
-                <a:cs typeface="+mn-cs"/>
-              </a:defRPr>
-            </a:lvl8pPr>
-            <a:lvl9pPr marL="3886200" indent="-228600" algn="l" defTabSz="914400" rtl="0" eaLnBrk="1" latinLnBrk="0" hangingPunct="1">
-              <a:lnSpc>
-                <a:spcPct val="90000"/>
-              </a:lnSpc>
-              <a:spcBef>
-                <a:spcPts val="500"/>
-              </a:spcBef>
-              <a:buFont typeface="Arial" panose="020B0604020202020204" pitchFamily="34" charset="0"/>
-              <a:buChar char="•"/>
-              <a:defRPr sz="1800" kern="1200">
-                <a:solidFill>
-                  <a:schemeClr val="tx1"/>
-                </a:solidFill>
-                <a:latin typeface="+mn-lt"/>
-                <a:ea typeface="+mn-ea"/>
-                <a:cs typeface="+mn-cs"/>
-              </a:defRPr>
-            </a:lvl9pPr>
-          </a:lstStyle>
-          <a:p>
-            <a:pPr lvl="1" indent="0">
-              <a:spcBef>
-                <a:spcPts val="1067"/>
-              </a:spcBef>
-              <a:buNone/>
-            </a:pPr>
-            <a:endParaRPr lang="fr-FR" sz="2400" i="1" dirty="0">
-              <a:solidFill>
-                <a:schemeClr val="accent1"/>
-              </a:solidFill>
-              <a:latin typeface="Arial" panose="020B0604020202020204" pitchFamily="34" charset="0"/>
-              <a:cs typeface="Arial" panose="020B0604020202020204" pitchFamily="34" charset="0"/>
-              <a:sym typeface="Overpass"/>
-            </a:endParaRPr>
-          </a:p>
-        </p:txBody>
-      </p:sp>
-      <p:sp>
-        <p:nvSpPr>
-          <p:cNvPr id="8" name="Google Shape;309;p23">
-            <a:extLst>
-              <a:ext uri="{FF2B5EF4-FFF2-40B4-BE49-F238E27FC236}">
-                <a16:creationId xmlns:a16="http://schemas.microsoft.com/office/drawing/2014/main" id="{0138BE32-51C7-46A8-A7E8-B7EF5BAF1C69}"/>
-              </a:ext>
-            </a:extLst>
-          </p:cNvPr>
-          <p:cNvSpPr txBox="1">
-            <a:spLocks/>
-          </p:cNvSpPr>
-          <p:nvPr/>
-        </p:nvSpPr>
-        <p:spPr>
-          <a:xfrm>
-            <a:off x="972600" y="1673900"/>
-            <a:ext cx="9266806" cy="3889002"/>
-          </a:xfrm>
-          <a:prstGeom prst="rect">
-            <a:avLst/>
-          </a:prstGeom>
-          <a:noFill/>
-        </p:spPr>
-        <p:txBody>
-          <a:bodyPr spcFirstLastPara="1" vert="horz" wrap="square" lIns="0" tIns="0" rIns="0" bIns="0" rtlCol="0" anchor="t" anchorCtr="0">
-            <a:noAutofit/>
-          </a:bodyPr>
-          <a:lstStyle>
-            <a:lvl1pPr marL="0" indent="0" algn="l" defTabSz="914400" rtl="0" eaLnBrk="1" latinLnBrk="0" hangingPunct="1">
-              <a:lnSpc>
-                <a:spcPct val="90000"/>
-              </a:lnSpc>
-              <a:spcBef>
-                <a:spcPts val="1000"/>
-              </a:spcBef>
-              <a:buClr>
-                <a:schemeClr val="tx2"/>
-              </a:buClr>
-              <a:buFont typeface="Arial" panose="020B0604020202020204" pitchFamily="34" charset="0"/>
-              <a:buNone/>
-              <a:defRPr sz="4000" b="0" i="0" kern="1200">
-                <a:solidFill>
-                  <a:schemeClr val="tx1"/>
-                </a:solidFill>
-                <a:latin typeface="Overpass Light" pitchFamily="2" charset="77"/>
-                <a:ea typeface="+mn-ea"/>
-                <a:cs typeface="+mn-cs"/>
-              </a:defRPr>
-            </a:lvl1pPr>
-            <a:lvl2pPr marL="685800" indent="-228600" algn="l" defTabSz="914400" rtl="0" eaLnBrk="1" latinLnBrk="0" hangingPunct="1">
-              <a:lnSpc>
-                <a:spcPct val="90000"/>
-              </a:lnSpc>
-              <a:spcBef>
-                <a:spcPts val="1000"/>
-              </a:spcBef>
-              <a:buClr>
-                <a:schemeClr val="tx2"/>
-              </a:buClr>
-              <a:buFont typeface="Arial" panose="020B0604020202020204" pitchFamily="34" charset="0"/>
-              <a:buChar char="•"/>
-              <a:defRPr sz="3600" b="0" i="0" kern="1200">
-                <a:solidFill>
-                  <a:schemeClr val="tx1"/>
-                </a:solidFill>
-                <a:latin typeface="Overpass Light" pitchFamily="2" charset="77"/>
-                <a:ea typeface="+mn-ea"/>
-                <a:cs typeface="+mn-cs"/>
-              </a:defRPr>
-            </a:lvl2pPr>
-            <a:lvl3pPr marL="1143000" indent="-228600" algn="l" defTabSz="914400" rtl="0" eaLnBrk="1" latinLnBrk="0" hangingPunct="1">
-              <a:lnSpc>
-                <a:spcPct val="90000"/>
-              </a:lnSpc>
-              <a:spcBef>
-                <a:spcPts val="600"/>
-              </a:spcBef>
-              <a:buClr>
-                <a:schemeClr val="tx2"/>
-              </a:buClr>
-              <a:buFont typeface="Arial" panose="020B0604020202020204" pitchFamily="34" charset="0"/>
-              <a:buChar char="•"/>
-              <a:defRPr sz="3200" b="0" i="0" kern="1200">
-                <a:solidFill>
-                  <a:schemeClr val="tx1"/>
-                </a:solidFill>
-                <a:latin typeface="Overpass Light" pitchFamily="2" charset="77"/>
-                <a:ea typeface="+mn-ea"/>
-                <a:cs typeface="+mn-cs"/>
-              </a:defRPr>
-            </a:lvl3pPr>
-            <a:lvl4pPr marL="1600200" indent="-228600" algn="l" defTabSz="914400" rtl="0" eaLnBrk="1" latinLnBrk="0" hangingPunct="1">
-              <a:lnSpc>
-                <a:spcPct val="90000"/>
-              </a:lnSpc>
-              <a:spcBef>
-                <a:spcPts val="300"/>
-              </a:spcBef>
-              <a:buClr>
-                <a:schemeClr val="tx2"/>
-              </a:buClr>
-              <a:buFont typeface="Arial" panose="020B0604020202020204" pitchFamily="34" charset="0"/>
-              <a:buChar char="•"/>
-              <a:defRPr sz="2400" b="0" i="0" kern="1200">
-                <a:solidFill>
-                  <a:schemeClr val="tx1"/>
-                </a:solidFill>
-                <a:latin typeface="Overpass Light" pitchFamily="2" charset="77"/>
-                <a:ea typeface="+mn-ea"/>
-                <a:cs typeface="+mn-cs"/>
-              </a:defRPr>
-            </a:lvl4pPr>
-            <a:lvl5pPr marL="2057400" indent="-228600" algn="l" defTabSz="914400" rtl="0" eaLnBrk="1" latinLnBrk="0" hangingPunct="1">
-              <a:lnSpc>
-                <a:spcPct val="90000"/>
-              </a:lnSpc>
-              <a:spcBef>
-                <a:spcPts val="500"/>
-              </a:spcBef>
-              <a:buClr>
-                <a:schemeClr val="tx2"/>
-              </a:buClr>
-              <a:buFont typeface="Arial" panose="020B0604020202020204" pitchFamily="34" charset="0"/>
-              <a:buChar char="•"/>
-              <a:defRPr sz="2000" b="0" i="0" kern="1200">
-                <a:solidFill>
-                  <a:schemeClr val="tx1"/>
-                </a:solidFill>
-                <a:latin typeface="Overpass Light" pitchFamily="2" charset="77"/>
-                <a:ea typeface="+mn-ea"/>
-                <a:cs typeface="+mn-cs"/>
-              </a:defRPr>
-            </a:lvl5pPr>
-            <a:lvl6pPr marL="2514600" indent="-228600" algn="l" defTabSz="914400" rtl="0" eaLnBrk="1" latinLnBrk="0" hangingPunct="1">
-              <a:lnSpc>
-                <a:spcPct val="90000"/>
-              </a:lnSpc>
-              <a:spcBef>
-                <a:spcPts val="500"/>
-              </a:spcBef>
-              <a:buFont typeface="Arial" panose="020B0604020202020204" pitchFamily="34" charset="0"/>
-              <a:buChar char="•"/>
-              <a:defRPr sz="1800" kern="1200">
-                <a:solidFill>
-                  <a:schemeClr val="tx1"/>
-                </a:solidFill>
-                <a:latin typeface="+mn-lt"/>
-                <a:ea typeface="+mn-ea"/>
-                <a:cs typeface="+mn-cs"/>
-              </a:defRPr>
-            </a:lvl6pPr>
-            <a:lvl7pPr marL="2971800" indent="-228600" algn="l" defTabSz="914400" rtl="0" eaLnBrk="1" latinLnBrk="0" hangingPunct="1">
-              <a:lnSpc>
-                <a:spcPct val="90000"/>
-              </a:lnSpc>
-              <a:spcBef>
-                <a:spcPts val="500"/>
-              </a:spcBef>
-              <a:buFont typeface="Arial" panose="020B0604020202020204" pitchFamily="34" charset="0"/>
-              <a:buChar char="•"/>
-              <a:defRPr sz="1800" kern="1200">
-                <a:solidFill>
-                  <a:schemeClr val="tx1"/>
-                </a:solidFill>
-                <a:latin typeface="+mn-lt"/>
-                <a:ea typeface="+mn-ea"/>
-                <a:cs typeface="+mn-cs"/>
-              </a:defRPr>
-            </a:lvl7pPr>
-            <a:lvl8pPr marL="3429000" indent="-228600" algn="l" defTabSz="914400" rtl="0" eaLnBrk="1" latinLnBrk="0" hangingPunct="1">
-              <a:lnSpc>
-                <a:spcPct val="90000"/>
-              </a:lnSpc>
-              <a:spcBef>
-                <a:spcPts val="500"/>
-              </a:spcBef>
-              <a:buFont typeface="Arial" panose="020B0604020202020204" pitchFamily="34" charset="0"/>
-              <a:buChar char="•"/>
-              <a:defRPr sz="1800" kern="1200">
-                <a:solidFill>
-                  <a:schemeClr val="tx1"/>
-                </a:solidFill>
-                <a:latin typeface="+mn-lt"/>
-                <a:ea typeface="+mn-ea"/>
-                <a:cs typeface="+mn-cs"/>
-              </a:defRPr>
-            </a:lvl8pPr>
-            <a:lvl9pPr marL="3886200" indent="-228600" algn="l" defTabSz="914400" rtl="0" eaLnBrk="1" latinLnBrk="0" hangingPunct="1">
-              <a:lnSpc>
-                <a:spcPct val="90000"/>
-              </a:lnSpc>
-              <a:spcBef>
-                <a:spcPts val="500"/>
-              </a:spcBef>
-              <a:buFont typeface="Arial" panose="020B0604020202020204" pitchFamily="34" charset="0"/>
-              <a:buChar char="•"/>
-              <a:defRPr sz="1800" kern="1200">
-                <a:solidFill>
-                  <a:schemeClr val="tx1"/>
-                </a:solidFill>
-                <a:latin typeface="+mn-lt"/>
-                <a:ea typeface="+mn-ea"/>
-                <a:cs typeface="+mn-cs"/>
-              </a:defRPr>
-            </a:lvl9pPr>
-          </a:lstStyle>
-          <a:p>
-            <a:pPr marL="457200" indent="-457200">
-              <a:spcBef>
-                <a:spcPts val="1067"/>
-              </a:spcBef>
-              <a:buFont typeface="Arial" panose="020B0604020202020204" pitchFamily="34" charset="0"/>
-              <a:buChar char="•"/>
-            </a:pPr>
-            <a:r>
-              <a:rPr lang="fr-CA" sz="2400" dirty="0">
-                <a:latin typeface="Arial" panose="020B0604020202020204" pitchFamily="34" charset="0"/>
-                <a:cs typeface="Arial" panose="020B0604020202020204" pitchFamily="34" charset="0"/>
-                <a:sym typeface="Overpass"/>
-              </a:rPr>
-              <a:t>Outils de simulation basés sur le code</a:t>
-            </a:r>
-            <a:endParaRPr lang="fr-FR" sz="2400" i="1" dirty="0">
-              <a:latin typeface="Arial" panose="020B0604020202020204" pitchFamily="34" charset="0"/>
-              <a:cs typeface="Arial" panose="020B0604020202020204" pitchFamily="34" charset="0"/>
-              <a:sym typeface="Overpass"/>
-            </a:endParaRPr>
-          </a:p>
-          <a:p>
-            <a:pPr marL="1143000" lvl="1" indent="-457200">
-              <a:spcBef>
-                <a:spcPts val="1067"/>
-              </a:spcBef>
-            </a:pPr>
-            <a:r>
-              <a:rPr lang="fr-CA" sz="2000" dirty="0" err="1">
-                <a:latin typeface="Arial" panose="020B0604020202020204" pitchFamily="34" charset="0"/>
-                <a:cs typeface="Arial" panose="020B0604020202020204" pitchFamily="34" charset="0"/>
-                <a:sym typeface="Overpass"/>
-              </a:rPr>
-              <a:t>SimPy</a:t>
-            </a:r>
-            <a:r>
-              <a:rPr lang="fr-CA" sz="2000" dirty="0">
-                <a:latin typeface="Arial" panose="020B0604020202020204" pitchFamily="34" charset="0"/>
-                <a:cs typeface="Arial" panose="020B0604020202020204" pitchFamily="34" charset="0"/>
-                <a:sym typeface="Overpass"/>
-              </a:rPr>
-              <a:t> (Python), </a:t>
-            </a:r>
-            <a:r>
-              <a:rPr lang="fr-CA" sz="2000" dirty="0" err="1">
-                <a:latin typeface="Arial" panose="020B0604020202020204" pitchFamily="34" charset="0"/>
-                <a:cs typeface="Arial" panose="020B0604020202020204" pitchFamily="34" charset="0"/>
-                <a:sym typeface="Overpass"/>
-              </a:rPr>
-              <a:t>OpenFoam</a:t>
-            </a:r>
-            <a:r>
-              <a:rPr lang="fr-CA" sz="2000" dirty="0">
-                <a:latin typeface="Arial" panose="020B0604020202020204" pitchFamily="34" charset="0"/>
-                <a:cs typeface="Arial" panose="020B0604020202020204" pitchFamily="34" charset="0"/>
-                <a:sym typeface="Overpass"/>
-              </a:rPr>
-              <a:t> (C++), MATLAB</a:t>
-            </a:r>
-          </a:p>
-          <a:p>
-            <a:pPr marL="457200" indent="-457200">
-              <a:spcBef>
-                <a:spcPts val="1067"/>
-              </a:spcBef>
-              <a:buFont typeface="Arial" panose="020B0604020202020204" pitchFamily="34" charset="0"/>
-              <a:buChar char="•"/>
-            </a:pPr>
-            <a:endParaRPr lang="fr-FR" sz="2400" i="1" dirty="0">
-              <a:latin typeface="Arial" panose="020B0604020202020204" pitchFamily="34" charset="0"/>
-              <a:cs typeface="Arial" panose="020B0604020202020204" pitchFamily="34" charset="0"/>
-              <a:sym typeface="Overpass"/>
-            </a:endParaRPr>
-          </a:p>
-          <a:p>
-            <a:pPr marL="457200" indent="-457200">
-              <a:spcBef>
-                <a:spcPts val="1067"/>
-              </a:spcBef>
-              <a:buFont typeface="Arial" panose="020B0604020202020204" pitchFamily="34" charset="0"/>
-              <a:buChar char="•"/>
-            </a:pPr>
-            <a:r>
-              <a:rPr lang="fr-FR" sz="2400" i="1" dirty="0">
-                <a:latin typeface="Arial" panose="020B0604020202020204" pitchFamily="34" charset="0"/>
-                <a:cs typeface="Arial" panose="020B0604020202020204" pitchFamily="34" charset="0"/>
-                <a:sym typeface="Overpass"/>
-              </a:rPr>
-              <a:t>Outils avec interface graphique</a:t>
-            </a:r>
-          </a:p>
-          <a:p>
-            <a:pPr marL="1143000" lvl="1" indent="-457200">
-              <a:spcBef>
-                <a:spcPts val="1067"/>
-              </a:spcBef>
-            </a:pPr>
-            <a:r>
-              <a:rPr lang="fr-FR" sz="2000" i="1" dirty="0" err="1">
-                <a:latin typeface="Arial" panose="020B0604020202020204" pitchFamily="34" charset="0"/>
-                <a:cs typeface="Arial" panose="020B0604020202020204" pitchFamily="34" charset="0"/>
-                <a:sym typeface="Overpass"/>
-              </a:rPr>
-              <a:t>Simio</a:t>
-            </a:r>
-            <a:r>
-              <a:rPr lang="fr-FR" sz="2000" i="1" dirty="0">
-                <a:latin typeface="Arial" panose="020B0604020202020204" pitchFamily="34" charset="0"/>
-                <a:cs typeface="Arial" panose="020B0604020202020204" pitchFamily="34" charset="0"/>
-                <a:sym typeface="Overpass"/>
-              </a:rPr>
-              <a:t>, Arena, Simulink</a:t>
-            </a:r>
-          </a:p>
-          <a:p>
-            <a:pPr marL="1143000" lvl="1" indent="-457200">
-              <a:spcBef>
-                <a:spcPts val="1067"/>
-              </a:spcBef>
-            </a:pPr>
-            <a:endParaRPr lang="fr-FR" sz="2000" i="1" dirty="0">
-              <a:latin typeface="Arial" panose="020B0604020202020204" pitchFamily="34" charset="0"/>
-              <a:cs typeface="Arial" panose="020B0604020202020204" pitchFamily="34" charset="0"/>
-              <a:sym typeface="Overpass"/>
-            </a:endParaRPr>
-          </a:p>
-          <a:p>
-            <a:pPr marL="457200" indent="-457200">
-              <a:spcBef>
-                <a:spcPts val="1067"/>
-              </a:spcBef>
-              <a:buFont typeface="Arial" panose="020B0604020202020204" pitchFamily="34" charset="0"/>
-              <a:buChar char="•"/>
-            </a:pPr>
-            <a:r>
-              <a:rPr lang="fr-FR" sz="2400" i="1" dirty="0">
-                <a:latin typeface="Arial" panose="020B0604020202020204" pitchFamily="34" charset="0"/>
-                <a:cs typeface="Arial" panose="020B0604020202020204" pitchFamily="34" charset="0"/>
-                <a:sym typeface="Overpass"/>
-              </a:rPr>
-              <a:t>Outils hybrides (GUI + scripts)</a:t>
-            </a:r>
-          </a:p>
-          <a:p>
-            <a:pPr marL="1143000" lvl="1" indent="-457200">
-              <a:spcBef>
-                <a:spcPts val="1067"/>
-              </a:spcBef>
-            </a:pPr>
-            <a:r>
-              <a:rPr lang="fr-CA" sz="2000" dirty="0" err="1">
-                <a:latin typeface="Arial" panose="020B0604020202020204" pitchFamily="34" charset="0"/>
-                <a:cs typeface="Arial" panose="020B0604020202020204" pitchFamily="34" charset="0"/>
-                <a:sym typeface="Overpass"/>
-              </a:rPr>
-              <a:t>AnyLogic</a:t>
-            </a:r>
-            <a:r>
-              <a:rPr lang="fr-CA" sz="2000" dirty="0">
-                <a:latin typeface="Arial" panose="020B0604020202020204" pitchFamily="34" charset="0"/>
-                <a:cs typeface="Arial" panose="020B0604020202020204" pitchFamily="34" charset="0"/>
-                <a:sym typeface="Overpass"/>
-              </a:rPr>
-              <a:t>, GAMA, </a:t>
-            </a:r>
-          </a:p>
-        </p:txBody>
-      </p:sp>
-    </p:spTree>
-    <p:extLst>
-      <p:ext uri="{BB962C8B-B14F-4D97-AF65-F5344CB8AC3E}">
-        <p14:creationId xmlns:p14="http://schemas.microsoft.com/office/powerpoint/2010/main" val="1566703291"/>
-      </p:ext>
-    </p:extLst>
-  </p:cSld>
-  <p:clrMapOvr>
-    <a:masterClrMapping/>
-  </p:clrMapOvr>
-</p:sld>
-</file>
-
-<file path=ppt/slides/slide6.xml><?xml version="1.0" encoding="utf-8"?>
-<p:sld xmlns:a="http://schemas.openxmlformats.org/drawingml/2006/main" xmlns:r="http://schemas.openxmlformats.org/officeDocument/2006/relationships" xmlns:p="http://schemas.openxmlformats.org/presentationml/2006/main">
-  <p:cSld>
-    <p:spTree>
-      <p:nvGrpSpPr>
-        <p:cNvPr id="1" name=""/>
-        <p:cNvGrpSpPr/>
-        <p:nvPr/>
-      </p:nvGrpSpPr>
-      <p:grpSpPr>
-        <a:xfrm>
-          <a:off x="0" y="0"/>
-          <a:ext cx="0" cy="0"/>
-          <a:chOff x="0" y="0"/>
-          <a:chExt cx="0" cy="0"/>
-        </a:xfrm>
-      </p:grpSpPr>
-      <p:sp>
-        <p:nvSpPr>
-          <p:cNvPr id="4" name="Google Shape;156;p20">
-            <a:extLst>
-              <a:ext uri="{FF2B5EF4-FFF2-40B4-BE49-F238E27FC236}">
-                <a16:creationId xmlns:a16="http://schemas.microsoft.com/office/drawing/2014/main" id="{37FE4FD6-0443-49A3-9139-FB2446389BE8}"/>
-              </a:ext>
-            </a:extLst>
-          </p:cNvPr>
-          <p:cNvSpPr txBox="1">
-            <a:spLocks/>
-          </p:cNvSpPr>
-          <p:nvPr>
-            <p:custDataLst>
-              <p:tags r:id="rId1"/>
-            </p:custDataLst>
-          </p:nvPr>
-        </p:nvSpPr>
-        <p:spPr>
-          <a:xfrm>
-            <a:off x="972600" y="807900"/>
-            <a:ext cx="10660076" cy="713600"/>
-          </a:xfrm>
-          <a:prstGeom prst="rect">
-            <a:avLst/>
-          </a:prstGeom>
-          <a:noFill/>
-          <a:ln>
-            <a:noFill/>
-          </a:ln>
-        </p:spPr>
-        <p:txBody>
-          <a:bodyPr spcFirstLastPara="1" wrap="square" lIns="121900" tIns="121900" rIns="121900" bIns="121900" anchor="t" anchorCtr="0">
-            <a:normAutofit fontScale="97500"/>
-          </a:bodyPr>
-          <a:lstStyle>
-            <a:defPPr marR="0" lvl="0" algn="l" rtl="0">
-              <a:lnSpc>
-                <a:spcPct val="100000"/>
-              </a:lnSpc>
-              <a:spcBef>
-                <a:spcPts val="0"/>
-              </a:spcBef>
-              <a:spcAft>
-                <a:spcPts val="0"/>
-              </a:spcAft>
-            </a:defPPr>
-            <a:lvl1pPr marR="0" lvl="0" algn="l" rtl="0">
-              <a:lnSpc>
-                <a:spcPct val="100000"/>
-              </a:lnSpc>
-              <a:spcBef>
-                <a:spcPts val="0"/>
-              </a:spcBef>
-              <a:spcAft>
-                <a:spcPts val="0"/>
-              </a:spcAft>
-              <a:buClr>
-                <a:schemeClr val="dk2"/>
-              </a:buClr>
-              <a:buSzPts val="2600"/>
-              <a:buFont typeface="Raleway"/>
-              <a:buNone/>
-              <a:defRPr sz="2600" b="1" i="0" u="none" strike="noStrike" cap="none">
-                <a:solidFill>
-                  <a:schemeClr val="dk2"/>
-                </a:solidFill>
-                <a:latin typeface="Raleway"/>
-                <a:ea typeface="Raleway"/>
-                <a:cs typeface="Raleway"/>
-                <a:sym typeface="Raleway"/>
-              </a:defRPr>
-            </a:lvl1pPr>
-            <a:lvl2pPr marR="0" lvl="1" algn="l" rtl="0">
-              <a:lnSpc>
-                <a:spcPct val="100000"/>
-              </a:lnSpc>
-              <a:spcBef>
-                <a:spcPts val="0"/>
-              </a:spcBef>
-              <a:spcAft>
-                <a:spcPts val="0"/>
-              </a:spcAft>
-              <a:buClr>
-                <a:schemeClr val="dk2"/>
-              </a:buClr>
-              <a:buSzPts val="2600"/>
-              <a:buFont typeface="Raleway"/>
-              <a:buNone/>
-              <a:defRPr sz="2600" b="1" i="0" u="none" strike="noStrike" cap="none">
-                <a:solidFill>
-                  <a:schemeClr val="dk2"/>
-                </a:solidFill>
-                <a:latin typeface="Raleway"/>
-                <a:ea typeface="Raleway"/>
-                <a:cs typeface="Raleway"/>
-                <a:sym typeface="Raleway"/>
-              </a:defRPr>
-            </a:lvl2pPr>
-            <a:lvl3pPr marR="0" lvl="2" algn="l" rtl="0">
-              <a:lnSpc>
-                <a:spcPct val="100000"/>
-              </a:lnSpc>
-              <a:spcBef>
-                <a:spcPts val="0"/>
-              </a:spcBef>
-              <a:spcAft>
-                <a:spcPts val="0"/>
-              </a:spcAft>
-              <a:buClr>
-                <a:schemeClr val="dk2"/>
-              </a:buClr>
-              <a:buSzPts val="2600"/>
-              <a:buFont typeface="Raleway"/>
-              <a:buNone/>
-              <a:defRPr sz="2600" b="1" i="0" u="none" strike="noStrike" cap="none">
-                <a:solidFill>
-                  <a:schemeClr val="dk2"/>
-                </a:solidFill>
-                <a:latin typeface="Raleway"/>
-                <a:ea typeface="Raleway"/>
-                <a:cs typeface="Raleway"/>
-                <a:sym typeface="Raleway"/>
-              </a:defRPr>
-            </a:lvl3pPr>
-            <a:lvl4pPr marR="0" lvl="3" algn="l" rtl="0">
-              <a:lnSpc>
-                <a:spcPct val="100000"/>
-              </a:lnSpc>
-              <a:spcBef>
-                <a:spcPts val="0"/>
-              </a:spcBef>
-              <a:spcAft>
-                <a:spcPts val="0"/>
-              </a:spcAft>
-              <a:buClr>
-                <a:schemeClr val="dk2"/>
-              </a:buClr>
-              <a:buSzPts val="2600"/>
-              <a:buFont typeface="Raleway"/>
-              <a:buNone/>
-              <a:defRPr sz="2600" b="1" i="0" u="none" strike="noStrike" cap="none">
-                <a:solidFill>
-                  <a:schemeClr val="dk2"/>
-                </a:solidFill>
-                <a:latin typeface="Raleway"/>
-                <a:ea typeface="Raleway"/>
-                <a:cs typeface="Raleway"/>
-                <a:sym typeface="Raleway"/>
-              </a:defRPr>
-            </a:lvl4pPr>
-            <a:lvl5pPr marR="0" lvl="4" algn="l" rtl="0">
-              <a:lnSpc>
-                <a:spcPct val="100000"/>
-              </a:lnSpc>
-              <a:spcBef>
-                <a:spcPts val="0"/>
-              </a:spcBef>
-              <a:spcAft>
-                <a:spcPts val="0"/>
-              </a:spcAft>
-              <a:buClr>
-                <a:schemeClr val="dk2"/>
-              </a:buClr>
-              <a:buSzPts val="2600"/>
-              <a:buFont typeface="Raleway"/>
-              <a:buNone/>
-              <a:defRPr sz="2600" b="1" i="0" u="none" strike="noStrike" cap="none">
-                <a:solidFill>
-                  <a:schemeClr val="dk2"/>
-                </a:solidFill>
-                <a:latin typeface="Raleway"/>
-                <a:ea typeface="Raleway"/>
-                <a:cs typeface="Raleway"/>
-                <a:sym typeface="Raleway"/>
-              </a:defRPr>
-            </a:lvl5pPr>
-            <a:lvl6pPr marR="0" lvl="5" algn="l" rtl="0">
-              <a:lnSpc>
-                <a:spcPct val="100000"/>
-              </a:lnSpc>
-              <a:spcBef>
-                <a:spcPts val="0"/>
-              </a:spcBef>
-              <a:spcAft>
-                <a:spcPts val="0"/>
-              </a:spcAft>
-              <a:buClr>
-                <a:schemeClr val="dk2"/>
-              </a:buClr>
-              <a:buSzPts val="2600"/>
-              <a:buFont typeface="Raleway"/>
-              <a:buNone/>
-              <a:defRPr sz="2600" b="1" i="0" u="none" strike="noStrike" cap="none">
-                <a:solidFill>
-                  <a:schemeClr val="dk2"/>
-                </a:solidFill>
-                <a:latin typeface="Raleway"/>
-                <a:ea typeface="Raleway"/>
-                <a:cs typeface="Raleway"/>
-                <a:sym typeface="Raleway"/>
-              </a:defRPr>
-            </a:lvl6pPr>
-            <a:lvl7pPr marR="0" lvl="6" algn="l" rtl="0">
-              <a:lnSpc>
-                <a:spcPct val="100000"/>
-              </a:lnSpc>
-              <a:spcBef>
-                <a:spcPts val="0"/>
-              </a:spcBef>
-              <a:spcAft>
-                <a:spcPts val="0"/>
-              </a:spcAft>
-              <a:buClr>
-                <a:schemeClr val="dk2"/>
-              </a:buClr>
-              <a:buSzPts val="2600"/>
-              <a:buFont typeface="Raleway"/>
-              <a:buNone/>
-              <a:defRPr sz="2600" b="1" i="0" u="none" strike="noStrike" cap="none">
-                <a:solidFill>
-                  <a:schemeClr val="dk2"/>
-                </a:solidFill>
-                <a:latin typeface="Raleway"/>
-                <a:ea typeface="Raleway"/>
-                <a:cs typeface="Raleway"/>
-                <a:sym typeface="Raleway"/>
-              </a:defRPr>
-            </a:lvl7pPr>
-            <a:lvl8pPr marR="0" lvl="7" algn="l" rtl="0">
-              <a:lnSpc>
-                <a:spcPct val="100000"/>
-              </a:lnSpc>
-              <a:spcBef>
-                <a:spcPts val="0"/>
-              </a:spcBef>
-              <a:spcAft>
-                <a:spcPts val="0"/>
-              </a:spcAft>
-              <a:buClr>
-                <a:schemeClr val="dk2"/>
-              </a:buClr>
-              <a:buSzPts val="2600"/>
-              <a:buFont typeface="Raleway"/>
-              <a:buNone/>
-              <a:defRPr sz="2600" b="1" i="0" u="none" strike="noStrike" cap="none">
-                <a:solidFill>
-                  <a:schemeClr val="dk2"/>
-                </a:solidFill>
-                <a:latin typeface="Raleway"/>
-                <a:ea typeface="Raleway"/>
-                <a:cs typeface="Raleway"/>
-                <a:sym typeface="Raleway"/>
-              </a:defRPr>
-            </a:lvl8pPr>
-            <a:lvl9pPr marR="0" lvl="8" algn="l" rtl="0">
-              <a:lnSpc>
-                <a:spcPct val="100000"/>
-              </a:lnSpc>
-              <a:spcBef>
-                <a:spcPts val="0"/>
-              </a:spcBef>
-              <a:spcAft>
-                <a:spcPts val="0"/>
-              </a:spcAft>
-              <a:buClr>
-                <a:schemeClr val="dk2"/>
-              </a:buClr>
-              <a:buSzPts val="2600"/>
-              <a:buFont typeface="Raleway"/>
-              <a:buNone/>
-              <a:defRPr sz="2600" b="1" i="0" u="none" strike="noStrike" cap="none">
-                <a:solidFill>
-                  <a:schemeClr val="dk2"/>
-                </a:solidFill>
-                <a:latin typeface="Raleway"/>
-                <a:ea typeface="Raleway"/>
-                <a:cs typeface="Raleway"/>
-                <a:sym typeface="Raleway"/>
-              </a:defRPr>
-            </a:lvl9pPr>
-          </a:lstStyle>
-          <a:p>
-            <a:r>
               <a:rPr lang="fr-FR" sz="2800" dirty="0" err="1">
                 <a:solidFill>
                   <a:schemeClr val="tx1"/>
@@ -45018,7 +43301,7 @@
         </p:nvSpPr>
         <p:spPr>
           <a:xfrm>
-            <a:off x="1083825" y="1993324"/>
+            <a:off x="1083825" y="1728148"/>
             <a:ext cx="9266806" cy="3889002"/>
           </a:xfrm>
           <a:prstGeom prst="rect">
@@ -45300,7 +43583,7 @@
                 <a:cs typeface="Arial" panose="020B0604020202020204" pitchFamily="34" charset="0"/>
                 <a:sym typeface="Overpass"/>
               </a:rPr>
-              <a:t>Interface Conviviale</a:t>
+              <a:t>Interface conviviale</a:t>
             </a:r>
             <a:r>
               <a:rPr lang="fr-CA" sz="2200" dirty="0">
@@ -45323,7 +43606,7 @@
                 <a:cs typeface="Arial" panose="020B0604020202020204" pitchFamily="34" charset="0"/>
                 <a:sym typeface="Overpass"/>
               </a:rPr>
-              <a:t>Analyse de Données en Temps Réel</a:t>
+              <a:t>Analyse de données en temps réel</a:t>
             </a:r>
             <a:r>
               <a:rPr lang="fr-CA" sz="2200" dirty="0">
@@ -45346,7 +43629,7 @@
                 <a:cs typeface="Arial" panose="020B0604020202020204" pitchFamily="34" charset="0"/>
                 <a:sym typeface="Overpass"/>
               </a:rPr>
-              <a:t>Flexibilité de Modélisation</a:t>
+              <a:t>Flexibilité de modélisation</a:t>
             </a:r>
             <a:r>
               <a:rPr lang="fr-CA" sz="2200" dirty="0">
@@ -45369,7 +43652,7 @@
                 <a:cs typeface="Arial" panose="020B0604020202020204" pitchFamily="34" charset="0"/>
                 <a:sym typeface="Overpass"/>
               </a:rPr>
-              <a:t>Outils d'Optimisation</a:t>
+              <a:t>Outils d’optimisation</a:t>
             </a:r>
             <a:r>
               <a:rPr lang="fr-CA" sz="2200" dirty="0">
@@ -45500,7 +43783,7 @@
 </p:sld>
 </file>
 
-<file path=ppt/slides/slide7.xml><?xml version="1.0" encoding="utf-8"?>
+<file path=ppt/slides/slide6.xml><?xml version="1.0" encoding="utf-8"?>
 <p:sld xmlns:a="http://schemas.openxmlformats.org/drawingml/2006/main" xmlns:r="http://schemas.openxmlformats.org/officeDocument/2006/relationships" xmlns:p="http://schemas.openxmlformats.org/presentationml/2006/main">
   <p:cSld>
     <p:spTree>
@@ -45829,7 +44112,7 @@
         </p:nvSpPr>
         <p:spPr>
           <a:xfrm>
-            <a:off x="1083825" y="1993324"/>
+            <a:off x="1083825" y="1609276"/>
             <a:ext cx="9266806" cy="3889002"/>
           </a:xfrm>
           <a:prstGeom prst="rect">
@@ -46034,7 +44317,7 @@
                 <a:cs typeface="Arial" panose="020B0604020202020204" pitchFamily="34" charset="0"/>
                 <a:sym typeface="Overpass"/>
               </a:rPr>
-              <a:t>Production de pots de confitures.</a:t>
+              <a:t>Production de pots de confitures pour différentes marques.</a:t>
             </a:r>
           </a:p>
           <a:p>
@@ -46069,7 +44352,7 @@
                 <a:cs typeface="Arial" panose="020B0604020202020204" pitchFamily="34" charset="0"/>
                 <a:sym typeface="Overpass"/>
               </a:rPr>
-              <a:t>Tri, Lavage, Cuisson, Mise en pots.</a:t>
+              <a:t>Tri des fruits, Lavage, Cuisson, Mise en pots.</a:t>
             </a:r>
           </a:p>
           <a:p>
@@ -46086,7 +44369,7 @@
                 <a:cs typeface="Arial" panose="020B0604020202020204" pitchFamily="34" charset="0"/>
                 <a:sym typeface="Overpass"/>
               </a:rPr>
-              <a:t>La capacité est équilibrée à environ 1 unité par 37 secondes en moyenne.</a:t>
+              <a:t>Capacité de production équilibrée pour produire en moyenne un pot toutes les 37 secondes.</a:t>
             </a:r>
           </a:p>
           <a:p>
@@ -46182,7 +44465,7 @@
         </p:blipFill>
         <p:spPr>
           <a:xfrm>
-            <a:off x="8810377" y="264794"/>
+            <a:off x="9477889" y="264794"/>
             <a:ext cx="1897798" cy="2827786"/>
           </a:xfrm>
           <a:prstGeom prst="rect">
@@ -46292,7 +44575,7 @@
 </p:sld>
 </file>
 
-<file path=ppt/slides/slide8.xml><?xml version="1.0" encoding="utf-8"?>
+<file path=ppt/slides/slide7.xml><?xml version="1.0" encoding="utf-8"?>
 <p:sld xmlns:a="http://schemas.openxmlformats.org/drawingml/2006/main" xmlns:r="http://schemas.openxmlformats.org/officeDocument/2006/relationships" xmlns:p="http://schemas.openxmlformats.org/presentationml/2006/main">
   <p:cSld>
     <p:spTree>
@@ -46631,7 +44914,7 @@
         </p:spPr>
         <p:txBody>
           <a:bodyPr spcFirstLastPara="1" vert="horz" wrap="square" lIns="0" tIns="0" rIns="0" bIns="0" rtlCol="0" anchor="t" anchorCtr="0">
-            <a:normAutofit/>
+            <a:normAutofit lnSpcReduction="10000"/>
           </a:bodyPr>
           <a:lstStyle>
             <a:lvl1pPr marL="0" indent="0" algn="l" defTabSz="914400" rtl="0" eaLnBrk="1" latinLnBrk="0" hangingPunct="1">
@@ -46826,7 +45109,7 @@
                 <a:cs typeface="Arial" panose="020B0604020202020204" pitchFamily="34" charset="0"/>
                 <a:sym typeface="Overpass"/>
               </a:rPr>
-              <a:t>On cherche à évaluer la faisabilité d’une demande client.</a:t>
+              <a:t>On cherche à évaluer la faisabilité d’une demande d’une grande chaîne d’alimentation.</a:t>
             </a:r>
           </a:p>
           <a:p>
@@ -47044,7 +45327,7 @@
 </p:sld>
 </file>
 
-<file path=ppt/slides/slide9.xml><?xml version="1.0" encoding="utf-8"?>
+<file path=ppt/slides/slide8.xml><?xml version="1.0" encoding="utf-8"?>
 <p:sld xmlns:a="http://schemas.openxmlformats.org/drawingml/2006/main" xmlns:r="http://schemas.openxmlformats.org/officeDocument/2006/relationships" xmlns:p="http://schemas.openxmlformats.org/presentationml/2006/main">
   <p:cSld>
     <p:spTree>
@@ -47352,7 +45635,7 @@
                 <a:latin typeface="Arial" panose="020B0604020202020204" pitchFamily="34" charset="0"/>
                 <a:cs typeface="Arial" panose="020B0604020202020204" pitchFamily="34" charset="0"/>
               </a:rPr>
-              <a:t>Résultats</a:t>
+              <a:t>Résultat</a:t>
             </a:r>
           </a:p>
         </p:txBody>
@@ -47710,6 +45993,803 @@
     <p:extLst>
       <p:ext uri="{BB962C8B-B14F-4D97-AF65-F5344CB8AC3E}">
         <p14:creationId xmlns:p14="http://schemas.microsoft.com/office/powerpoint/2010/main" val="389453396"/>
+      </p:ext>
+    </p:extLst>
+  </p:cSld>
+  <p:clrMapOvr>
+    <a:masterClrMapping/>
+  </p:clrMapOvr>
+</p:sld>
+</file>
+
+<file path=ppt/slides/slide9.xml><?xml version="1.0" encoding="utf-8"?>
+<p:sld xmlns:a="http://schemas.openxmlformats.org/drawingml/2006/main" xmlns:r="http://schemas.openxmlformats.org/officeDocument/2006/relationships" xmlns:p="http://schemas.openxmlformats.org/presentationml/2006/main">
+  <p:cSld>
+    <p:spTree>
+      <p:nvGrpSpPr>
+        <p:cNvPr id="1" name=""/>
+        <p:cNvGrpSpPr/>
+        <p:nvPr/>
+      </p:nvGrpSpPr>
+      <p:grpSpPr>
+        <a:xfrm>
+          <a:off x="0" y="0"/>
+          <a:ext cx="0" cy="0"/>
+          <a:chOff x="0" y="0"/>
+          <a:chExt cx="0" cy="0"/>
+        </a:xfrm>
+      </p:grpSpPr>
+      <p:sp>
+        <p:nvSpPr>
+          <p:cNvPr id="4" name="Google Shape;156;p20">
+            <a:extLst>
+              <a:ext uri="{FF2B5EF4-FFF2-40B4-BE49-F238E27FC236}">
+                <a16:creationId xmlns:a16="http://schemas.microsoft.com/office/drawing/2014/main" id="{37FE4FD6-0443-49A3-9139-FB2446389BE8}"/>
+              </a:ext>
+            </a:extLst>
+          </p:cNvPr>
+          <p:cNvSpPr txBox="1">
+            <a:spLocks/>
+          </p:cNvSpPr>
+          <p:nvPr>
+            <p:custDataLst>
+              <p:tags r:id="rId1"/>
+            </p:custDataLst>
+          </p:nvPr>
+        </p:nvSpPr>
+        <p:spPr>
+          <a:xfrm>
+            <a:off x="972600" y="807900"/>
+            <a:ext cx="10660076" cy="713600"/>
+          </a:xfrm>
+          <a:prstGeom prst="rect">
+            <a:avLst/>
+          </a:prstGeom>
+          <a:noFill/>
+          <a:ln>
+            <a:noFill/>
+          </a:ln>
+        </p:spPr>
+        <p:txBody>
+          <a:bodyPr spcFirstLastPara="1" wrap="square" lIns="121900" tIns="121900" rIns="121900" bIns="121900" anchor="t" anchorCtr="0">
+            <a:normAutofit fontScale="97500"/>
+          </a:bodyPr>
+          <a:lstStyle>
+            <a:defPPr marR="0" lvl="0" algn="l" rtl="0">
+              <a:lnSpc>
+                <a:spcPct val="100000"/>
+              </a:lnSpc>
+              <a:spcBef>
+                <a:spcPts val="0"/>
+              </a:spcBef>
+              <a:spcAft>
+                <a:spcPts val="0"/>
+              </a:spcAft>
+            </a:defPPr>
+            <a:lvl1pPr marR="0" lvl="0" algn="l" rtl="0">
+              <a:lnSpc>
+                <a:spcPct val="100000"/>
+              </a:lnSpc>
+              <a:spcBef>
+                <a:spcPts val="0"/>
+              </a:spcBef>
+              <a:spcAft>
+                <a:spcPts val="0"/>
+              </a:spcAft>
+              <a:buClr>
+                <a:schemeClr val="dk2"/>
+              </a:buClr>
+              <a:buSzPts val="2600"/>
+              <a:buFont typeface="Raleway"/>
+              <a:buNone/>
+              <a:defRPr sz="2600" b="1" i="0" u="none" strike="noStrike" cap="none">
+                <a:solidFill>
+                  <a:schemeClr val="dk2"/>
+                </a:solidFill>
+                <a:latin typeface="Raleway"/>
+                <a:ea typeface="Raleway"/>
+                <a:cs typeface="Raleway"/>
+                <a:sym typeface="Raleway"/>
+              </a:defRPr>
+            </a:lvl1pPr>
+            <a:lvl2pPr marR="0" lvl="1" algn="l" rtl="0">
+              <a:lnSpc>
+                <a:spcPct val="100000"/>
+              </a:lnSpc>
+              <a:spcBef>
+                <a:spcPts val="0"/>
+              </a:spcBef>
+              <a:spcAft>
+                <a:spcPts val="0"/>
+              </a:spcAft>
+              <a:buClr>
+                <a:schemeClr val="dk2"/>
+              </a:buClr>
+              <a:buSzPts val="2600"/>
+              <a:buFont typeface="Raleway"/>
+              <a:buNone/>
+              <a:defRPr sz="2600" b="1" i="0" u="none" strike="noStrike" cap="none">
+                <a:solidFill>
+                  <a:schemeClr val="dk2"/>
+                </a:solidFill>
+                <a:latin typeface="Raleway"/>
+                <a:ea typeface="Raleway"/>
+                <a:cs typeface="Raleway"/>
+                <a:sym typeface="Raleway"/>
+              </a:defRPr>
+            </a:lvl2pPr>
+            <a:lvl3pPr marR="0" lvl="2" algn="l" rtl="0">
+              <a:lnSpc>
+                <a:spcPct val="100000"/>
+              </a:lnSpc>
+              <a:spcBef>
+                <a:spcPts val="0"/>
+              </a:spcBef>
+              <a:spcAft>
+                <a:spcPts val="0"/>
+              </a:spcAft>
+              <a:buClr>
+                <a:schemeClr val="dk2"/>
+              </a:buClr>
+              <a:buSzPts val="2600"/>
+              <a:buFont typeface="Raleway"/>
+              <a:buNone/>
+              <a:defRPr sz="2600" b="1" i="0" u="none" strike="noStrike" cap="none">
+                <a:solidFill>
+                  <a:schemeClr val="dk2"/>
+                </a:solidFill>
+                <a:latin typeface="Raleway"/>
+                <a:ea typeface="Raleway"/>
+                <a:cs typeface="Raleway"/>
+                <a:sym typeface="Raleway"/>
+              </a:defRPr>
+            </a:lvl3pPr>
+            <a:lvl4pPr marR="0" lvl="3" algn="l" rtl="0">
+              <a:lnSpc>
+                <a:spcPct val="100000"/>
+              </a:lnSpc>
+              <a:spcBef>
+                <a:spcPts val="0"/>
+              </a:spcBef>
+              <a:spcAft>
+                <a:spcPts val="0"/>
+              </a:spcAft>
+              <a:buClr>
+                <a:schemeClr val="dk2"/>
+              </a:buClr>
+              <a:buSzPts val="2600"/>
+              <a:buFont typeface="Raleway"/>
+              <a:buNone/>
+              <a:defRPr sz="2600" b="1" i="0" u="none" strike="noStrike" cap="none">
+                <a:solidFill>
+                  <a:schemeClr val="dk2"/>
+                </a:solidFill>
+                <a:latin typeface="Raleway"/>
+                <a:ea typeface="Raleway"/>
+                <a:cs typeface="Raleway"/>
+                <a:sym typeface="Raleway"/>
+              </a:defRPr>
+            </a:lvl4pPr>
+            <a:lvl5pPr marR="0" lvl="4" algn="l" rtl="0">
+              <a:lnSpc>
+                <a:spcPct val="100000"/>
+              </a:lnSpc>
+              <a:spcBef>
+                <a:spcPts val="0"/>
+              </a:spcBef>
+              <a:spcAft>
+                <a:spcPts val="0"/>
+              </a:spcAft>
+              <a:buClr>
+                <a:schemeClr val="dk2"/>
+              </a:buClr>
+              <a:buSzPts val="2600"/>
+              <a:buFont typeface="Raleway"/>
+              <a:buNone/>
+              <a:defRPr sz="2600" b="1" i="0" u="none" strike="noStrike" cap="none">
+                <a:solidFill>
+                  <a:schemeClr val="dk2"/>
+                </a:solidFill>
+                <a:latin typeface="Raleway"/>
+                <a:ea typeface="Raleway"/>
+                <a:cs typeface="Raleway"/>
+                <a:sym typeface="Raleway"/>
+              </a:defRPr>
+            </a:lvl5pPr>
+            <a:lvl6pPr marR="0" lvl="5" algn="l" rtl="0">
+              <a:lnSpc>
+                <a:spcPct val="100000"/>
+              </a:lnSpc>
+              <a:spcBef>
+                <a:spcPts val="0"/>
+              </a:spcBef>
+              <a:spcAft>
+                <a:spcPts val="0"/>
+              </a:spcAft>
+              <a:buClr>
+                <a:schemeClr val="dk2"/>
+              </a:buClr>
+              <a:buSzPts val="2600"/>
+              <a:buFont typeface="Raleway"/>
+              <a:buNone/>
+              <a:defRPr sz="2600" b="1" i="0" u="none" strike="noStrike" cap="none">
+                <a:solidFill>
+                  <a:schemeClr val="dk2"/>
+                </a:solidFill>
+                <a:latin typeface="Raleway"/>
+                <a:ea typeface="Raleway"/>
+                <a:cs typeface="Raleway"/>
+                <a:sym typeface="Raleway"/>
+              </a:defRPr>
+            </a:lvl6pPr>
+            <a:lvl7pPr marR="0" lvl="6" algn="l" rtl="0">
+              <a:lnSpc>
+                <a:spcPct val="100000"/>
+              </a:lnSpc>
+              <a:spcBef>
+                <a:spcPts val="0"/>
+              </a:spcBef>
+              <a:spcAft>
+                <a:spcPts val="0"/>
+              </a:spcAft>
+              <a:buClr>
+                <a:schemeClr val="dk2"/>
+              </a:buClr>
+              <a:buSzPts val="2600"/>
+              <a:buFont typeface="Raleway"/>
+              <a:buNone/>
+              <a:defRPr sz="2600" b="1" i="0" u="none" strike="noStrike" cap="none">
+                <a:solidFill>
+                  <a:schemeClr val="dk2"/>
+                </a:solidFill>
+                <a:latin typeface="Raleway"/>
+                <a:ea typeface="Raleway"/>
+                <a:cs typeface="Raleway"/>
+                <a:sym typeface="Raleway"/>
+              </a:defRPr>
+            </a:lvl7pPr>
+            <a:lvl8pPr marR="0" lvl="7" algn="l" rtl="0">
+              <a:lnSpc>
+                <a:spcPct val="100000"/>
+              </a:lnSpc>
+              <a:spcBef>
+                <a:spcPts val="0"/>
+              </a:spcBef>
+              <a:spcAft>
+                <a:spcPts val="0"/>
+              </a:spcAft>
+              <a:buClr>
+                <a:schemeClr val="dk2"/>
+              </a:buClr>
+              <a:buSzPts val="2600"/>
+              <a:buFont typeface="Raleway"/>
+              <a:buNone/>
+              <a:defRPr sz="2600" b="1" i="0" u="none" strike="noStrike" cap="none">
+                <a:solidFill>
+                  <a:schemeClr val="dk2"/>
+                </a:solidFill>
+                <a:latin typeface="Raleway"/>
+                <a:ea typeface="Raleway"/>
+                <a:cs typeface="Raleway"/>
+                <a:sym typeface="Raleway"/>
+              </a:defRPr>
+            </a:lvl8pPr>
+            <a:lvl9pPr marR="0" lvl="8" algn="l" rtl="0">
+              <a:lnSpc>
+                <a:spcPct val="100000"/>
+              </a:lnSpc>
+              <a:spcBef>
+                <a:spcPts val="0"/>
+              </a:spcBef>
+              <a:spcAft>
+                <a:spcPts val="0"/>
+              </a:spcAft>
+              <a:buClr>
+                <a:schemeClr val="dk2"/>
+              </a:buClr>
+              <a:buSzPts val="2600"/>
+              <a:buFont typeface="Raleway"/>
+              <a:buNone/>
+              <a:defRPr sz="2600" b="1" i="0" u="none" strike="noStrike" cap="none">
+                <a:solidFill>
+                  <a:schemeClr val="dk2"/>
+                </a:solidFill>
+                <a:latin typeface="Raleway"/>
+                <a:ea typeface="Raleway"/>
+                <a:cs typeface="Raleway"/>
+                <a:sym typeface="Raleway"/>
+              </a:defRPr>
+            </a:lvl9pPr>
+          </a:lstStyle>
+          <a:p>
+            <a:r>
+              <a:rPr lang="fr-CA" sz="2800" dirty="0">
+                <a:solidFill>
+                  <a:schemeClr val="tx1"/>
+                </a:solidFill>
+                <a:latin typeface="Arial" panose="020B0604020202020204" pitchFamily="34" charset="0"/>
+                <a:cs typeface="Arial" panose="020B0604020202020204" pitchFamily="34" charset="0"/>
+              </a:rPr>
+              <a:t>Modélisation dans </a:t>
+            </a:r>
+            <a:r>
+              <a:rPr lang="fr-CA" sz="2800" dirty="0" err="1">
+                <a:solidFill>
+                  <a:schemeClr val="tx1"/>
+                </a:solidFill>
+                <a:latin typeface="Arial" panose="020B0604020202020204" pitchFamily="34" charset="0"/>
+                <a:cs typeface="Arial" panose="020B0604020202020204" pitchFamily="34" charset="0"/>
+              </a:rPr>
+              <a:t>Simio</a:t>
+            </a:r>
+            <a:r>
+              <a:rPr lang="fr-CA" sz="2800" dirty="0">
+                <a:solidFill>
+                  <a:schemeClr val="tx1"/>
+                </a:solidFill>
+                <a:latin typeface="Arial" panose="020B0604020202020204" pitchFamily="34" charset="0"/>
+                <a:cs typeface="Arial" panose="020B0604020202020204" pitchFamily="34" charset="0"/>
+              </a:rPr>
+              <a:t> : Première version</a:t>
+            </a:r>
+            <a:endParaRPr lang="fr-FR" sz="2800" dirty="0">
+              <a:solidFill>
+                <a:schemeClr val="tx1"/>
+              </a:solidFill>
+              <a:latin typeface="Arial" panose="020B0604020202020204" pitchFamily="34" charset="0"/>
+              <a:cs typeface="Arial" panose="020B0604020202020204" pitchFamily="34" charset="0"/>
+            </a:endParaRPr>
+          </a:p>
+        </p:txBody>
+      </p:sp>
+      <p:sp>
+        <p:nvSpPr>
+          <p:cNvPr id="11" name="Google Shape;309;p23">
+            <a:extLst>
+              <a:ext uri="{FF2B5EF4-FFF2-40B4-BE49-F238E27FC236}">
+                <a16:creationId xmlns:a16="http://schemas.microsoft.com/office/drawing/2014/main" id="{58B2142D-6FB6-4419-9CEA-26BD662700E4}"/>
+              </a:ext>
+            </a:extLst>
+          </p:cNvPr>
+          <p:cNvSpPr txBox="1">
+            <a:spLocks/>
+          </p:cNvSpPr>
+          <p:nvPr/>
+        </p:nvSpPr>
+        <p:spPr>
+          <a:xfrm>
+            <a:off x="1083825" y="1993324"/>
+            <a:ext cx="7466286" cy="3889002"/>
+          </a:xfrm>
+          <a:prstGeom prst="rect">
+            <a:avLst/>
+          </a:prstGeom>
+          <a:noFill/>
+        </p:spPr>
+        <p:txBody>
+          <a:bodyPr spcFirstLastPara="1" vert="horz" wrap="square" lIns="0" tIns="0" rIns="0" bIns="0" rtlCol="0" anchor="t" anchorCtr="0">
+            <a:normAutofit/>
+          </a:bodyPr>
+          <a:lstStyle>
+            <a:lvl1pPr marL="0" indent="0" algn="l" defTabSz="914400" rtl="0" eaLnBrk="1" latinLnBrk="0" hangingPunct="1">
+              <a:lnSpc>
+                <a:spcPct val="90000"/>
+              </a:lnSpc>
+              <a:spcBef>
+                <a:spcPts val="1000"/>
+              </a:spcBef>
+              <a:buClr>
+                <a:schemeClr val="tx2"/>
+              </a:buClr>
+              <a:buFont typeface="Arial" panose="020B0604020202020204" pitchFamily="34" charset="0"/>
+              <a:buNone/>
+              <a:defRPr sz="4000" b="0" i="0" kern="1200">
+                <a:solidFill>
+                  <a:schemeClr val="tx1"/>
+                </a:solidFill>
+                <a:latin typeface="Overpass Light" pitchFamily="2" charset="77"/>
+                <a:ea typeface="+mn-ea"/>
+                <a:cs typeface="+mn-cs"/>
+              </a:defRPr>
+            </a:lvl1pPr>
+            <a:lvl2pPr marL="685800" indent="-228600" algn="l" defTabSz="914400" rtl="0" eaLnBrk="1" latinLnBrk="0" hangingPunct="1">
+              <a:lnSpc>
+                <a:spcPct val="90000"/>
+              </a:lnSpc>
+              <a:spcBef>
+                <a:spcPts val="1000"/>
+              </a:spcBef>
+              <a:buClr>
+                <a:schemeClr val="tx2"/>
+              </a:buClr>
+              <a:buFont typeface="Arial" panose="020B0604020202020204" pitchFamily="34" charset="0"/>
+              <a:buChar char="•"/>
+              <a:defRPr sz="3600" b="0" i="0" kern="1200">
+                <a:solidFill>
+                  <a:schemeClr val="tx1"/>
+                </a:solidFill>
+                <a:latin typeface="Overpass Light" pitchFamily="2" charset="77"/>
+                <a:ea typeface="+mn-ea"/>
+                <a:cs typeface="+mn-cs"/>
+              </a:defRPr>
+            </a:lvl2pPr>
+            <a:lvl3pPr marL="1143000" indent="-228600" algn="l" defTabSz="914400" rtl="0" eaLnBrk="1" latinLnBrk="0" hangingPunct="1">
+              <a:lnSpc>
+                <a:spcPct val="90000"/>
+              </a:lnSpc>
+              <a:spcBef>
+                <a:spcPts val="600"/>
+              </a:spcBef>
+              <a:buClr>
+                <a:schemeClr val="tx2"/>
+              </a:buClr>
+              <a:buFont typeface="Arial" panose="020B0604020202020204" pitchFamily="34" charset="0"/>
+              <a:buChar char="•"/>
+              <a:defRPr sz="3200" b="0" i="0" kern="1200">
+                <a:solidFill>
+                  <a:schemeClr val="tx1"/>
+                </a:solidFill>
+                <a:latin typeface="Overpass Light" pitchFamily="2" charset="77"/>
+                <a:ea typeface="+mn-ea"/>
+                <a:cs typeface="+mn-cs"/>
+              </a:defRPr>
+            </a:lvl3pPr>
+            <a:lvl4pPr marL="1600200" indent="-228600" algn="l" defTabSz="914400" rtl="0" eaLnBrk="1" latinLnBrk="0" hangingPunct="1">
+              <a:lnSpc>
+                <a:spcPct val="90000"/>
+              </a:lnSpc>
+              <a:spcBef>
+                <a:spcPts val="300"/>
+              </a:spcBef>
+              <a:buClr>
+                <a:schemeClr val="tx2"/>
+              </a:buClr>
+              <a:buFont typeface="Arial" panose="020B0604020202020204" pitchFamily="34" charset="0"/>
+              <a:buChar char="•"/>
+              <a:defRPr sz="2400" b="0" i="0" kern="1200">
+                <a:solidFill>
+                  <a:schemeClr val="tx1"/>
+                </a:solidFill>
+                <a:latin typeface="Overpass Light" pitchFamily="2" charset="77"/>
+                <a:ea typeface="+mn-ea"/>
+                <a:cs typeface="+mn-cs"/>
+              </a:defRPr>
+            </a:lvl4pPr>
+            <a:lvl5pPr marL="2057400" indent="-228600" algn="l" defTabSz="914400" rtl="0" eaLnBrk="1" latinLnBrk="0" hangingPunct="1">
+              <a:lnSpc>
+                <a:spcPct val="90000"/>
+              </a:lnSpc>
+              <a:spcBef>
+                <a:spcPts val="500"/>
+              </a:spcBef>
+              <a:buClr>
+                <a:schemeClr val="tx2"/>
+              </a:buClr>
+              <a:buFont typeface="Arial" panose="020B0604020202020204" pitchFamily="34" charset="0"/>
+              <a:buChar char="•"/>
+              <a:defRPr sz="2000" b="0" i="0" kern="1200">
+                <a:solidFill>
+                  <a:schemeClr val="tx1"/>
+                </a:solidFill>
+                <a:latin typeface="Overpass Light" pitchFamily="2" charset="77"/>
+                <a:ea typeface="+mn-ea"/>
+                <a:cs typeface="+mn-cs"/>
+              </a:defRPr>
+            </a:lvl5pPr>
+            <a:lvl6pPr marL="2514600" indent="-228600" algn="l" defTabSz="914400" rtl="0" eaLnBrk="1" latinLnBrk="0" hangingPunct="1">
+              <a:lnSpc>
+                <a:spcPct val="90000"/>
+              </a:lnSpc>
+              <a:spcBef>
+                <a:spcPts val="500"/>
+              </a:spcBef>
+              <a:buFont typeface="Arial" panose="020B0604020202020204" pitchFamily="34" charset="0"/>
+              <a:buChar char="•"/>
+              <a:defRPr sz="1800" kern="1200">
+                <a:solidFill>
+                  <a:schemeClr val="tx1"/>
+                </a:solidFill>
+                <a:latin typeface="+mn-lt"/>
+                <a:ea typeface="+mn-ea"/>
+                <a:cs typeface="+mn-cs"/>
+              </a:defRPr>
+            </a:lvl6pPr>
+            <a:lvl7pPr marL="2971800" indent="-228600" algn="l" defTabSz="914400" rtl="0" eaLnBrk="1" latinLnBrk="0" hangingPunct="1">
+              <a:lnSpc>
+                <a:spcPct val="90000"/>
+              </a:lnSpc>
+              <a:spcBef>
+                <a:spcPts val="500"/>
+              </a:spcBef>
+              <a:buFont typeface="Arial" panose="020B0604020202020204" pitchFamily="34" charset="0"/>
+              <a:buChar char="•"/>
+              <a:defRPr sz="1800" kern="1200">
+                <a:solidFill>
+                  <a:schemeClr val="tx1"/>
+                </a:solidFill>
+                <a:latin typeface="+mn-lt"/>
+                <a:ea typeface="+mn-ea"/>
+                <a:cs typeface="+mn-cs"/>
+              </a:defRPr>
+            </a:lvl7pPr>
+            <a:lvl8pPr marL="3429000" indent="-228600" algn="l" defTabSz="914400" rtl="0" eaLnBrk="1" latinLnBrk="0" hangingPunct="1">
+              <a:lnSpc>
+                <a:spcPct val="90000"/>
+              </a:lnSpc>
+              <a:spcBef>
+                <a:spcPts val="500"/>
+              </a:spcBef>
+              <a:buFont typeface="Arial" panose="020B0604020202020204" pitchFamily="34" charset="0"/>
+              <a:buChar char="•"/>
+              <a:defRPr sz="1800" kern="1200">
+                <a:solidFill>
+                  <a:schemeClr val="tx1"/>
+                </a:solidFill>
+                <a:latin typeface="+mn-lt"/>
+                <a:ea typeface="+mn-ea"/>
+                <a:cs typeface="+mn-cs"/>
+              </a:defRPr>
+            </a:lvl8pPr>
+            <a:lvl9pPr marL="3886200" indent="-228600" algn="l" defTabSz="914400" rtl="0" eaLnBrk="1" latinLnBrk="0" hangingPunct="1">
+              <a:lnSpc>
+                <a:spcPct val="90000"/>
+              </a:lnSpc>
+              <a:spcBef>
+                <a:spcPts val="500"/>
+              </a:spcBef>
+              <a:buFont typeface="Arial" panose="020B0604020202020204" pitchFamily="34" charset="0"/>
+              <a:buChar char="•"/>
+              <a:defRPr sz="1800" kern="1200">
+                <a:solidFill>
+                  <a:schemeClr val="tx1"/>
+                </a:solidFill>
+                <a:latin typeface="+mn-lt"/>
+                <a:ea typeface="+mn-ea"/>
+                <a:cs typeface="+mn-cs"/>
+              </a:defRPr>
+            </a:lvl9pPr>
+          </a:lstStyle>
+          <a:p>
+            <a:pPr marL="457200" indent="-457200">
+              <a:spcBef>
+                <a:spcPts val="1067"/>
+              </a:spcBef>
+              <a:buFont typeface="Arial" panose="020B0604020202020204" pitchFamily="34" charset="0"/>
+              <a:buChar char="•"/>
+            </a:pPr>
+            <a:r>
+              <a:rPr lang="fr-CA" sz="2600" dirty="0">
+                <a:latin typeface="Arial" panose="020B0604020202020204" pitchFamily="34" charset="0"/>
+                <a:cs typeface="Arial" panose="020B0604020202020204" pitchFamily="34" charset="0"/>
+                <a:sym typeface="Overpass"/>
+              </a:rPr>
+              <a:t>Frontière du système</a:t>
+            </a:r>
+          </a:p>
+          <a:p>
+            <a:pPr marL="457200" indent="-457200">
+              <a:spcBef>
+                <a:spcPts val="1067"/>
+              </a:spcBef>
+              <a:buFont typeface="Arial" panose="020B0604020202020204" pitchFamily="34" charset="0"/>
+              <a:buChar char="•"/>
+            </a:pPr>
+            <a:r>
+              <a:rPr lang="fr-CA" sz="2600" dirty="0">
+                <a:latin typeface="Arial" panose="020B0604020202020204" pitchFamily="34" charset="0"/>
+                <a:cs typeface="Arial" panose="020B0604020202020204" pitchFamily="34" charset="0"/>
+                <a:sym typeface="Overpass"/>
+              </a:rPr>
+              <a:t>Source, </a:t>
+            </a:r>
+            <a:r>
+              <a:rPr lang="fr-CA" sz="2600" dirty="0" err="1">
+                <a:latin typeface="Arial" panose="020B0604020202020204" pitchFamily="34" charset="0"/>
+                <a:cs typeface="Arial" panose="020B0604020202020204" pitchFamily="34" charset="0"/>
+                <a:sym typeface="Overpass"/>
+              </a:rPr>
+              <a:t>Sink</a:t>
+            </a:r>
+            <a:r>
+              <a:rPr lang="fr-CA" sz="2600" dirty="0">
+                <a:latin typeface="Arial" panose="020B0604020202020204" pitchFamily="34" charset="0"/>
+                <a:cs typeface="Arial" panose="020B0604020202020204" pitchFamily="34" charset="0"/>
+                <a:sym typeface="Overpass"/>
+              </a:rPr>
+              <a:t>, Server</a:t>
+            </a:r>
+          </a:p>
+          <a:p>
+            <a:pPr marL="457200" indent="-457200">
+              <a:spcBef>
+                <a:spcPts val="1067"/>
+              </a:spcBef>
+              <a:buFont typeface="Arial" panose="020B0604020202020204" pitchFamily="34" charset="0"/>
+              <a:buChar char="•"/>
+            </a:pPr>
+            <a:r>
+              <a:rPr lang="fr-CA" sz="2600" dirty="0">
+                <a:latin typeface="Arial" panose="020B0604020202020204" pitchFamily="34" charset="0"/>
+                <a:cs typeface="Arial" panose="020B0604020202020204" pitchFamily="34" charset="0"/>
+                <a:sym typeface="Overpass"/>
+              </a:rPr>
+              <a:t>Path / </a:t>
+            </a:r>
+            <a:r>
+              <a:rPr lang="fr-CA" sz="2600" dirty="0" err="1">
+                <a:latin typeface="Arial" panose="020B0604020202020204" pitchFamily="34" charset="0"/>
+                <a:cs typeface="Arial" panose="020B0604020202020204" pitchFamily="34" charset="0"/>
+                <a:sym typeface="Overpass"/>
+              </a:rPr>
+              <a:t>Conveyor</a:t>
+            </a:r>
+            <a:endParaRPr lang="fr-CA" sz="2600" dirty="0">
+              <a:latin typeface="Arial" panose="020B0604020202020204" pitchFamily="34" charset="0"/>
+              <a:cs typeface="Arial" panose="020B0604020202020204" pitchFamily="34" charset="0"/>
+              <a:sym typeface="Overpass"/>
+            </a:endParaRPr>
+          </a:p>
+          <a:p>
+            <a:pPr marL="457200" indent="-457200">
+              <a:spcBef>
+                <a:spcPts val="1067"/>
+              </a:spcBef>
+              <a:buFont typeface="Arial" panose="020B0604020202020204" pitchFamily="34" charset="0"/>
+              <a:buChar char="•"/>
+            </a:pPr>
+            <a:endParaRPr lang="fr-CA" sz="2600" dirty="0">
+              <a:latin typeface="Arial" panose="020B0604020202020204" pitchFamily="34" charset="0"/>
+              <a:cs typeface="Arial" panose="020B0604020202020204" pitchFamily="34" charset="0"/>
+              <a:sym typeface="Overpass"/>
+            </a:endParaRPr>
+          </a:p>
+          <a:p>
+            <a:pPr marL="457200" indent="-457200">
+              <a:spcBef>
+                <a:spcPts val="1067"/>
+              </a:spcBef>
+              <a:buFont typeface="Arial" panose="020B0604020202020204" pitchFamily="34" charset="0"/>
+              <a:buChar char="•"/>
+            </a:pPr>
+            <a:r>
+              <a:rPr lang="fr-CA" sz="2600" b="1" dirty="0">
+                <a:latin typeface="Arial" panose="020B0604020202020204" pitchFamily="34" charset="0"/>
+                <a:cs typeface="Arial" panose="020B0604020202020204" pitchFamily="34" charset="0"/>
+                <a:sym typeface="Overpass"/>
+              </a:rPr>
+              <a:t>Ouvrir </a:t>
+            </a:r>
+            <a:r>
+              <a:rPr lang="fr-CA" sz="2600" b="1" dirty="0" err="1">
+                <a:latin typeface="Arial" panose="020B0604020202020204" pitchFamily="34" charset="0"/>
+                <a:cs typeface="Arial" panose="020B0604020202020204" pitchFamily="34" charset="0"/>
+                <a:sym typeface="Overpass"/>
+              </a:rPr>
+              <a:t>Simio</a:t>
+            </a:r>
+            <a:r>
+              <a:rPr lang="fr-CA" sz="2600" b="1" dirty="0">
+                <a:latin typeface="Arial" panose="020B0604020202020204" pitchFamily="34" charset="0"/>
+                <a:cs typeface="Arial" panose="020B0604020202020204" pitchFamily="34" charset="0"/>
+                <a:sym typeface="Overpass"/>
+              </a:rPr>
+              <a:t> (</a:t>
+            </a:r>
+            <a:r>
+              <a:rPr lang="fr-CA" sz="2600" b="1" dirty="0">
+                <a:solidFill>
+                  <a:srgbClr val="FF0000"/>
+                </a:solidFill>
+                <a:latin typeface="Arial" panose="020B0604020202020204" pitchFamily="34" charset="0"/>
+                <a:cs typeface="Arial" panose="020B0604020202020204" pitchFamily="34" charset="0"/>
+                <a:sym typeface="Overpass"/>
+              </a:rPr>
+              <a:t>PDF partie I. Modélisation du scénario de base</a:t>
+            </a:r>
+            <a:r>
+              <a:rPr lang="fr-CA" sz="2600" b="1" dirty="0">
+                <a:latin typeface="Arial" panose="020B0604020202020204" pitchFamily="34" charset="0"/>
+                <a:cs typeface="Arial" panose="020B0604020202020204" pitchFamily="34" charset="0"/>
+                <a:sym typeface="Overpass"/>
+              </a:rPr>
+              <a:t>)</a:t>
+            </a:r>
+          </a:p>
+        </p:txBody>
+      </p:sp>
+      <p:sp>
+        <p:nvSpPr>
+          <p:cNvPr id="5" name="Google Shape;95;p2">
+            <a:extLst>
+              <a:ext uri="{FF2B5EF4-FFF2-40B4-BE49-F238E27FC236}">
+                <a16:creationId xmlns:a16="http://schemas.microsoft.com/office/drawing/2014/main" id="{98D96367-4E4D-4830-82D2-BF98CDD25061}"/>
+              </a:ext>
+            </a:extLst>
+          </p:cNvPr>
+          <p:cNvSpPr/>
+          <p:nvPr/>
+        </p:nvSpPr>
+        <p:spPr>
+          <a:xfrm>
+            <a:off x="0" y="6575116"/>
+            <a:ext cx="12192000" cy="282884"/>
+          </a:xfrm>
+          <a:prstGeom prst="rect">
+            <a:avLst/>
+          </a:prstGeom>
+          <a:solidFill>
+            <a:srgbClr val="4FBFA5"/>
+          </a:solidFill>
+          <a:ln>
+            <a:noFill/>
+          </a:ln>
+        </p:spPr>
+        <p:txBody>
+          <a:bodyPr spcFirstLastPara="1" wrap="square" lIns="60950" tIns="60950" rIns="60950" bIns="60950" anchor="ctr" anchorCtr="0">
+            <a:noAutofit/>
+          </a:bodyPr>
+          <a:lstStyle/>
+          <a:p>
+            <a:endParaRPr sz="1200"/>
+          </a:p>
+        </p:txBody>
+      </p:sp>
+      <p:sp>
+        <p:nvSpPr>
+          <p:cNvPr id="6" name="Google Shape;96;p2">
+            <a:extLst>
+              <a:ext uri="{FF2B5EF4-FFF2-40B4-BE49-F238E27FC236}">
+                <a16:creationId xmlns:a16="http://schemas.microsoft.com/office/drawing/2014/main" id="{F1F357E9-15B3-4969-8033-A28AF374608D}"/>
+              </a:ext>
+            </a:extLst>
+          </p:cNvPr>
+          <p:cNvSpPr txBox="1"/>
+          <p:nvPr/>
+        </p:nvSpPr>
+        <p:spPr>
+          <a:xfrm>
+            <a:off x="4707650" y="6642889"/>
+            <a:ext cx="2776701" cy="172420"/>
+          </a:xfrm>
+          <a:prstGeom prst="rect">
+            <a:avLst/>
+          </a:prstGeom>
+          <a:noFill/>
+          <a:ln>
+            <a:noFill/>
+          </a:ln>
+        </p:spPr>
+        <p:txBody>
+          <a:bodyPr spcFirstLastPara="1" wrap="square" lIns="0" tIns="0" rIns="0" bIns="0" anchor="t" anchorCtr="0">
+            <a:spAutoFit/>
+          </a:bodyPr>
+          <a:lstStyle/>
+          <a:p>
+            <a:pPr>
+              <a:lnSpc>
+                <a:spcPct val="104996"/>
+              </a:lnSpc>
+            </a:pPr>
+            <a:r>
+              <a:rPr lang="en-US" sz="1067" b="1">
+                <a:solidFill>
+                  <a:srgbClr val="41403C"/>
+                </a:solidFill>
+                <a:latin typeface="Arial"/>
+                <a:ea typeface="Arial"/>
+                <a:cs typeface="Arial"/>
+                <a:sym typeface="Arial"/>
+              </a:rPr>
+              <a:t>Ecole d’été - IA &amp; Alimentation durable</a:t>
+            </a:r>
+            <a:endParaRPr sz="1200"/>
+          </a:p>
+        </p:txBody>
+      </p:sp>
+    </p:spTree>
+    <p:extLst>
+      <p:ext uri="{BB962C8B-B14F-4D97-AF65-F5344CB8AC3E}">
+        <p14:creationId xmlns:p14="http://schemas.microsoft.com/office/powerpoint/2010/main" val="160507144"/>
       </p:ext>
     </p:extLst>
   </p:cSld>
@@ -48688,8 +47768,8 @@
 </file>
 
 <file path=customXml/item3.xml><?xml version="1.0" encoding="utf-8"?>
-<ct:contentTypeSchema xmlns:ct="http://schemas.microsoft.com/office/2006/metadata/contentType" xmlns:ma="http://schemas.microsoft.com/office/2006/metadata/properties/metaAttributes" ct:_="" ma:_="" ma:contentTypeName="Document" ma:contentTypeID="0x01010077A6EDE945B30D42982FA5C5A3CB247F" ma:contentTypeVersion="16" ma:contentTypeDescription="Create a new document." ma:contentTypeScope="" ma:versionID="b4587c546cfa4b3c7badc3b07faf4ecf">
-  <xsd:schema xmlns:xsd="http://www.w3.org/2001/XMLSchema" xmlns:xs="http://www.w3.org/2001/XMLSchema" xmlns:p="http://schemas.microsoft.com/office/2006/metadata/properties" xmlns:ns2="3df372fd-abda-494f-b3ef-597d7144351d" xmlns:ns3="ef9f6260-94a2-4740-ad34-75e88d3254ce" targetNamespace="http://schemas.microsoft.com/office/2006/metadata/properties" ma:root="true" ma:fieldsID="a5423d91dbdc042563dc8b0edf4219c2" ns2:_="" ns3:_="">
+<ct:contentTypeSchema xmlns:ct="http://schemas.microsoft.com/office/2006/metadata/contentType" xmlns:ma="http://schemas.microsoft.com/office/2006/metadata/properties/metaAttributes" ct:_="" ma:_="" ma:contentTypeName="Document" ma:contentTypeID="0x01010077A6EDE945B30D42982FA5C5A3CB247F" ma:contentTypeVersion="16" ma:contentTypeDescription="Crée un document." ma:contentTypeScope="" ma:versionID="a1e8a84d6d2d26fc910e22c63b32ba60">
+  <xsd:schema xmlns:xsd="http://www.w3.org/2001/XMLSchema" xmlns:xs="http://www.w3.org/2001/XMLSchema" xmlns:p="http://schemas.microsoft.com/office/2006/metadata/properties" xmlns:ns2="3df372fd-abda-494f-b3ef-597d7144351d" xmlns:ns3="ef9f6260-94a2-4740-ad34-75e88d3254ce" targetNamespace="http://schemas.microsoft.com/office/2006/metadata/properties" ma:root="true" ma:fieldsID="abf71dedd33c90e6706e3d8ea8ec5cdf" ns2:_="" ns3:_="">
     <xsd:import namespace="3df372fd-abda-494f-b3ef-597d7144351d"/>
     <xsd:import namespace="ef9f6260-94a2-4740-ad34-75e88d3254ce"/>
     <xsd:element name="properties">
@@ -48758,7 +47838,7 @@
         <xsd:restriction base="dms:Text"/>
       </xsd:simpleType>
     </xsd:element>
-    <xsd:element name="lcf76f155ced4ddcb4097134ff3c332f" ma:index="16" nillable="true" ma:taxonomy="true" ma:internalName="lcf76f155ced4ddcb4097134ff3c332f" ma:taxonomyFieldName="MediaServiceImageTags" ma:displayName="Image Tags" ma:readOnly="false" ma:fieldId="{5cf76f15-5ced-4ddc-b409-7134ff3c332f}" ma:taxonomyMulti="true" ma:sspId="9eaa8290-3616-4126-84aa-16f277ca9cc9" ma:termSetId="09814cd3-568e-fe90-9814-8d621ff8fb84" ma:anchorId="fba54fb3-c3e1-fe81-a776-ca4b69148c4d" ma:open="true" ma:isKeyword="false">
+    <xsd:element name="lcf76f155ced4ddcb4097134ff3c332f" ma:index="16" nillable="true" ma:taxonomy="true" ma:internalName="lcf76f155ced4ddcb4097134ff3c332f" ma:taxonomyFieldName="MediaServiceImageTags" ma:displayName="Balises d’images" ma:readOnly="false" ma:fieldId="{5cf76f15-5ced-4ddc-b409-7134ff3c332f}" ma:taxonomyMulti="true" ma:sspId="9eaa8290-3616-4126-84aa-16f277ca9cc9" ma:termSetId="09814cd3-568e-fe90-9814-8d621ff8fb84" ma:anchorId="fba54fb3-c3e1-fe81-a776-ca4b69148c4d" ma:open="true" ma:isKeyword="false">
       <xsd:complexType>
         <xsd:sequence>
           <xsd:element ref="pc:Terms" minOccurs="0" maxOccurs="1"/>
@@ -48802,7 +47882,7 @@
         </xsd:complexContent>
       </xsd:complexType>
     </xsd:element>
-    <xsd:element name="SharedWithUsers" ma:index="20" nillable="true" ma:displayName="Shared With" ma:internalName="SharedWithUsers" ma:readOnly="true">
+    <xsd:element name="SharedWithUsers" ma:index="20" nillable="true" ma:displayName="Partagé avec" ma:internalName="SharedWithUsers" ma:readOnly="true">
       <xsd:complexType>
         <xsd:complexContent>
           <xsd:extension base="dms:UserMulti">
@@ -48821,7 +47901,7 @@
         </xsd:complexContent>
       </xsd:complexType>
     </xsd:element>
-    <xsd:element name="SharedWithDetails" ma:index="21" nillable="true" ma:displayName="Shared With Details" ma:internalName="SharedWithDetails" ma:readOnly="true">
+    <xsd:element name="SharedWithDetails" ma:index="21" nillable="true" ma:displayName="Partagé avec détails" ma:internalName="SharedWithDetails" ma:readOnly="true">
       <xsd:simpleType>
         <xsd:restriction base="dms:Note">
           <xsd:maxLength value="255"/>
@@ -48838,8 +47918,8 @@
         <xsd:element ref="dc:creator" minOccurs="0" maxOccurs="1"/>
         <xsd:element ref="dcterms:created" minOccurs="0" maxOccurs="1"/>
         <xsd:element ref="dc:identifier" minOccurs="0" maxOccurs="1"/>
-        <xsd:element name="contentType" minOccurs="0" maxOccurs="1" type="xsd:string" ma:index="0" ma:displayName="Content Type"/>
-        <xsd:element ref="dc:title" minOccurs="0" maxOccurs="1" ma:index="4" ma:displayName="Title"/>
+        <xsd:element name="contentType" minOccurs="0" maxOccurs="1" type="xsd:string" ma:index="0" ma:displayName="Type de contenu"/>
+        <xsd:element ref="dc:title" minOccurs="0" maxOccurs="1" ma:index="4" ma:displayName="Titre"/>
         <xsd:element ref="dc:subject" minOccurs="0" maxOccurs="1"/>
         <xsd:element ref="dc:description" minOccurs="0" maxOccurs="1"/>
         <xsd:element name="keywords" minOccurs="0" maxOccurs="1" type="xsd:string"/>
@@ -48939,22 +48019,22 @@
 <file path=customXml/itemProps2.xml><?xml version="1.0" encoding="utf-8"?>
 <ds:datastoreItem xmlns:ds="http://schemas.openxmlformats.org/officeDocument/2006/customXml" ds:itemID="{92BB7799-CF5F-47DA-A545-414E5BC4CEE8}">
   <ds:schemaRefs>
+    <ds:schemaRef ds:uri="http://purl.org/dc/dcmitype/"/>
+    <ds:schemaRef ds:uri="http://schemas.microsoft.com/office/2006/metadata/properties"/>
+    <ds:schemaRef ds:uri="http://schemas.microsoft.com/office/infopath/2007/PartnerControls"/>
+    <ds:schemaRef ds:uri="http://schemas.microsoft.com/office/2006/documentManagement/types"/>
+    <ds:schemaRef ds:uri="http://purl.org/dc/elements/1.1/"/>
     <ds:schemaRef ds:uri="http://purl.org/dc/terms/"/>
-    <ds:schemaRef ds:uri="http://schemas.microsoft.com/office/2006/documentManagement/types"/>
-    <ds:schemaRef ds:uri="http://purl.org/dc/dcmitype/"/>
-    <ds:schemaRef ds:uri="http://purl.org/dc/elements/1.1/"/>
-    <ds:schemaRef ds:uri="http://schemas.microsoft.com/office/infopath/2007/PartnerControls"/>
+    <ds:schemaRef ds:uri="http://www.w3.org/XML/1998/namespace"/>
     <ds:schemaRef ds:uri="http://schemas.openxmlformats.org/package/2006/metadata/core-properties"/>
     <ds:schemaRef ds:uri="ef9f6260-94a2-4740-ad34-75e88d3254ce"/>
     <ds:schemaRef ds:uri="3df372fd-abda-494f-b3ef-597d7144351d"/>
-    <ds:schemaRef ds:uri="http://schemas.microsoft.com/office/2006/metadata/properties"/>
-    <ds:schemaRef ds:uri="http://www.w3.org/XML/1998/namespace"/>
   </ds:schemaRefs>
 </ds:datastoreItem>
 </file>
 
 <file path=customXml/itemProps3.xml><?xml version="1.0" encoding="utf-8"?>
-<ds:datastoreItem xmlns:ds="http://schemas.openxmlformats.org/officeDocument/2006/customXml" ds:itemID="{7C22235A-DF62-465B-AF23-0FC0D33222D4}">
+<ds:datastoreItem xmlns:ds="http://schemas.openxmlformats.org/officeDocument/2006/customXml" ds:itemID="{3FCF95F5-4466-42AA-9106-E5A6C502ADC6}">
   <ds:schemaRefs>
     <ds:schemaRef ds:uri="http://schemas.microsoft.com/office/2006/metadata/contentType"/>
     <ds:schemaRef ds:uri="http://schemas.microsoft.com/office/2006/metadata/properties/metaAttributes"/>
